--- a/��Ŀ����ʵս/Lesson 8 ϵͳ���.pptx
+++ b/��Ŀ����ʵս/Lesson 8 ϵͳ���.pptx
@@ -5,7 +5,7 @@
     <p:sldMasterId id="2147483660" r:id="rId1"/>
   </p:sldMasterIdLst>
   <p:notesMasterIdLst>
-    <p:notesMasterId r:id="rId38"/>
+    <p:notesMasterId r:id="rId39"/>
   </p:notesMasterIdLst>
   <p:sldIdLst>
     <p:sldId id="257" r:id="rId2"/>
@@ -23,27 +23,28 @@
     <p:sldId id="265" r:id="rId14"/>
     <p:sldId id="264" r:id="rId15"/>
     <p:sldId id="268" r:id="rId16"/>
-    <p:sldId id="269" r:id="rId17"/>
-    <p:sldId id="270" r:id="rId18"/>
-    <p:sldId id="271" r:id="rId19"/>
-    <p:sldId id="272" r:id="rId20"/>
-    <p:sldId id="273" r:id="rId21"/>
-    <p:sldId id="292" r:id="rId22"/>
-    <p:sldId id="275" r:id="rId23"/>
-    <p:sldId id="281" r:id="rId24"/>
-    <p:sldId id="293" r:id="rId25"/>
-    <p:sldId id="294" r:id="rId26"/>
-    <p:sldId id="276" r:id="rId27"/>
-    <p:sldId id="277" r:id="rId28"/>
-    <p:sldId id="291" r:id="rId29"/>
-    <p:sldId id="286" r:id="rId30"/>
-    <p:sldId id="287" r:id="rId31"/>
-    <p:sldId id="288" r:id="rId32"/>
-    <p:sldId id="289" r:id="rId33"/>
-    <p:sldId id="282" r:id="rId34"/>
-    <p:sldId id="278" r:id="rId35"/>
-    <p:sldId id="283" r:id="rId36"/>
-    <p:sldId id="284" r:id="rId37"/>
+    <p:sldId id="297" r:id="rId17"/>
+    <p:sldId id="269" r:id="rId18"/>
+    <p:sldId id="270" r:id="rId19"/>
+    <p:sldId id="271" r:id="rId20"/>
+    <p:sldId id="272" r:id="rId21"/>
+    <p:sldId id="273" r:id="rId22"/>
+    <p:sldId id="292" r:id="rId23"/>
+    <p:sldId id="275" r:id="rId24"/>
+    <p:sldId id="281" r:id="rId25"/>
+    <p:sldId id="293" r:id="rId26"/>
+    <p:sldId id="294" r:id="rId27"/>
+    <p:sldId id="276" r:id="rId28"/>
+    <p:sldId id="277" r:id="rId29"/>
+    <p:sldId id="291" r:id="rId30"/>
+    <p:sldId id="286" r:id="rId31"/>
+    <p:sldId id="287" r:id="rId32"/>
+    <p:sldId id="288" r:id="rId33"/>
+    <p:sldId id="289" r:id="rId34"/>
+    <p:sldId id="282" r:id="rId35"/>
+    <p:sldId id="278" r:id="rId36"/>
+    <p:sldId id="283" r:id="rId37"/>
+    <p:sldId id="284" r:id="rId38"/>
   </p:sldIdLst>
   <p:sldSz cx="9144000" cy="6858000" type="screen4x3"/>
   <p:notesSz cx="6858000" cy="9144000"/>
@@ -5374,11 +5375,7 @@
         <a:p>
           <a:r>
             <a:rPr lang="en-US" altLang="zh-CN" dirty="0" smtClean="0"/>
-            <a:t>2</a:t>
-          </a:r>
-          <a:r>
-            <a:rPr lang="en-US" altLang="zh-CN" dirty="0" smtClean="0"/>
-            <a:t>.</a:t>
+            <a:t>2.</a:t>
           </a:r>
           <a:r>
             <a:rPr lang="zh-CN" altLang="en-US" dirty="0" smtClean="0"/>
@@ -8489,110 +8486,110 @@
     </dgm:pt>
   </dgm:ptLst>
   <dgm:cxnLst>
+    <dgm:cxn modelId="{83CA632D-11EF-413C-9A3D-7308B2972E6F}" type="presOf" srcId="{346ACF1A-48B8-4FB0-83F7-272FD651A225}" destId="{4021AD6D-1EF3-4A75-BBFE-A469538A9B92}" srcOrd="0" destOrd="0" presId="urn:microsoft.com/office/officeart/2005/8/layout/orgChart1"/>
+    <dgm:cxn modelId="{9E1F7AC8-4866-42B4-996C-B43FEB519757}" srcId="{46FDE988-E257-4D71-8ED7-52BDEB2541C1}" destId="{62AE624B-A8BE-426E-B3E7-17B0D11A10E3}" srcOrd="4" destOrd="0" parTransId="{C2EC763A-6FC4-443B-87F3-90EC674878AB}" sibTransId="{8662896F-AF39-4F15-95F0-7AFA9ACF0991}"/>
+    <dgm:cxn modelId="{8BD8AB1C-0DD1-4C80-8A92-8FCA70859CAA}" type="presOf" srcId="{E9C18366-A026-4517-A890-855EA902F5DC}" destId="{54193F16-9A7A-49FF-B770-C6B6126EB6B1}" srcOrd="0" destOrd="0" presId="urn:microsoft.com/office/officeart/2005/8/layout/orgChart1"/>
+    <dgm:cxn modelId="{444B6D5F-6F6D-43DA-9832-1CF1859ED305}" type="presOf" srcId="{FF216A70-A517-4F78-9CAF-1F782A0BFC93}" destId="{254A9D5A-D60C-4E50-8966-686BAF7C89CE}" srcOrd="0" destOrd="0" presId="urn:microsoft.com/office/officeart/2005/8/layout/orgChart1"/>
+    <dgm:cxn modelId="{A22DA1C0-C591-4C35-BDB4-C5C1C8CF45AF}" type="presOf" srcId="{A418D968-517D-4135-807D-E60F7957DFAA}" destId="{8B486FD5-8E33-4045-9CBB-1CC6E34C5A30}" srcOrd="0" destOrd="0" presId="urn:microsoft.com/office/officeart/2005/8/layout/orgChart1"/>
+    <dgm:cxn modelId="{349005E5-3EBB-40FA-AE0C-A4C1F6028B4F}" srcId="{8F4FA709-D38A-4245-A22F-103013C0C5AA}" destId="{0F15B8B4-68FB-4ABD-9043-004A4EBDBB2E}" srcOrd="0" destOrd="0" parTransId="{0157B61A-6D71-41B5-B2E8-0394C1F79411}" sibTransId="{9AF40022-9917-46D0-AE4C-6A27102976C9}"/>
+    <dgm:cxn modelId="{EE25489B-F9FD-4E4B-A6AD-B07ED435F3F4}" srcId="{B8CD64A5-C69C-4502-B295-A569C1DBD49A}" destId="{3309B010-2B1A-407A-BFFA-C6B06A80F475}" srcOrd="6" destOrd="0" parTransId="{2A9F7A4C-AD84-4662-B4D1-B02568007512}" sibTransId="{09A7EC09-2C83-476F-8C4E-E0E749AD6D19}"/>
+    <dgm:cxn modelId="{4426E18D-2F4E-4EE9-81E9-34E6B48CE5F7}" srcId="{46FDE988-E257-4D71-8ED7-52BDEB2541C1}" destId="{CF460F04-105B-4F7A-AF90-67BDFECEE0F2}" srcOrd="3" destOrd="0" parTransId="{2EE01831-8875-4D45-87CD-95960F9A5A6F}" sibTransId="{1A30CC46-0A7A-480E-8144-DB9BA95EA5E6}"/>
+    <dgm:cxn modelId="{4B74F340-F389-4662-8589-2E133F3AB8BA}" type="presOf" srcId="{BAF686F6-26E5-4D08-BE46-3736568C10B7}" destId="{1CF95F02-82ED-4CD9-9BA2-61CE8BDB58C5}" srcOrd="0" destOrd="0" presId="urn:microsoft.com/office/officeart/2005/8/layout/orgChart1"/>
+    <dgm:cxn modelId="{B406845D-D987-4835-8941-30FB19F3BAD0}" srcId="{0F15B8B4-68FB-4ABD-9043-004A4EBDBB2E}" destId="{F325EF52-51F5-4AF8-9DC6-56FD58D8800D}" srcOrd="2" destOrd="0" parTransId="{D8F503A6-FDEA-4AB0-B507-505E962E053A}" sibTransId="{C2BDA3FB-E467-4393-9D3A-7EC2A739BB39}"/>
+    <dgm:cxn modelId="{E730E213-FA91-449C-A9EA-731AE141813F}" srcId="{8F4FA709-D38A-4245-A22F-103013C0C5AA}" destId="{5CD7410B-B739-450E-99BB-6BF77CCC2E0E}" srcOrd="4" destOrd="0" parTransId="{0A8C8135-A421-4838-A9B4-B318E19445EA}" sibTransId="{06B7B583-7A13-4320-B1F6-7AE9D6091883}"/>
+    <dgm:cxn modelId="{986597CE-D4F4-4F86-9473-8482DAAED29E}" srcId="{B8CD64A5-C69C-4502-B295-A569C1DBD49A}" destId="{ADCC4D66-DFE1-42CF-9D99-646A4CD555A9}" srcOrd="3" destOrd="0" parTransId="{BAF686F6-26E5-4D08-BE46-3736568C10B7}" sibTransId="{F90A2496-53DC-44F7-AA45-AADFF796DFBC}"/>
+    <dgm:cxn modelId="{9EFA073C-A576-4DF9-B335-553801C12CAD}" type="presOf" srcId="{984B265F-44D1-4705-96AD-7614F16CB930}" destId="{1E6766D5-445E-449B-B283-19EB5BB56EBE}" srcOrd="0" destOrd="0" presId="urn:microsoft.com/office/officeart/2005/8/layout/orgChart1"/>
+    <dgm:cxn modelId="{261DCADA-D310-4849-AA6A-CF270A0575BC}" type="presOf" srcId="{CF460F04-105B-4F7A-AF90-67BDFECEE0F2}" destId="{EE3F984B-22C9-4C55-99E8-A33E45D752BE}" srcOrd="1" destOrd="0" presId="urn:microsoft.com/office/officeart/2005/8/layout/orgChart1"/>
+    <dgm:cxn modelId="{3B2EECB2-6D12-4AB4-B34A-83F04E5386AB}" type="presOf" srcId="{05EE0387-98E9-4263-B2EB-F9E95FF8667F}" destId="{742ABAA1-D448-4568-ACC2-8FA3D8F26FDD}" srcOrd="0" destOrd="0" presId="urn:microsoft.com/office/officeart/2005/8/layout/orgChart1"/>
+    <dgm:cxn modelId="{B3FC5511-A643-4ADA-95CA-4690412DE565}" type="presOf" srcId="{B8CD64A5-C69C-4502-B295-A569C1DBD49A}" destId="{9B1F4E46-57C5-4497-AF1F-EB45F4462975}" srcOrd="1" destOrd="0" presId="urn:microsoft.com/office/officeart/2005/8/layout/orgChart1"/>
+    <dgm:cxn modelId="{BE97EE0E-7F3D-4864-95FC-F469891ACC2F}" type="presOf" srcId="{AAE0A359-BB39-4FD3-8621-0E52706B8BB8}" destId="{C58CCCFC-22DD-4E4B-A39E-07A84A7F9CAE}" srcOrd="1" destOrd="0" presId="urn:microsoft.com/office/officeart/2005/8/layout/orgChart1"/>
+    <dgm:cxn modelId="{AEB7594F-EBD0-4C84-9536-C646B52CD694}" type="presOf" srcId="{8C3BB350-E836-4AC6-8994-38F006B0D0D8}" destId="{A7F833AB-C196-4BF8-980D-5DAD8A10EDC5}" srcOrd="1" destOrd="0" presId="urn:microsoft.com/office/officeart/2005/8/layout/orgChart1"/>
+    <dgm:cxn modelId="{48032696-56F7-44FB-AB67-50C159C3CAA9}" type="presOf" srcId="{46FDE988-E257-4D71-8ED7-52BDEB2541C1}" destId="{69A30AA9-6C50-4784-BB81-0311515078D5}" srcOrd="1" destOrd="0" presId="urn:microsoft.com/office/officeart/2005/8/layout/orgChart1"/>
+    <dgm:cxn modelId="{2A0186A5-8794-47F9-ABD2-5EEA48BA27E9}" type="presOf" srcId="{4C5200EC-4036-407B-90AC-9A4858A8ED38}" destId="{3E5B3977-8EC8-4185-924D-8978B31E533F}" srcOrd="0" destOrd="0" presId="urn:microsoft.com/office/officeart/2005/8/layout/orgChart1"/>
+    <dgm:cxn modelId="{7F2D8229-BBC3-4878-8C39-0180A04E8773}" type="presOf" srcId="{B8CD64A5-C69C-4502-B295-A569C1DBD49A}" destId="{EECFEA76-768E-4449-B742-24DA9C420720}" srcOrd="0" destOrd="0" presId="urn:microsoft.com/office/officeart/2005/8/layout/orgChart1"/>
+    <dgm:cxn modelId="{B1E00814-23D8-4325-B6C6-C371F2D811F8}" srcId="{0F15B8B4-68FB-4ABD-9043-004A4EBDBB2E}" destId="{7B8D5B0F-3D4A-46EB-8AC5-815EBD8333AE}" srcOrd="0" destOrd="0" parTransId="{31D18EB9-86F1-466F-A87F-7F61B3DDCBC3}" sibTransId="{86ED6CF2-A4BB-464A-913E-71F9907DE02C}"/>
+    <dgm:cxn modelId="{E360D8DD-A51C-42DD-8BE6-069887CD7E12}" type="presOf" srcId="{C2EC763A-6FC4-443B-87F3-90EC674878AB}" destId="{2309D625-3E3C-4EC1-A7AC-2B965EA82EA5}" srcOrd="0" destOrd="0" presId="urn:microsoft.com/office/officeart/2005/8/layout/orgChart1"/>
+    <dgm:cxn modelId="{6EBAD78F-0E5E-4EC8-A69A-7F97BE55BEB5}" type="presOf" srcId="{0F15B8B4-68FB-4ABD-9043-004A4EBDBB2E}" destId="{296CD0C5-16A6-475D-A79C-B684D4C2A1F5}" srcOrd="1" destOrd="0" presId="urn:microsoft.com/office/officeart/2005/8/layout/orgChart1"/>
+    <dgm:cxn modelId="{8D31FE97-15DB-49A4-9670-78B56564B522}" type="presOf" srcId="{2DFAEE73-DEDB-43C8-AB65-D46B18FF5CA7}" destId="{5058B0BF-72E6-4B99-9C94-549859300065}" srcOrd="0" destOrd="0" presId="urn:microsoft.com/office/officeart/2005/8/layout/orgChart1"/>
+    <dgm:cxn modelId="{1E728798-6604-4D91-A06D-46800977A811}" type="presOf" srcId="{B961107C-7340-409A-AD92-A3154863B985}" destId="{3A1D62C4-2AA8-4B16-A54E-2F4EBE884DDF}" srcOrd="0" destOrd="0" presId="urn:microsoft.com/office/officeart/2005/8/layout/orgChart1"/>
+    <dgm:cxn modelId="{EE0D405B-030B-4C39-8202-04F4B995D999}" type="presOf" srcId="{134E2663-ED41-4EED-BA70-8C2F1BEA936E}" destId="{C9632D3A-9A18-420F-81B3-58FB00F28C85}" srcOrd="1" destOrd="0" presId="urn:microsoft.com/office/officeart/2005/8/layout/orgChart1"/>
+    <dgm:cxn modelId="{DAC19115-6F34-4842-B9C0-9A8E896C66A7}" srcId="{5CD7410B-B739-450E-99BB-6BF77CCC2E0E}" destId="{5D6634B9-51A2-4B57-9D73-7DC8E7D89244}" srcOrd="0" destOrd="0" parTransId="{FF216A70-A517-4F78-9CAF-1F782A0BFC93}" sibTransId="{E97C6A11-24D1-47D3-8464-21B9DAABABB2}"/>
+    <dgm:cxn modelId="{6B891ABB-B717-4575-ABA0-5B7373549EAC}" type="presOf" srcId="{31D18EB9-86F1-466F-A87F-7F61B3DDCBC3}" destId="{FFD5089A-8D49-4EB1-9003-B84CBEEC781E}" srcOrd="0" destOrd="0" presId="urn:microsoft.com/office/officeart/2005/8/layout/orgChart1"/>
+    <dgm:cxn modelId="{08320AFB-2DB0-4C0A-B58D-6DD5648021D8}" type="presOf" srcId="{3309B010-2B1A-407A-BFFA-C6B06A80F475}" destId="{C2DEAB05-2B0B-4DEC-8F44-440F14DEEE1B}" srcOrd="1" destOrd="0" presId="urn:microsoft.com/office/officeart/2005/8/layout/orgChart1"/>
+    <dgm:cxn modelId="{BD51090E-EB5D-4B36-B44E-AED1E665E5DC}" srcId="{46FDE988-E257-4D71-8ED7-52BDEB2541C1}" destId="{30893F08-6804-4AC2-A521-47658111DE3E}" srcOrd="2" destOrd="0" parTransId="{3B764636-BF7F-4FDC-BD67-CD10B68D91D7}" sibTransId="{8D22D13F-887C-49BA-BB24-B86D2DF500F2}"/>
+    <dgm:cxn modelId="{4A595AED-3D19-477F-B6C0-CEBA8DFF7BA1}" type="presOf" srcId="{3572BD0F-4B34-4ADB-A289-45297FC6E435}" destId="{7D7BA5AB-EA08-4E8F-BE7E-48B73A89DF7D}" srcOrd="1" destOrd="0" presId="urn:microsoft.com/office/officeart/2005/8/layout/orgChart1"/>
+    <dgm:cxn modelId="{244489B5-0BD8-43BB-B9D6-A0430B01666B}" type="presOf" srcId="{DD809AA5-E61F-42D7-A696-7611C00511ED}" destId="{C101385D-7984-49EA-94A9-D8482E268BCE}" srcOrd="0" destOrd="0" presId="urn:microsoft.com/office/officeart/2005/8/layout/orgChart1"/>
+    <dgm:cxn modelId="{824A1BFA-9001-42E1-8686-91935215CED8}" type="presOf" srcId="{8C3BB350-E836-4AC6-8994-38F006B0D0D8}" destId="{FF5DDB36-DD2C-4991-9012-AF29437BC6C4}" srcOrd="0" destOrd="0" presId="urn:microsoft.com/office/officeart/2005/8/layout/orgChart1"/>
+    <dgm:cxn modelId="{CC9C4121-2AFA-41F7-9A6D-8779071364F2}" type="presOf" srcId="{0F15B8B4-68FB-4ABD-9043-004A4EBDBB2E}" destId="{47ACEFBD-E301-49C3-B44C-EDD055C1E637}" srcOrd="0" destOrd="0" presId="urn:microsoft.com/office/officeart/2005/8/layout/orgChart1"/>
+    <dgm:cxn modelId="{BF637B7C-BA15-4BEE-B5D2-FE9BFD4023C8}" type="presOf" srcId="{134E2663-ED41-4EED-BA70-8C2F1BEA936E}" destId="{F3D85E40-079E-4B66-9906-F637DD8FCC9C}" srcOrd="0" destOrd="0" presId="urn:microsoft.com/office/officeart/2005/8/layout/orgChart1"/>
+    <dgm:cxn modelId="{9C1532A9-AAB6-4CE6-B6E1-84BEFC71CB00}" type="presOf" srcId="{3E1A4835-C23D-4918-8044-C82085A40503}" destId="{EDB97EA3-77CA-4FDB-8D37-99E3887C21F0}" srcOrd="0" destOrd="0" presId="urn:microsoft.com/office/officeart/2005/8/layout/orgChart1"/>
+    <dgm:cxn modelId="{857C658B-7B99-4886-A176-EAED95345E86}" srcId="{8F4FA709-D38A-4245-A22F-103013C0C5AA}" destId="{B8CD64A5-C69C-4502-B295-A569C1DBD49A}" srcOrd="1" destOrd="0" parTransId="{DD809AA5-E61F-42D7-A696-7611C00511ED}" sibTransId="{6A3EA0B9-9D45-4BE2-BEA7-A7B54003DEC8}"/>
+    <dgm:cxn modelId="{597FAF57-1286-4BB6-AB9E-70F0981B9ACB}" type="presOf" srcId="{0A8C8135-A421-4838-A9B4-B318E19445EA}" destId="{01D3174A-5905-4606-AEC9-AA2D2C28DA1D}" srcOrd="0" destOrd="0" presId="urn:microsoft.com/office/officeart/2005/8/layout/orgChart1"/>
+    <dgm:cxn modelId="{F504348E-A76B-432F-BA87-1D970DB5A19D}" type="presOf" srcId="{3572BD0F-4B34-4ADB-A289-45297FC6E435}" destId="{475A3D8F-FF2E-44DC-9E2E-9844173C3E8E}" srcOrd="0" destOrd="0" presId="urn:microsoft.com/office/officeart/2005/8/layout/orgChart1"/>
+    <dgm:cxn modelId="{64551A9C-CCE6-4161-AFE5-DD0F547E590E}" srcId="{A418D968-517D-4135-807D-E60F7957DFAA}" destId="{8F4FA709-D38A-4245-A22F-103013C0C5AA}" srcOrd="0" destOrd="0" parTransId="{B69F4D82-15A6-4178-B5DA-FF507EB8C1B0}" sibTransId="{24FC8E6C-A976-4C75-BFA4-CAF67BF7684A}"/>
+    <dgm:cxn modelId="{53AA2EA7-D1EC-4DF3-BE5D-81AB34ECE77B}" type="presOf" srcId="{5D6634B9-51A2-4B57-9D73-7DC8E7D89244}" destId="{8825D4E1-56D7-4860-AA92-9A5228CF49FF}" srcOrd="0" destOrd="0" presId="urn:microsoft.com/office/officeart/2005/8/layout/orgChart1"/>
+    <dgm:cxn modelId="{D273B606-170B-425A-9C56-9A9237624A51}" type="presOf" srcId="{346ACF1A-48B8-4FB0-83F7-272FD651A225}" destId="{B1737AE1-AECF-41E4-B619-4D6731069D6D}" srcOrd="1" destOrd="0" presId="urn:microsoft.com/office/officeart/2005/8/layout/orgChart1"/>
+    <dgm:cxn modelId="{EC349D51-2F97-4B4C-A260-C91D13AC871C}" type="presOf" srcId="{A4F14BD0-B0FD-497B-98DA-E36B709E607C}" destId="{43296387-E4CB-4E1A-9346-F704B659A735}" srcOrd="0" destOrd="0" presId="urn:microsoft.com/office/officeart/2005/8/layout/orgChart1"/>
+    <dgm:cxn modelId="{A98CA8E5-EA63-4E7B-8260-84D42B22E4C6}" type="presOf" srcId="{62AE624B-A8BE-426E-B3E7-17B0D11A10E3}" destId="{C0287AA4-04D7-4D4D-B9F2-3706B46098B8}" srcOrd="1" destOrd="0" presId="urn:microsoft.com/office/officeart/2005/8/layout/orgChart1"/>
+    <dgm:cxn modelId="{9C2B1F5C-B33E-4AF1-AFD4-27FF85C922DB}" type="presOf" srcId="{F325EF52-51F5-4AF8-9DC6-56FD58D8800D}" destId="{585032BB-36C8-40CD-8BA1-09492370A065}" srcOrd="1" destOrd="0" presId="urn:microsoft.com/office/officeart/2005/8/layout/orgChart1"/>
+    <dgm:cxn modelId="{FC179AC6-B0B2-47A4-A4D9-0FB56F3E863B}" srcId="{8C3BB350-E836-4AC6-8994-38F006B0D0D8}" destId="{D797C479-9D9C-4102-B9F3-439C9D066F53}" srcOrd="0" destOrd="0" parTransId="{8883B7E9-C3B0-4C77-B266-96205090DE77}" sibTransId="{3AEFFFFB-CAB7-445D-86EB-EFC517F9B52F}"/>
+    <dgm:cxn modelId="{C319D85E-A4A7-4AA3-921F-0AC11BC6BBDD}" srcId="{8C3BB350-E836-4AC6-8994-38F006B0D0D8}" destId="{AAE0A359-BB39-4FD3-8621-0E52706B8BB8}" srcOrd="1" destOrd="0" parTransId="{4C5200EC-4036-407B-90AC-9A4858A8ED38}" sibTransId="{2625A5F9-8320-4DD1-A8EF-1FD4C9F26C8B}"/>
+    <dgm:cxn modelId="{28938884-69F6-41B0-AA3B-AD29073DFA6B}" type="presOf" srcId="{CF460F04-105B-4F7A-AF90-67BDFECEE0F2}" destId="{B7AB30BD-9D6D-4F52-80D6-F0D6CD3666BE}" srcOrd="0" destOrd="0" presId="urn:microsoft.com/office/officeart/2005/8/layout/orgChart1"/>
+    <dgm:cxn modelId="{CF589D86-4E6F-406B-9A50-14FE262F44C8}" type="presOf" srcId="{0157B61A-6D71-41B5-B2E8-0394C1F79411}" destId="{8F4D5A79-3FAA-4AC7-931E-3097E705C93D}" srcOrd="0" destOrd="0" presId="urn:microsoft.com/office/officeart/2005/8/layout/orgChart1"/>
+    <dgm:cxn modelId="{671F6013-840F-4A95-BA2D-F1EFE6E17E93}" type="presOf" srcId="{46FDE988-E257-4D71-8ED7-52BDEB2541C1}" destId="{F3703352-8975-4C32-B6D8-D57E91768F87}" srcOrd="0" destOrd="0" presId="urn:microsoft.com/office/officeart/2005/8/layout/orgChart1"/>
+    <dgm:cxn modelId="{0067CCFD-A84E-444B-B1CE-C8D48350C3AE}" type="presOf" srcId="{5D6634B9-51A2-4B57-9D73-7DC8E7D89244}" destId="{146A46FC-37AA-4D02-923E-802A72F7CF8C}" srcOrd="1" destOrd="0" presId="urn:microsoft.com/office/officeart/2005/8/layout/orgChart1"/>
+    <dgm:cxn modelId="{63ADE655-6EE1-4B4C-91A8-F8BAD29FFA0B}" srcId="{B8CD64A5-C69C-4502-B295-A569C1DBD49A}" destId="{05EE0387-98E9-4263-B2EB-F9E95FF8667F}" srcOrd="2" destOrd="0" parTransId="{8C5E8D69-75B1-4419-B199-BE3BA3A04BF4}" sibTransId="{BEBA5EC9-9EF6-43A9-AD01-C3B9CA8EA9AD}"/>
+    <dgm:cxn modelId="{7B83BF95-2C65-427B-B9DA-9804C3A8AB6C}" type="presOf" srcId="{71FFEC92-F793-414E-A207-115C263EBE23}" destId="{8AAE5A53-D082-4E09-8CF5-3C034EE39515}" srcOrd="0" destOrd="0" presId="urn:microsoft.com/office/officeart/2005/8/layout/orgChart1"/>
+    <dgm:cxn modelId="{AD29C257-4F33-4B14-8AD8-3D02A019D3E9}" srcId="{5CD7410B-B739-450E-99BB-6BF77CCC2E0E}" destId="{3ACFE4E9-7D87-460C-8074-C47CAB11DE4A}" srcOrd="1" destOrd="0" parTransId="{B696F945-DDC6-4B87-BFCC-482587482D05}" sibTransId="{468AD64D-3F89-4E16-9503-EE20843C43A6}"/>
+    <dgm:cxn modelId="{DCD8D9FC-3A40-4826-8E18-BD0C9DCA67DE}" type="presOf" srcId="{2A9F7A4C-AD84-4662-B4D1-B02568007512}" destId="{B6A58E93-1B78-4EC7-A3A4-30F4C265E47C}" srcOrd="0" destOrd="0" presId="urn:microsoft.com/office/officeart/2005/8/layout/orgChart1"/>
+    <dgm:cxn modelId="{55A10201-9822-4490-AB36-DCB4008C912C}" srcId="{0F15B8B4-68FB-4ABD-9043-004A4EBDBB2E}" destId="{670328EE-A698-4EC3-B54C-25ADBDB0EA68}" srcOrd="3" destOrd="0" parTransId="{E9C18366-A026-4517-A890-855EA902F5DC}" sibTransId="{61A038E1-2CF2-4885-8E89-781583FAE254}"/>
+    <dgm:cxn modelId="{F4C5A125-BE89-4E3E-B542-2111DAD3A53C}" type="presOf" srcId="{3309B010-2B1A-407A-BFFA-C6B06A80F475}" destId="{0CBBB9FA-8D6C-4794-80D7-050742E5AB2B}" srcOrd="0" destOrd="0" presId="urn:microsoft.com/office/officeart/2005/8/layout/orgChart1"/>
+    <dgm:cxn modelId="{F1771A45-A1BF-4339-B0DF-86EA1FBB616E}" type="presOf" srcId="{7B8D5B0F-3D4A-46EB-8AC5-815EBD8333AE}" destId="{005D713F-5C8F-469D-BAC9-70384C6526FF}" srcOrd="1" destOrd="0" presId="urn:microsoft.com/office/officeart/2005/8/layout/orgChart1"/>
+    <dgm:cxn modelId="{84F3E5FD-E826-4A5B-928E-731F07A7330D}" type="presOf" srcId="{D797C479-9D9C-4102-B9F3-439C9D066F53}" destId="{1294E043-4BDD-45D3-A379-FB58F33D3292}" srcOrd="0" destOrd="0" presId="urn:microsoft.com/office/officeart/2005/8/layout/orgChart1"/>
+    <dgm:cxn modelId="{CCB9B34F-6A98-485C-816C-667CB7ED354B}" srcId="{B8CD64A5-C69C-4502-B295-A569C1DBD49A}" destId="{BC7FAE0C-9DD8-40F0-B165-207D61861429}" srcOrd="0" destOrd="0" parTransId="{EE5D179D-878C-4FCE-83BA-41356C0A16A7}" sibTransId="{CAF0019E-2E86-4109-9D75-820E632D2183}"/>
+    <dgm:cxn modelId="{E4DE3A39-595F-4BC4-B56E-0DE8C926D2CD}" type="presOf" srcId="{BC7FAE0C-9DD8-40F0-B165-207D61861429}" destId="{353DC227-3345-41DF-AB13-0F8DF506629F}" srcOrd="0" destOrd="0" presId="urn:microsoft.com/office/officeart/2005/8/layout/orgChart1"/>
+    <dgm:cxn modelId="{E3E6090B-7850-44AE-B4A8-554731959CD2}" type="presOf" srcId="{395A7C6B-07CF-409E-8F75-5F10FC027637}" destId="{4EB93A96-17BB-4ACB-BDC8-D8403D093921}" srcOrd="1" destOrd="0" presId="urn:microsoft.com/office/officeart/2005/8/layout/orgChart1"/>
+    <dgm:cxn modelId="{B88999D1-972E-4188-857F-508338F0959E}" type="presOf" srcId="{E634D7A0-F135-4FA9-8822-D4E2CD2091CD}" destId="{B8C5FB8D-1905-49E6-920F-61D51D4192F6}" srcOrd="0" destOrd="0" presId="urn:microsoft.com/office/officeart/2005/8/layout/orgChart1"/>
+    <dgm:cxn modelId="{D4CD8F90-8711-48CC-A14E-E5071B27A387}" type="presOf" srcId="{ADCC4D66-DFE1-42CF-9D99-646A4CD555A9}" destId="{C6BD7962-9F5B-4567-83D7-A08FCEACCDA6}" srcOrd="0" destOrd="0" presId="urn:microsoft.com/office/officeart/2005/8/layout/orgChart1"/>
+    <dgm:cxn modelId="{37EFA8DE-E1CF-4A9F-A282-04229D153FCE}" type="presOf" srcId="{F325EF52-51F5-4AF8-9DC6-56FD58D8800D}" destId="{AD084717-D4B1-4F52-9C6E-B16217608AA4}" srcOrd="0" destOrd="0" presId="urn:microsoft.com/office/officeart/2005/8/layout/orgChart1"/>
+    <dgm:cxn modelId="{17059BB2-B2EE-4F90-991B-6E299AF9DE01}" type="presOf" srcId="{D797C479-9D9C-4102-B9F3-439C9D066F53}" destId="{65CD8EE0-E8E7-41D4-AD1C-13F80E1B6529}" srcOrd="1" destOrd="0" presId="urn:microsoft.com/office/officeart/2005/8/layout/orgChart1"/>
+    <dgm:cxn modelId="{9997F740-8977-4BA3-8273-62536BC3D07D}" type="presOf" srcId="{30893F08-6804-4AC2-A521-47658111DE3E}" destId="{EB92E737-3D19-411A-AA48-503531952E4C}" srcOrd="0" destOrd="0" presId="urn:microsoft.com/office/officeart/2005/8/layout/orgChart1"/>
     <dgm:cxn modelId="{FA523241-28C5-42BF-8142-494E733CAB3C}" type="presOf" srcId="{D8F503A6-FDEA-4AB0-B507-505E962E053A}" destId="{4AA77E32-3D75-43B3-8CEB-484423AEE31F}" srcOrd="0" destOrd="0" presId="urn:microsoft.com/office/officeart/2005/8/layout/orgChart1"/>
-    <dgm:cxn modelId="{4A595AED-3D19-477F-B6C0-CEBA8DFF7BA1}" type="presOf" srcId="{3572BD0F-4B34-4ADB-A289-45297FC6E435}" destId="{7D7BA5AB-EA08-4E8F-BE7E-48B73A89DF7D}" srcOrd="1" destOrd="0" presId="urn:microsoft.com/office/officeart/2005/8/layout/orgChart1"/>
-    <dgm:cxn modelId="{52EA577A-1474-48E9-97EF-2F5C942CFCF4}" srcId="{46FDE988-E257-4D71-8ED7-52BDEB2541C1}" destId="{395A7C6B-07CF-409E-8F75-5F10FC027637}" srcOrd="1" destOrd="0" parTransId="{B961107C-7340-409A-AD92-A3154863B985}" sibTransId="{95DC81C9-D4B9-47FF-B417-680F807C9D83}"/>
+    <dgm:cxn modelId="{969508D6-A3F8-4ABC-8551-2E82B9C123CE}" type="presOf" srcId="{B696F945-DDC6-4B87-BFCC-482587482D05}" destId="{BFE227FC-6C90-4891-A215-7A61E3811A22}" srcOrd="0" destOrd="0" presId="urn:microsoft.com/office/officeart/2005/8/layout/orgChart1"/>
+    <dgm:cxn modelId="{D22EE6C2-81C9-4850-8C06-C3174FB7C0FD}" type="presOf" srcId="{E634D7A0-F135-4FA9-8822-D4E2CD2091CD}" destId="{204D9826-62D3-41AD-9110-B0E06CF66CF5}" srcOrd="1" destOrd="0" presId="urn:microsoft.com/office/officeart/2005/8/layout/orgChart1"/>
     <dgm:cxn modelId="{9C8BF505-36DC-4C5E-9803-3AEC896ACD64}" srcId="{B8CD64A5-C69C-4502-B295-A569C1DBD49A}" destId="{71FFEC92-F793-414E-A207-115C263EBE23}" srcOrd="4" destOrd="0" parTransId="{3E1A4835-C23D-4918-8044-C82085A40503}" sibTransId="{849DAFB3-D941-4D99-86BA-249A85444C23}"/>
-    <dgm:cxn modelId="{55A10201-9822-4490-AB36-DCB4008C912C}" srcId="{0F15B8B4-68FB-4ABD-9043-004A4EBDBB2E}" destId="{670328EE-A698-4EC3-B54C-25ADBDB0EA68}" srcOrd="3" destOrd="0" parTransId="{E9C18366-A026-4517-A890-855EA902F5DC}" sibTransId="{61A038E1-2CF2-4885-8E89-781583FAE254}"/>
+    <dgm:cxn modelId="{BD583A33-3AC4-4DA2-A23F-4CCC93421A0B}" type="presOf" srcId="{8C5E8D69-75B1-4419-B199-BE3BA3A04BF4}" destId="{266CF7A3-9956-4EEE-8D24-1B39D32A973E}" srcOrd="0" destOrd="0" presId="urn:microsoft.com/office/officeart/2005/8/layout/orgChart1"/>
+    <dgm:cxn modelId="{3403D862-7FF9-4D95-A13C-90C69E254A70}" type="presOf" srcId="{FEB47D6B-10D8-4991-884D-547280714E7E}" destId="{3714D6C8-FDBC-435F-8B30-3D9FD4EDA141}" srcOrd="0" destOrd="0" presId="urn:microsoft.com/office/officeart/2005/8/layout/orgChart1"/>
+    <dgm:cxn modelId="{4B080399-ADD5-4B3E-AAB9-33066188B2A6}" type="presOf" srcId="{3B764636-BF7F-4FDC-BD67-CD10B68D91D7}" destId="{4C3BB4CC-6F56-43B8-A0DE-775151BF39D6}" srcOrd="0" destOrd="0" presId="urn:microsoft.com/office/officeart/2005/8/layout/orgChart1"/>
+    <dgm:cxn modelId="{4DDA3C5E-7CF7-4838-AFF3-9C74858FA173}" type="presOf" srcId="{71FFEC92-F793-414E-A207-115C263EBE23}" destId="{AEC2C881-39E4-4A5E-B218-C01D19A5C0CC}" srcOrd="1" destOrd="0" presId="urn:microsoft.com/office/officeart/2005/8/layout/orgChart1"/>
+    <dgm:cxn modelId="{44827039-7446-4E51-AF3F-EC5CEC9756FE}" type="presOf" srcId="{670328EE-A698-4EC3-B54C-25ADBDB0EA68}" destId="{7B6F79AC-81B4-4118-87CC-DBB9526E6984}" srcOrd="0" destOrd="0" presId="urn:microsoft.com/office/officeart/2005/8/layout/orgChart1"/>
+    <dgm:cxn modelId="{3A00E24C-D757-4B8C-9E5B-F7FF049EC8E2}" type="presOf" srcId="{05EE0387-98E9-4263-B2EB-F9E95FF8667F}" destId="{3B036DBA-E20C-487E-9A36-FDD1A304D56C}" srcOrd="1" destOrd="0" presId="urn:microsoft.com/office/officeart/2005/8/layout/orgChart1"/>
+    <dgm:cxn modelId="{BEEC375E-76A6-4E46-A834-C95CE573C2F0}" type="presOf" srcId="{62AE624B-A8BE-426E-B3E7-17B0D11A10E3}" destId="{E3E0D664-3721-41D0-AA7B-368F0AED255D}" srcOrd="0" destOrd="0" presId="urn:microsoft.com/office/officeart/2005/8/layout/orgChart1"/>
+    <dgm:cxn modelId="{A384C53C-96CE-48BD-A496-971B34D93A51}" type="presOf" srcId="{8EAA562D-F6C1-49C0-955E-43CCD6618DDF}" destId="{B1F95E04-3A36-4362-8942-7AABECD7B5AF}" srcOrd="0" destOrd="0" presId="urn:microsoft.com/office/officeart/2005/8/layout/orgChart1"/>
+    <dgm:cxn modelId="{3A36CFB6-1B0E-44EE-89C6-606A63CDAA13}" type="presOf" srcId="{8883B7E9-C3B0-4C77-B266-96205090DE77}" destId="{B43F883B-2CCC-4A02-A491-C7302C26D616}" srcOrd="0" destOrd="0" presId="urn:microsoft.com/office/officeart/2005/8/layout/orgChart1"/>
+    <dgm:cxn modelId="{0CF1E989-7055-441E-BDB9-E3C3996FAD4D}" type="presOf" srcId="{5CD7410B-B739-450E-99BB-6BF77CCC2E0E}" destId="{DBBB5CA7-B152-4392-BF73-FB63728F2DEA}" srcOrd="0" destOrd="0" presId="urn:microsoft.com/office/officeart/2005/8/layout/orgChart1"/>
     <dgm:cxn modelId="{495136E8-1279-4A7C-A6A7-85B8183B81F5}" srcId="{0F15B8B4-68FB-4ABD-9043-004A4EBDBB2E}" destId="{3572BD0F-4B34-4ADB-A289-45297FC6E435}" srcOrd="1" destOrd="0" parTransId="{FEB47D6B-10D8-4991-884D-547280714E7E}" sibTransId="{80894239-85E0-49F3-B726-EAD8F38BCF25}"/>
     <dgm:cxn modelId="{603F2A78-59CE-4549-A6C5-F722EAE7171C}" srcId="{B8CD64A5-C69C-4502-B295-A569C1DBD49A}" destId="{E634D7A0-F135-4FA9-8822-D4E2CD2091CD}" srcOrd="5" destOrd="0" parTransId="{8EAA562D-F6C1-49C0-955E-43CCD6618DDF}" sibTransId="{E67D5D56-5F6D-4720-AD89-5528D5DB9E58}"/>
+    <dgm:cxn modelId="{1593A088-E6AE-49D0-99A7-6F6C33818538}" type="presOf" srcId="{AAE0A359-BB39-4FD3-8621-0E52706B8BB8}" destId="{205A7643-EF99-4272-8C74-FB329B7F0C9A}" srcOrd="0" destOrd="0" presId="urn:microsoft.com/office/officeart/2005/8/layout/orgChart1"/>
+    <dgm:cxn modelId="{3ED8C598-BF9E-4F18-A041-0A3E087ABEC7}" srcId="{8F4FA709-D38A-4245-A22F-103013C0C5AA}" destId="{8C3BB350-E836-4AC6-8994-38F006B0D0D8}" srcOrd="2" destOrd="0" parTransId="{984B265F-44D1-4705-96AD-7614F16CB930}" sibTransId="{EE807026-7C5B-4CB4-BB7F-7BD27005E933}"/>
+    <dgm:cxn modelId="{402F1D07-37EF-4B74-889B-6CE63CA4A660}" type="presOf" srcId="{ADCC4D66-DFE1-42CF-9D99-646A4CD555A9}" destId="{258BDB01-2DEB-4414-9916-5793B537B34A}" srcOrd="1" destOrd="0" presId="urn:microsoft.com/office/officeart/2005/8/layout/orgChart1"/>
+    <dgm:cxn modelId="{FAF923CB-259A-4729-9064-6372E435BA38}" type="presOf" srcId="{7B8D5B0F-3D4A-46EB-8AC5-815EBD8333AE}" destId="{5FF59521-D1E6-476A-BCE5-BC95CA08816D}" srcOrd="0" destOrd="0" presId="urn:microsoft.com/office/officeart/2005/8/layout/orgChart1"/>
+    <dgm:cxn modelId="{246FB58F-EDD2-453D-8E56-8BB85EADD828}" type="presOf" srcId="{72935583-F628-4DCA-8289-ABD6C727648E}" destId="{1BAD559E-F40C-4F09-A31A-DF58084DAAE1}" srcOrd="0" destOrd="0" presId="urn:microsoft.com/office/officeart/2005/8/layout/orgChart1"/>
+    <dgm:cxn modelId="{9EB920D8-1D57-477F-9BD7-E32EF451BD12}" type="presOf" srcId="{8F4FA709-D38A-4245-A22F-103013C0C5AA}" destId="{ACDFCA7B-DBD6-4C53-85FA-7A9FF768C2C0}" srcOrd="1" destOrd="0" presId="urn:microsoft.com/office/officeart/2005/8/layout/orgChart1"/>
+    <dgm:cxn modelId="{52EA577A-1474-48E9-97EF-2F5C942CFCF4}" srcId="{46FDE988-E257-4D71-8ED7-52BDEB2541C1}" destId="{395A7C6B-07CF-409E-8F75-5F10FC027637}" srcOrd="1" destOrd="0" parTransId="{B961107C-7340-409A-AD92-A3154863B985}" sibTransId="{95DC81C9-D4B9-47FF-B417-680F807C9D83}"/>
+    <dgm:cxn modelId="{16042000-50EE-4DD7-AA83-C13D85FBFB33}" srcId="{B8CD64A5-C69C-4502-B295-A569C1DBD49A}" destId="{134E2663-ED41-4EED-BA70-8C2F1BEA936E}" srcOrd="1" destOrd="0" parTransId="{A4F14BD0-B0FD-497B-98DA-E36B709E607C}" sibTransId="{9E2FE999-A1C4-4941-AC4F-BCBD8CBEA694}"/>
     <dgm:cxn modelId="{05A89B0B-F472-4C99-93C2-34B774F67E36}" type="presOf" srcId="{5CD7410B-B739-450E-99BB-6BF77CCC2E0E}" destId="{2CC4EA80-24F6-44DA-8DE2-034D30A0E5C0}" srcOrd="1" destOrd="0" presId="urn:microsoft.com/office/officeart/2005/8/layout/orgChart1"/>
-    <dgm:cxn modelId="{A384C53C-96CE-48BD-A496-971B34D93A51}" type="presOf" srcId="{8EAA562D-F6C1-49C0-955E-43CCD6618DDF}" destId="{B1F95E04-3A36-4362-8942-7AABECD7B5AF}" srcOrd="0" destOrd="0" presId="urn:microsoft.com/office/officeart/2005/8/layout/orgChart1"/>
+    <dgm:cxn modelId="{397ADCE7-2A26-4877-BD8E-B6B7E6B4F2CE}" type="presOf" srcId="{BC7FAE0C-9DD8-40F0-B165-207D61861429}" destId="{23239C96-D889-4AB1-9AF9-F6831147CE7D}" srcOrd="1" destOrd="0" presId="urn:microsoft.com/office/officeart/2005/8/layout/orgChart1"/>
+    <dgm:cxn modelId="{1ED8BD73-06E0-4845-95DA-6E8D364AD839}" type="presOf" srcId="{8F4FA709-D38A-4245-A22F-103013C0C5AA}" destId="{E896C3E0-D4CC-4409-8440-F2EA281A8D7F}" srcOrd="0" destOrd="0" presId="urn:microsoft.com/office/officeart/2005/8/layout/orgChart1"/>
+    <dgm:cxn modelId="{7FAF243A-F2C8-4AE4-8C00-C1976AE2C33A}" type="presOf" srcId="{EE5D179D-878C-4FCE-83BA-41356C0A16A7}" destId="{4E9B351E-0791-4FBB-BB2E-EFC19BDEB838}" srcOrd="0" destOrd="0" presId="urn:microsoft.com/office/officeart/2005/8/layout/orgChart1"/>
+    <dgm:cxn modelId="{8BCE8062-78A5-4901-8DCC-32092EC3EEEF}" type="presOf" srcId="{395A7C6B-07CF-409E-8F75-5F10FC027637}" destId="{F0AB1BF8-CE51-47D5-A120-23351EEA0B74}" srcOrd="0" destOrd="0" presId="urn:microsoft.com/office/officeart/2005/8/layout/orgChart1"/>
+    <dgm:cxn modelId="{DFBF6BD8-216C-409F-8348-E343420B7ABE}" type="presOf" srcId="{3ACFE4E9-7D87-460C-8074-C47CAB11DE4A}" destId="{D7B3A42D-8C87-4409-8E4F-17F3E0253D53}" srcOrd="0" destOrd="0" presId="urn:microsoft.com/office/officeart/2005/8/layout/orgChart1"/>
+    <dgm:cxn modelId="{75F16B32-9EAC-4096-8F6A-4B786AE4C300}" srcId="{46FDE988-E257-4D71-8ED7-52BDEB2541C1}" destId="{346ACF1A-48B8-4FB0-83F7-272FD651A225}" srcOrd="0" destOrd="0" parTransId="{2DFAEE73-DEDB-43C8-AB65-D46B18FF5CA7}" sibTransId="{A50170C3-BC8B-4379-B739-377D1436EA8B}"/>
+    <dgm:cxn modelId="{AC48BACE-F393-424E-AFB7-9634C34DCE2B}" type="presOf" srcId="{3ACFE4E9-7D87-460C-8074-C47CAB11DE4A}" destId="{B51113AD-BC56-4E2A-8B52-8279D1D2C944}" srcOrd="1" destOrd="0" presId="urn:microsoft.com/office/officeart/2005/8/layout/orgChart1"/>
+    <dgm:cxn modelId="{79ED9415-9435-4560-B6F4-14DE64A59A3A}" type="presOf" srcId="{30893F08-6804-4AC2-A521-47658111DE3E}" destId="{293DF723-ABFE-472A-846F-80FEF31218E3}" srcOrd="1" destOrd="0" presId="urn:microsoft.com/office/officeart/2005/8/layout/orgChart1"/>
+    <dgm:cxn modelId="{439491EC-4895-418B-948C-A107C977F7C0}" type="presOf" srcId="{670328EE-A698-4EC3-B54C-25ADBDB0EA68}" destId="{E644D3A5-F67C-40F8-B1D1-85DFA35C5561}" srcOrd="1" destOrd="0" presId="urn:microsoft.com/office/officeart/2005/8/layout/orgChart1"/>
     <dgm:cxn modelId="{6ED73AD6-7E65-4E50-8522-C4F287FFEAC9}" type="presOf" srcId="{2EE01831-8875-4D45-87CD-95960F9A5A6F}" destId="{0F5E4178-7045-4E29-8844-225E8294FC7A}" srcOrd="0" destOrd="0" presId="urn:microsoft.com/office/officeart/2005/8/layout/orgChart1"/>
-    <dgm:cxn modelId="{79ED9415-9435-4560-B6F4-14DE64A59A3A}" type="presOf" srcId="{30893F08-6804-4AC2-A521-47658111DE3E}" destId="{293DF723-ABFE-472A-846F-80FEF31218E3}" srcOrd="1" destOrd="0" presId="urn:microsoft.com/office/officeart/2005/8/layout/orgChart1"/>
-    <dgm:cxn modelId="{3A00E24C-D757-4B8C-9E5B-F7FF049EC8E2}" type="presOf" srcId="{05EE0387-98E9-4263-B2EB-F9E95FF8667F}" destId="{3B036DBA-E20C-487E-9A36-FDD1A304D56C}" srcOrd="1" destOrd="0" presId="urn:microsoft.com/office/officeart/2005/8/layout/orgChart1"/>
-    <dgm:cxn modelId="{B88999D1-972E-4188-857F-508338F0959E}" type="presOf" srcId="{E634D7A0-F135-4FA9-8822-D4E2CD2091CD}" destId="{B8C5FB8D-1905-49E6-920F-61D51D4192F6}" srcOrd="0" destOrd="0" presId="urn:microsoft.com/office/officeart/2005/8/layout/orgChart1"/>
-    <dgm:cxn modelId="{AC48BACE-F393-424E-AFB7-9634C34DCE2B}" type="presOf" srcId="{3ACFE4E9-7D87-460C-8074-C47CAB11DE4A}" destId="{B51113AD-BC56-4E2A-8B52-8279D1D2C944}" srcOrd="1" destOrd="0" presId="urn:microsoft.com/office/officeart/2005/8/layout/orgChart1"/>
-    <dgm:cxn modelId="{261DCADA-D310-4849-AA6A-CF270A0575BC}" type="presOf" srcId="{CF460F04-105B-4F7A-AF90-67BDFECEE0F2}" destId="{EE3F984B-22C9-4C55-99E8-A33E45D752BE}" srcOrd="1" destOrd="0" presId="urn:microsoft.com/office/officeart/2005/8/layout/orgChart1"/>
-    <dgm:cxn modelId="{75F16B32-9EAC-4096-8F6A-4B786AE4C300}" srcId="{46FDE988-E257-4D71-8ED7-52BDEB2541C1}" destId="{346ACF1A-48B8-4FB0-83F7-272FD651A225}" srcOrd="0" destOrd="0" parTransId="{2DFAEE73-DEDB-43C8-AB65-D46B18FF5CA7}" sibTransId="{A50170C3-BC8B-4379-B739-377D1436EA8B}"/>
-    <dgm:cxn modelId="{0CF1E989-7055-441E-BDB9-E3C3996FAD4D}" type="presOf" srcId="{5CD7410B-B739-450E-99BB-6BF77CCC2E0E}" destId="{DBBB5CA7-B152-4392-BF73-FB63728F2DEA}" srcOrd="0" destOrd="0" presId="urn:microsoft.com/office/officeart/2005/8/layout/orgChart1"/>
-    <dgm:cxn modelId="{16042000-50EE-4DD7-AA83-C13D85FBFB33}" srcId="{B8CD64A5-C69C-4502-B295-A569C1DBD49A}" destId="{134E2663-ED41-4EED-BA70-8C2F1BEA936E}" srcOrd="1" destOrd="0" parTransId="{A4F14BD0-B0FD-497B-98DA-E36B709E607C}" sibTransId="{9E2FE999-A1C4-4941-AC4F-BCBD8CBEA694}"/>
     <dgm:cxn modelId="{4011F833-49C9-4F5C-8AC3-2E0A5AF09F40}" srcId="{8F4FA709-D38A-4245-A22F-103013C0C5AA}" destId="{46FDE988-E257-4D71-8ED7-52BDEB2541C1}" srcOrd="3" destOrd="0" parTransId="{72935583-F628-4DCA-8289-ABD6C727648E}" sibTransId="{EFD43D0C-CEAA-48D2-BB8F-7A14EDE52469}"/>
-    <dgm:cxn modelId="{439491EC-4895-418B-948C-A107C977F7C0}" type="presOf" srcId="{670328EE-A698-4EC3-B54C-25ADBDB0EA68}" destId="{E644D3A5-F67C-40F8-B1D1-85DFA35C5561}" srcOrd="1" destOrd="0" presId="urn:microsoft.com/office/officeart/2005/8/layout/orgChart1"/>
-    <dgm:cxn modelId="{EE25489B-F9FD-4E4B-A6AD-B07ED435F3F4}" srcId="{B8CD64A5-C69C-4502-B295-A569C1DBD49A}" destId="{3309B010-2B1A-407A-BFFA-C6B06A80F475}" srcOrd="6" destOrd="0" parTransId="{2A9F7A4C-AD84-4662-B4D1-B02568007512}" sibTransId="{09A7EC09-2C83-476F-8C4E-E0E749AD6D19}"/>
-    <dgm:cxn modelId="{B406845D-D987-4835-8941-30FB19F3BAD0}" srcId="{0F15B8B4-68FB-4ABD-9043-004A4EBDBB2E}" destId="{F325EF52-51F5-4AF8-9DC6-56FD58D8800D}" srcOrd="2" destOrd="0" parTransId="{D8F503A6-FDEA-4AB0-B507-505E962E053A}" sibTransId="{C2BDA3FB-E467-4393-9D3A-7EC2A739BB39}"/>
-    <dgm:cxn modelId="{F1771A45-A1BF-4339-B0DF-86EA1FBB616E}" type="presOf" srcId="{7B8D5B0F-3D4A-46EB-8AC5-815EBD8333AE}" destId="{005D713F-5C8F-469D-BAC9-70384C6526FF}" srcOrd="1" destOrd="0" presId="urn:microsoft.com/office/officeart/2005/8/layout/orgChart1"/>
-    <dgm:cxn modelId="{37EFA8DE-E1CF-4A9F-A282-04229D153FCE}" type="presOf" srcId="{F325EF52-51F5-4AF8-9DC6-56FD58D8800D}" destId="{AD084717-D4B1-4F52-9C6E-B16217608AA4}" srcOrd="0" destOrd="0" presId="urn:microsoft.com/office/officeart/2005/8/layout/orgChart1"/>
-    <dgm:cxn modelId="{DCD8D9FC-3A40-4826-8E18-BD0C9DCA67DE}" type="presOf" srcId="{2A9F7A4C-AD84-4662-B4D1-B02568007512}" destId="{B6A58E93-1B78-4EC7-A3A4-30F4C265E47C}" srcOrd="0" destOrd="0" presId="urn:microsoft.com/office/officeart/2005/8/layout/orgChart1"/>
-    <dgm:cxn modelId="{A22DA1C0-C591-4C35-BDB4-C5C1C8CF45AF}" type="presOf" srcId="{A418D968-517D-4135-807D-E60F7957DFAA}" destId="{8B486FD5-8E33-4045-9CBB-1CC6E34C5A30}" srcOrd="0" destOrd="0" presId="urn:microsoft.com/office/officeart/2005/8/layout/orgChart1"/>
-    <dgm:cxn modelId="{D4CD8F90-8711-48CC-A14E-E5071B27A387}" type="presOf" srcId="{ADCC4D66-DFE1-42CF-9D99-646A4CD555A9}" destId="{C6BD7962-9F5B-4567-83D7-A08FCEACCDA6}" srcOrd="0" destOrd="0" presId="urn:microsoft.com/office/officeart/2005/8/layout/orgChart1"/>
-    <dgm:cxn modelId="{3ED8C598-BF9E-4F18-A041-0A3E087ABEC7}" srcId="{8F4FA709-D38A-4245-A22F-103013C0C5AA}" destId="{8C3BB350-E836-4AC6-8994-38F006B0D0D8}" srcOrd="2" destOrd="0" parTransId="{984B265F-44D1-4705-96AD-7614F16CB930}" sibTransId="{EE807026-7C5B-4CB4-BB7F-7BD27005E933}"/>
-    <dgm:cxn modelId="{6EBAD78F-0E5E-4EC8-A69A-7F97BE55BEB5}" type="presOf" srcId="{0F15B8B4-68FB-4ABD-9043-004A4EBDBB2E}" destId="{296CD0C5-16A6-475D-A79C-B684D4C2A1F5}" srcOrd="1" destOrd="0" presId="urn:microsoft.com/office/officeart/2005/8/layout/orgChart1"/>
-    <dgm:cxn modelId="{AEB7594F-EBD0-4C84-9536-C646B52CD694}" type="presOf" srcId="{8C3BB350-E836-4AC6-8994-38F006B0D0D8}" destId="{A7F833AB-C196-4BF8-980D-5DAD8A10EDC5}" srcOrd="1" destOrd="0" presId="urn:microsoft.com/office/officeart/2005/8/layout/orgChart1"/>
-    <dgm:cxn modelId="{4426E18D-2F4E-4EE9-81E9-34E6B48CE5F7}" srcId="{46FDE988-E257-4D71-8ED7-52BDEB2541C1}" destId="{CF460F04-105B-4F7A-AF90-67BDFECEE0F2}" srcOrd="3" destOrd="0" parTransId="{2EE01831-8875-4D45-87CD-95960F9A5A6F}" sibTransId="{1A30CC46-0A7A-480E-8144-DB9BA95EA5E6}"/>
-    <dgm:cxn modelId="{2A0186A5-8794-47F9-ABD2-5EEA48BA27E9}" type="presOf" srcId="{4C5200EC-4036-407B-90AC-9A4858A8ED38}" destId="{3E5B3977-8EC8-4185-924D-8978B31E533F}" srcOrd="0" destOrd="0" presId="urn:microsoft.com/office/officeart/2005/8/layout/orgChart1"/>
-    <dgm:cxn modelId="{CF589D86-4E6F-406B-9A50-14FE262F44C8}" type="presOf" srcId="{0157B61A-6D71-41B5-B2E8-0394C1F79411}" destId="{8F4D5A79-3FAA-4AC7-931E-3097E705C93D}" srcOrd="0" destOrd="0" presId="urn:microsoft.com/office/officeart/2005/8/layout/orgChart1"/>
-    <dgm:cxn modelId="{AD29C257-4F33-4B14-8AD8-3D02A019D3E9}" srcId="{5CD7410B-B739-450E-99BB-6BF77CCC2E0E}" destId="{3ACFE4E9-7D87-460C-8074-C47CAB11DE4A}" srcOrd="1" destOrd="0" parTransId="{B696F945-DDC6-4B87-BFCC-482587482D05}" sibTransId="{468AD64D-3F89-4E16-9503-EE20843C43A6}"/>
-    <dgm:cxn modelId="{BE97EE0E-7F3D-4864-95FC-F469891ACC2F}" type="presOf" srcId="{AAE0A359-BB39-4FD3-8621-0E52706B8BB8}" destId="{C58CCCFC-22DD-4E4B-A39E-07A84A7F9CAE}" srcOrd="1" destOrd="0" presId="urn:microsoft.com/office/officeart/2005/8/layout/orgChart1"/>
-    <dgm:cxn modelId="{402F1D07-37EF-4B74-889B-6CE63CA4A660}" type="presOf" srcId="{ADCC4D66-DFE1-42CF-9D99-646A4CD555A9}" destId="{258BDB01-2DEB-4414-9916-5793B537B34A}" srcOrd="1" destOrd="0" presId="urn:microsoft.com/office/officeart/2005/8/layout/orgChart1"/>
-    <dgm:cxn modelId="{48032696-56F7-44FB-AB67-50C159C3CAA9}" type="presOf" srcId="{46FDE988-E257-4D71-8ED7-52BDEB2541C1}" destId="{69A30AA9-6C50-4784-BB81-0311515078D5}" srcOrd="1" destOrd="0" presId="urn:microsoft.com/office/officeart/2005/8/layout/orgChart1"/>
-    <dgm:cxn modelId="{D22EE6C2-81C9-4850-8C06-C3174FB7C0FD}" type="presOf" srcId="{E634D7A0-F135-4FA9-8822-D4E2CD2091CD}" destId="{204D9826-62D3-41AD-9110-B0E06CF66CF5}" srcOrd="1" destOrd="0" presId="urn:microsoft.com/office/officeart/2005/8/layout/orgChart1"/>
-    <dgm:cxn modelId="{84F3E5FD-E826-4A5B-928E-731F07A7330D}" type="presOf" srcId="{D797C479-9D9C-4102-B9F3-439C9D066F53}" destId="{1294E043-4BDD-45D3-A379-FB58F33D3292}" srcOrd="0" destOrd="0" presId="urn:microsoft.com/office/officeart/2005/8/layout/orgChart1"/>
-    <dgm:cxn modelId="{BF637B7C-BA15-4BEE-B5D2-FE9BFD4023C8}" type="presOf" srcId="{134E2663-ED41-4EED-BA70-8C2F1BEA936E}" destId="{F3D85E40-079E-4B66-9906-F637DD8FCC9C}" srcOrd="0" destOrd="0" presId="urn:microsoft.com/office/officeart/2005/8/layout/orgChart1"/>
-    <dgm:cxn modelId="{244489B5-0BD8-43BB-B9D6-A0430B01666B}" type="presOf" srcId="{DD809AA5-E61F-42D7-A696-7611C00511ED}" destId="{C101385D-7984-49EA-94A9-D8482E268BCE}" srcOrd="0" destOrd="0" presId="urn:microsoft.com/office/officeart/2005/8/layout/orgChart1"/>
-    <dgm:cxn modelId="{64551A9C-CCE6-4161-AFE5-DD0F547E590E}" srcId="{A418D968-517D-4135-807D-E60F7957DFAA}" destId="{8F4FA709-D38A-4245-A22F-103013C0C5AA}" srcOrd="0" destOrd="0" parTransId="{B69F4D82-15A6-4178-B5DA-FF507EB8C1B0}" sibTransId="{24FC8E6C-A976-4C75-BFA4-CAF67BF7684A}"/>
-    <dgm:cxn modelId="{E4DE3A39-595F-4BC4-B56E-0DE8C926D2CD}" type="presOf" srcId="{BC7FAE0C-9DD8-40F0-B165-207D61861429}" destId="{353DC227-3345-41DF-AB13-0F8DF506629F}" srcOrd="0" destOrd="0" presId="urn:microsoft.com/office/officeart/2005/8/layout/orgChart1"/>
-    <dgm:cxn modelId="{3B2EECB2-6D12-4AB4-B34A-83F04E5386AB}" type="presOf" srcId="{05EE0387-98E9-4263-B2EB-F9E95FF8667F}" destId="{742ABAA1-D448-4568-ACC2-8FA3D8F26FDD}" srcOrd="0" destOrd="0" presId="urn:microsoft.com/office/officeart/2005/8/layout/orgChart1"/>
-    <dgm:cxn modelId="{F504348E-A76B-432F-BA87-1D970DB5A19D}" type="presOf" srcId="{3572BD0F-4B34-4ADB-A289-45297FC6E435}" destId="{475A3D8F-FF2E-44DC-9E2E-9844173C3E8E}" srcOrd="0" destOrd="0" presId="urn:microsoft.com/office/officeart/2005/8/layout/orgChart1"/>
-    <dgm:cxn modelId="{DAC19115-6F34-4842-B9C0-9A8E896C66A7}" srcId="{5CD7410B-B739-450E-99BB-6BF77CCC2E0E}" destId="{5D6634B9-51A2-4B57-9D73-7DC8E7D89244}" srcOrd="0" destOrd="0" parTransId="{FF216A70-A517-4F78-9CAF-1F782A0BFC93}" sibTransId="{E97C6A11-24D1-47D3-8464-21B9DAABABB2}"/>
-    <dgm:cxn modelId="{E730E213-FA91-449C-A9EA-731AE141813F}" srcId="{8F4FA709-D38A-4245-A22F-103013C0C5AA}" destId="{5CD7410B-B739-450E-99BB-6BF77CCC2E0E}" srcOrd="4" destOrd="0" parTransId="{0A8C8135-A421-4838-A9B4-B318E19445EA}" sibTransId="{06B7B583-7A13-4320-B1F6-7AE9D6091883}"/>
-    <dgm:cxn modelId="{83CA632D-11EF-413C-9A3D-7308B2972E6F}" type="presOf" srcId="{346ACF1A-48B8-4FB0-83F7-272FD651A225}" destId="{4021AD6D-1EF3-4A75-BBFE-A469538A9B92}" srcOrd="0" destOrd="0" presId="urn:microsoft.com/office/officeart/2005/8/layout/orgChart1"/>
-    <dgm:cxn modelId="{3403D862-7FF9-4D95-A13C-90C69E254A70}" type="presOf" srcId="{FEB47D6B-10D8-4991-884D-547280714E7E}" destId="{3714D6C8-FDBC-435F-8B30-3D9FD4EDA141}" srcOrd="0" destOrd="0" presId="urn:microsoft.com/office/officeart/2005/8/layout/orgChart1"/>
-    <dgm:cxn modelId="{4DDA3C5E-7CF7-4838-AFF3-9C74858FA173}" type="presOf" srcId="{71FFEC92-F793-414E-A207-115C263EBE23}" destId="{AEC2C881-39E4-4A5E-B218-C01D19A5C0CC}" srcOrd="1" destOrd="0" presId="urn:microsoft.com/office/officeart/2005/8/layout/orgChart1"/>
-    <dgm:cxn modelId="{BEEC375E-76A6-4E46-A834-C95CE573C2F0}" type="presOf" srcId="{62AE624B-A8BE-426E-B3E7-17B0D11A10E3}" destId="{E3E0D664-3721-41D0-AA7B-368F0AED255D}" srcOrd="0" destOrd="0" presId="urn:microsoft.com/office/officeart/2005/8/layout/orgChart1"/>
-    <dgm:cxn modelId="{824A1BFA-9001-42E1-8686-91935215CED8}" type="presOf" srcId="{8C3BB350-E836-4AC6-8994-38F006B0D0D8}" destId="{FF5DDB36-DD2C-4991-9012-AF29437BC6C4}" srcOrd="0" destOrd="0" presId="urn:microsoft.com/office/officeart/2005/8/layout/orgChart1"/>
-    <dgm:cxn modelId="{246FB58F-EDD2-453D-8E56-8BB85EADD828}" type="presOf" srcId="{72935583-F628-4DCA-8289-ABD6C727648E}" destId="{1BAD559E-F40C-4F09-A31A-DF58084DAAE1}" srcOrd="0" destOrd="0" presId="urn:microsoft.com/office/officeart/2005/8/layout/orgChart1"/>
-    <dgm:cxn modelId="{671F6013-840F-4A95-BA2D-F1EFE6E17E93}" type="presOf" srcId="{46FDE988-E257-4D71-8ED7-52BDEB2541C1}" destId="{F3703352-8975-4C32-B6D8-D57E91768F87}" srcOrd="0" destOrd="0" presId="urn:microsoft.com/office/officeart/2005/8/layout/orgChart1"/>
-    <dgm:cxn modelId="{08320AFB-2DB0-4C0A-B58D-6DD5648021D8}" type="presOf" srcId="{3309B010-2B1A-407A-BFFA-C6B06A80F475}" destId="{C2DEAB05-2B0B-4DEC-8F44-440F14DEEE1B}" srcOrd="1" destOrd="0" presId="urn:microsoft.com/office/officeart/2005/8/layout/orgChart1"/>
-    <dgm:cxn modelId="{E360D8DD-A51C-42DD-8BE6-069887CD7E12}" type="presOf" srcId="{C2EC763A-6FC4-443B-87F3-90EC674878AB}" destId="{2309D625-3E3C-4EC1-A7AC-2B965EA82EA5}" srcOrd="0" destOrd="0" presId="urn:microsoft.com/office/officeart/2005/8/layout/orgChart1"/>
-    <dgm:cxn modelId="{9E1F7AC8-4866-42B4-996C-B43FEB519757}" srcId="{46FDE988-E257-4D71-8ED7-52BDEB2541C1}" destId="{62AE624B-A8BE-426E-B3E7-17B0D11A10E3}" srcOrd="4" destOrd="0" parTransId="{C2EC763A-6FC4-443B-87F3-90EC674878AB}" sibTransId="{8662896F-AF39-4F15-95F0-7AFA9ACF0991}"/>
-    <dgm:cxn modelId="{1593A088-E6AE-49D0-99A7-6F6C33818538}" type="presOf" srcId="{AAE0A359-BB39-4FD3-8621-0E52706B8BB8}" destId="{205A7643-EF99-4272-8C74-FB329B7F0C9A}" srcOrd="0" destOrd="0" presId="urn:microsoft.com/office/officeart/2005/8/layout/orgChart1"/>
-    <dgm:cxn modelId="{0067CCFD-A84E-444B-B1CE-C8D48350C3AE}" type="presOf" srcId="{5D6634B9-51A2-4B57-9D73-7DC8E7D89244}" destId="{146A46FC-37AA-4D02-923E-802A72F7CF8C}" srcOrd="1" destOrd="0" presId="urn:microsoft.com/office/officeart/2005/8/layout/orgChart1"/>
-    <dgm:cxn modelId="{CCB9B34F-6A98-485C-816C-667CB7ED354B}" srcId="{B8CD64A5-C69C-4502-B295-A569C1DBD49A}" destId="{BC7FAE0C-9DD8-40F0-B165-207D61861429}" srcOrd="0" destOrd="0" parTransId="{EE5D179D-878C-4FCE-83BA-41356C0A16A7}" sibTransId="{CAF0019E-2E86-4109-9D75-820E632D2183}"/>
-    <dgm:cxn modelId="{349005E5-3EBB-40FA-AE0C-A4C1F6028B4F}" srcId="{8F4FA709-D38A-4245-A22F-103013C0C5AA}" destId="{0F15B8B4-68FB-4ABD-9043-004A4EBDBB2E}" srcOrd="0" destOrd="0" parTransId="{0157B61A-6D71-41B5-B2E8-0394C1F79411}" sibTransId="{9AF40022-9917-46D0-AE4C-6A27102976C9}"/>
-    <dgm:cxn modelId="{1ED8BD73-06E0-4845-95DA-6E8D364AD839}" type="presOf" srcId="{8F4FA709-D38A-4245-A22F-103013C0C5AA}" destId="{E896C3E0-D4CC-4409-8440-F2EA281A8D7F}" srcOrd="0" destOrd="0" presId="urn:microsoft.com/office/officeart/2005/8/layout/orgChart1"/>
-    <dgm:cxn modelId="{BD583A33-3AC4-4DA2-A23F-4CCC93421A0B}" type="presOf" srcId="{8C5E8D69-75B1-4419-B199-BE3BA3A04BF4}" destId="{266CF7A3-9956-4EEE-8D24-1B39D32A973E}" srcOrd="0" destOrd="0" presId="urn:microsoft.com/office/officeart/2005/8/layout/orgChart1"/>
-    <dgm:cxn modelId="{9EB920D8-1D57-477F-9BD7-E32EF451BD12}" type="presOf" srcId="{8F4FA709-D38A-4245-A22F-103013C0C5AA}" destId="{ACDFCA7B-DBD6-4C53-85FA-7A9FF768C2C0}" srcOrd="1" destOrd="0" presId="urn:microsoft.com/office/officeart/2005/8/layout/orgChart1"/>
-    <dgm:cxn modelId="{FAF923CB-259A-4729-9064-6372E435BA38}" type="presOf" srcId="{7B8D5B0F-3D4A-46EB-8AC5-815EBD8333AE}" destId="{5FF59521-D1E6-476A-BCE5-BC95CA08816D}" srcOrd="0" destOrd="0" presId="urn:microsoft.com/office/officeart/2005/8/layout/orgChart1"/>
-    <dgm:cxn modelId="{28938884-69F6-41B0-AA3B-AD29073DFA6B}" type="presOf" srcId="{CF460F04-105B-4F7A-AF90-67BDFECEE0F2}" destId="{B7AB30BD-9D6D-4F52-80D6-F0D6CD3666BE}" srcOrd="0" destOrd="0" presId="urn:microsoft.com/office/officeart/2005/8/layout/orgChart1"/>
-    <dgm:cxn modelId="{F4C5A125-BE89-4E3E-B542-2111DAD3A53C}" type="presOf" srcId="{3309B010-2B1A-407A-BFFA-C6B06A80F475}" destId="{0CBBB9FA-8D6C-4794-80D7-050742E5AB2B}" srcOrd="0" destOrd="0" presId="urn:microsoft.com/office/officeart/2005/8/layout/orgChart1"/>
-    <dgm:cxn modelId="{B3FC5511-A643-4ADA-95CA-4690412DE565}" type="presOf" srcId="{B8CD64A5-C69C-4502-B295-A569C1DBD49A}" destId="{9B1F4E46-57C5-4497-AF1F-EB45F4462975}" srcOrd="1" destOrd="0" presId="urn:microsoft.com/office/officeart/2005/8/layout/orgChart1"/>
-    <dgm:cxn modelId="{9C2B1F5C-B33E-4AF1-AFD4-27FF85C922DB}" type="presOf" srcId="{F325EF52-51F5-4AF8-9DC6-56FD58D8800D}" destId="{585032BB-36C8-40CD-8BA1-09492370A065}" srcOrd="1" destOrd="0" presId="urn:microsoft.com/office/officeart/2005/8/layout/orgChart1"/>
-    <dgm:cxn modelId="{E3E6090B-7850-44AE-B4A8-554731959CD2}" type="presOf" srcId="{395A7C6B-07CF-409E-8F75-5F10FC027637}" destId="{4EB93A96-17BB-4ACB-BDC8-D8403D093921}" srcOrd="1" destOrd="0" presId="urn:microsoft.com/office/officeart/2005/8/layout/orgChart1"/>
-    <dgm:cxn modelId="{C319D85E-A4A7-4AA3-921F-0AC11BC6BBDD}" srcId="{8C3BB350-E836-4AC6-8994-38F006B0D0D8}" destId="{AAE0A359-BB39-4FD3-8621-0E52706B8BB8}" srcOrd="1" destOrd="0" parTransId="{4C5200EC-4036-407B-90AC-9A4858A8ED38}" sibTransId="{2625A5F9-8320-4DD1-A8EF-1FD4C9F26C8B}"/>
-    <dgm:cxn modelId="{44827039-7446-4E51-AF3F-EC5CEC9756FE}" type="presOf" srcId="{670328EE-A698-4EC3-B54C-25ADBDB0EA68}" destId="{7B6F79AC-81B4-4118-87CC-DBB9526E6984}" srcOrd="0" destOrd="0" presId="urn:microsoft.com/office/officeart/2005/8/layout/orgChart1"/>
-    <dgm:cxn modelId="{6B891ABB-B717-4575-ABA0-5B7373549EAC}" type="presOf" srcId="{31D18EB9-86F1-466F-A87F-7F61B3DDCBC3}" destId="{FFD5089A-8D49-4EB1-9003-B84CBEEC781E}" srcOrd="0" destOrd="0" presId="urn:microsoft.com/office/officeart/2005/8/layout/orgChart1"/>
-    <dgm:cxn modelId="{8BD8AB1C-0DD1-4C80-8A92-8FCA70859CAA}" type="presOf" srcId="{E9C18366-A026-4517-A890-855EA902F5DC}" destId="{54193F16-9A7A-49FF-B770-C6B6126EB6B1}" srcOrd="0" destOrd="0" presId="urn:microsoft.com/office/officeart/2005/8/layout/orgChart1"/>
-    <dgm:cxn modelId="{4B080399-ADD5-4B3E-AAB9-33066188B2A6}" type="presOf" srcId="{3B764636-BF7F-4FDC-BD67-CD10B68D91D7}" destId="{4C3BB4CC-6F56-43B8-A0DE-775151BF39D6}" srcOrd="0" destOrd="0" presId="urn:microsoft.com/office/officeart/2005/8/layout/orgChart1"/>
-    <dgm:cxn modelId="{7F2D8229-BBC3-4878-8C39-0180A04E8773}" type="presOf" srcId="{B8CD64A5-C69C-4502-B295-A569C1DBD49A}" destId="{EECFEA76-768E-4449-B742-24DA9C420720}" srcOrd="0" destOrd="0" presId="urn:microsoft.com/office/officeart/2005/8/layout/orgChart1"/>
-    <dgm:cxn modelId="{EC349D51-2F97-4B4C-A260-C91D13AC871C}" type="presOf" srcId="{A4F14BD0-B0FD-497B-98DA-E36B709E607C}" destId="{43296387-E4CB-4E1A-9346-F704B659A735}" srcOrd="0" destOrd="0" presId="urn:microsoft.com/office/officeart/2005/8/layout/orgChart1"/>
-    <dgm:cxn modelId="{BD51090E-EB5D-4B36-B44E-AED1E665E5DC}" srcId="{46FDE988-E257-4D71-8ED7-52BDEB2541C1}" destId="{30893F08-6804-4AC2-A521-47658111DE3E}" srcOrd="2" destOrd="0" parTransId="{3B764636-BF7F-4FDC-BD67-CD10B68D91D7}" sibTransId="{8D22D13F-887C-49BA-BB24-B86D2DF500F2}"/>
-    <dgm:cxn modelId="{DFBF6BD8-216C-409F-8348-E343420B7ABE}" type="presOf" srcId="{3ACFE4E9-7D87-460C-8074-C47CAB11DE4A}" destId="{D7B3A42D-8C87-4409-8E4F-17F3E0253D53}" srcOrd="0" destOrd="0" presId="urn:microsoft.com/office/officeart/2005/8/layout/orgChart1"/>
-    <dgm:cxn modelId="{444B6D5F-6F6D-43DA-9832-1CF1859ED305}" type="presOf" srcId="{FF216A70-A517-4F78-9CAF-1F782A0BFC93}" destId="{254A9D5A-D60C-4E50-8966-686BAF7C89CE}" srcOrd="0" destOrd="0" presId="urn:microsoft.com/office/officeart/2005/8/layout/orgChart1"/>
-    <dgm:cxn modelId="{857C658B-7B99-4886-A176-EAED95345E86}" srcId="{8F4FA709-D38A-4245-A22F-103013C0C5AA}" destId="{B8CD64A5-C69C-4502-B295-A569C1DBD49A}" srcOrd="1" destOrd="0" parTransId="{DD809AA5-E61F-42D7-A696-7611C00511ED}" sibTransId="{6A3EA0B9-9D45-4BE2-BEA7-A7B54003DEC8}"/>
-    <dgm:cxn modelId="{8D31FE97-15DB-49A4-9670-78B56564B522}" type="presOf" srcId="{2DFAEE73-DEDB-43C8-AB65-D46B18FF5CA7}" destId="{5058B0BF-72E6-4B99-9C94-549859300065}" srcOrd="0" destOrd="0" presId="urn:microsoft.com/office/officeart/2005/8/layout/orgChart1"/>
-    <dgm:cxn modelId="{17059BB2-B2EE-4F90-991B-6E299AF9DE01}" type="presOf" srcId="{D797C479-9D9C-4102-B9F3-439C9D066F53}" destId="{65CD8EE0-E8E7-41D4-AD1C-13F80E1B6529}" srcOrd="1" destOrd="0" presId="urn:microsoft.com/office/officeart/2005/8/layout/orgChart1"/>
-    <dgm:cxn modelId="{9997F740-8977-4BA3-8273-62536BC3D07D}" type="presOf" srcId="{30893F08-6804-4AC2-A521-47658111DE3E}" destId="{EB92E737-3D19-411A-AA48-503531952E4C}" srcOrd="0" destOrd="0" presId="urn:microsoft.com/office/officeart/2005/8/layout/orgChart1"/>
-    <dgm:cxn modelId="{8BCE8062-78A5-4901-8DCC-32092EC3EEEF}" type="presOf" srcId="{395A7C6B-07CF-409E-8F75-5F10FC027637}" destId="{F0AB1BF8-CE51-47D5-A120-23351EEA0B74}" srcOrd="0" destOrd="0" presId="urn:microsoft.com/office/officeart/2005/8/layout/orgChart1"/>
-    <dgm:cxn modelId="{1E728798-6604-4D91-A06D-46800977A811}" type="presOf" srcId="{B961107C-7340-409A-AD92-A3154863B985}" destId="{3A1D62C4-2AA8-4B16-A54E-2F4EBE884DDF}" srcOrd="0" destOrd="0" presId="urn:microsoft.com/office/officeart/2005/8/layout/orgChart1"/>
-    <dgm:cxn modelId="{53AA2EA7-D1EC-4DF3-BE5D-81AB34ECE77B}" type="presOf" srcId="{5D6634B9-51A2-4B57-9D73-7DC8E7D89244}" destId="{8825D4E1-56D7-4860-AA92-9A5228CF49FF}" srcOrd="0" destOrd="0" presId="urn:microsoft.com/office/officeart/2005/8/layout/orgChart1"/>
-    <dgm:cxn modelId="{EE0D405B-030B-4C39-8202-04F4B995D999}" type="presOf" srcId="{134E2663-ED41-4EED-BA70-8C2F1BEA936E}" destId="{C9632D3A-9A18-420F-81B3-58FB00F28C85}" srcOrd="1" destOrd="0" presId="urn:microsoft.com/office/officeart/2005/8/layout/orgChart1"/>
-    <dgm:cxn modelId="{FC179AC6-B0B2-47A4-A4D9-0FB56F3E863B}" srcId="{8C3BB350-E836-4AC6-8994-38F006B0D0D8}" destId="{D797C479-9D9C-4102-B9F3-439C9D066F53}" srcOrd="0" destOrd="0" parTransId="{8883B7E9-C3B0-4C77-B266-96205090DE77}" sibTransId="{3AEFFFFB-CAB7-445D-86EB-EFC517F9B52F}"/>
-    <dgm:cxn modelId="{597FAF57-1286-4BB6-AB9E-70F0981B9ACB}" type="presOf" srcId="{0A8C8135-A421-4838-A9B4-B318E19445EA}" destId="{01D3174A-5905-4606-AEC9-AA2D2C28DA1D}" srcOrd="0" destOrd="0" presId="urn:microsoft.com/office/officeart/2005/8/layout/orgChart1"/>
-    <dgm:cxn modelId="{7FAF243A-F2C8-4AE4-8C00-C1976AE2C33A}" type="presOf" srcId="{EE5D179D-878C-4FCE-83BA-41356C0A16A7}" destId="{4E9B351E-0791-4FBB-BB2E-EFC19BDEB838}" srcOrd="0" destOrd="0" presId="urn:microsoft.com/office/officeart/2005/8/layout/orgChart1"/>
-    <dgm:cxn modelId="{397ADCE7-2A26-4877-BD8E-B6B7E6B4F2CE}" type="presOf" srcId="{BC7FAE0C-9DD8-40F0-B165-207D61861429}" destId="{23239C96-D889-4AB1-9AF9-F6831147CE7D}" srcOrd="1" destOrd="0" presId="urn:microsoft.com/office/officeart/2005/8/layout/orgChart1"/>
-    <dgm:cxn modelId="{986597CE-D4F4-4F86-9473-8482DAAED29E}" srcId="{B8CD64A5-C69C-4502-B295-A569C1DBD49A}" destId="{ADCC4D66-DFE1-42CF-9D99-646A4CD555A9}" srcOrd="3" destOrd="0" parTransId="{BAF686F6-26E5-4D08-BE46-3736568C10B7}" sibTransId="{F90A2496-53DC-44F7-AA45-AADFF796DFBC}"/>
-    <dgm:cxn modelId="{B1E00814-23D8-4325-B6C6-C371F2D811F8}" srcId="{0F15B8B4-68FB-4ABD-9043-004A4EBDBB2E}" destId="{7B8D5B0F-3D4A-46EB-8AC5-815EBD8333AE}" srcOrd="0" destOrd="0" parTransId="{31D18EB9-86F1-466F-A87F-7F61B3DDCBC3}" sibTransId="{86ED6CF2-A4BB-464A-913E-71F9907DE02C}"/>
-    <dgm:cxn modelId="{969508D6-A3F8-4ABC-8551-2E82B9C123CE}" type="presOf" srcId="{B696F945-DDC6-4B87-BFCC-482587482D05}" destId="{BFE227FC-6C90-4891-A215-7A61E3811A22}" srcOrd="0" destOrd="0" presId="urn:microsoft.com/office/officeart/2005/8/layout/orgChart1"/>
-    <dgm:cxn modelId="{9EFA073C-A576-4DF9-B335-553801C12CAD}" type="presOf" srcId="{984B265F-44D1-4705-96AD-7614F16CB930}" destId="{1E6766D5-445E-449B-B283-19EB5BB56EBE}" srcOrd="0" destOrd="0" presId="urn:microsoft.com/office/officeart/2005/8/layout/orgChart1"/>
-    <dgm:cxn modelId="{63ADE655-6EE1-4B4C-91A8-F8BAD29FFA0B}" srcId="{B8CD64A5-C69C-4502-B295-A569C1DBD49A}" destId="{05EE0387-98E9-4263-B2EB-F9E95FF8667F}" srcOrd="2" destOrd="0" parTransId="{8C5E8D69-75B1-4419-B199-BE3BA3A04BF4}" sibTransId="{BEBA5EC9-9EF6-43A9-AD01-C3B9CA8EA9AD}"/>
-    <dgm:cxn modelId="{7B83BF95-2C65-427B-B9DA-9804C3A8AB6C}" type="presOf" srcId="{71FFEC92-F793-414E-A207-115C263EBE23}" destId="{8AAE5A53-D082-4E09-8CF5-3C034EE39515}" srcOrd="0" destOrd="0" presId="urn:microsoft.com/office/officeart/2005/8/layout/orgChart1"/>
-    <dgm:cxn modelId="{D273B606-170B-425A-9C56-9A9237624A51}" type="presOf" srcId="{346ACF1A-48B8-4FB0-83F7-272FD651A225}" destId="{B1737AE1-AECF-41E4-B619-4D6731069D6D}" srcOrd="1" destOrd="0" presId="urn:microsoft.com/office/officeart/2005/8/layout/orgChart1"/>
-    <dgm:cxn modelId="{A98CA8E5-EA63-4E7B-8260-84D42B22E4C6}" type="presOf" srcId="{62AE624B-A8BE-426E-B3E7-17B0D11A10E3}" destId="{C0287AA4-04D7-4D4D-B9F2-3706B46098B8}" srcOrd="1" destOrd="0" presId="urn:microsoft.com/office/officeart/2005/8/layout/orgChart1"/>
-    <dgm:cxn modelId="{4B74F340-F389-4662-8589-2E133F3AB8BA}" type="presOf" srcId="{BAF686F6-26E5-4D08-BE46-3736568C10B7}" destId="{1CF95F02-82ED-4CD9-9BA2-61CE8BDB58C5}" srcOrd="0" destOrd="0" presId="urn:microsoft.com/office/officeart/2005/8/layout/orgChart1"/>
-    <dgm:cxn modelId="{3A36CFB6-1B0E-44EE-89C6-606A63CDAA13}" type="presOf" srcId="{8883B7E9-C3B0-4C77-B266-96205090DE77}" destId="{B43F883B-2CCC-4A02-A491-C7302C26D616}" srcOrd="0" destOrd="0" presId="urn:microsoft.com/office/officeart/2005/8/layout/orgChart1"/>
-    <dgm:cxn modelId="{CC9C4121-2AFA-41F7-9A6D-8779071364F2}" type="presOf" srcId="{0F15B8B4-68FB-4ABD-9043-004A4EBDBB2E}" destId="{47ACEFBD-E301-49C3-B44C-EDD055C1E637}" srcOrd="0" destOrd="0" presId="urn:microsoft.com/office/officeart/2005/8/layout/orgChart1"/>
-    <dgm:cxn modelId="{9C1532A9-AAB6-4CE6-B6E1-84BEFC71CB00}" type="presOf" srcId="{3E1A4835-C23D-4918-8044-C82085A40503}" destId="{EDB97EA3-77CA-4FDB-8D37-99E3887C21F0}" srcOrd="0" destOrd="0" presId="urn:microsoft.com/office/officeart/2005/8/layout/orgChart1"/>
     <dgm:cxn modelId="{F080FDEB-A570-4311-A9B7-2B245D5228D6}" type="presParOf" srcId="{8B486FD5-8E33-4045-9CBB-1CC6E34C5A30}" destId="{8D456FB1-4456-4496-BF73-FB76A5DA46C3}" srcOrd="0" destOrd="0" presId="urn:microsoft.com/office/officeart/2005/8/layout/orgChart1"/>
     <dgm:cxn modelId="{5A390E16-B33A-4B0E-B789-94874D89A29B}" type="presParOf" srcId="{8D456FB1-4456-4496-BF73-FB76A5DA46C3}" destId="{4C157D65-18BF-4A54-B56A-B1A4BC2B3F9E}" srcOrd="0" destOrd="0" presId="urn:microsoft.com/office/officeart/2005/8/layout/orgChart1"/>
     <dgm:cxn modelId="{4591EC27-4ECA-43ED-8C7B-A77D476E02AB}" type="presParOf" srcId="{4C157D65-18BF-4A54-B56A-B1A4BC2B3F9E}" destId="{E896C3E0-D4CC-4409-8440-F2EA281A8D7F}" srcOrd="0" destOrd="0" presId="urn:microsoft.com/office/officeart/2005/8/layout/orgChart1"/>
@@ -10489,11 +10486,7 @@
           </a:pPr>
           <a:r>
             <a:rPr lang="en-US" altLang="zh-CN" sz="4300" kern="1200" dirty="0" smtClean="0"/>
-            <a:t>2</a:t>
-          </a:r>
-          <a:r>
-            <a:rPr lang="en-US" altLang="zh-CN" sz="4300" kern="1200" dirty="0" smtClean="0"/>
-            <a:t>.</a:t>
+            <a:t>2.</a:t>
           </a:r>
           <a:r>
             <a:rPr lang="zh-CN" altLang="en-US" sz="4300" kern="1200" dirty="0" smtClean="0"/>
@@ -11296,3442 +11289,6 @@
       <dsp:cNvGrpSpPr/>
     </dsp:nvGrpSpPr>
     <dsp:grpSpPr/>
-    <dsp:sp modelId="{BFE227FC-6C90-4891-A215-7A61E3811A22}">
-      <dsp:nvSpPr>
-        <dsp:cNvPr id="0" name=""/>
-        <dsp:cNvSpPr/>
-      </dsp:nvSpPr>
-      <dsp:spPr>
-        <a:xfrm>
-          <a:off x="5625860" y="965494"/>
-          <a:ext cx="119608" cy="932950"/>
-        </a:xfrm>
-        <a:custGeom>
-          <a:avLst/>
-          <a:gdLst/>
-          <a:ahLst/>
-          <a:cxnLst/>
-          <a:rect l="0" t="0" r="0" b="0"/>
-          <a:pathLst>
-            <a:path>
-              <a:moveTo>
-                <a:pt x="0" y="0"/>
-              </a:moveTo>
-              <a:lnTo>
-                <a:pt x="0" y="932950"/>
-              </a:lnTo>
-              <a:lnTo>
-                <a:pt x="119608" y="932950"/>
-              </a:lnTo>
-            </a:path>
-          </a:pathLst>
-        </a:custGeom>
-        <a:noFill/>
-        <a:ln w="25400" cap="flat" cmpd="sng" algn="ctr">
-          <a:solidFill>
-            <a:schemeClr val="accent3">
-              <a:hueOff val="0"/>
-              <a:satOff val="0"/>
-              <a:lumOff val="0"/>
-              <a:alphaOff val="0"/>
-            </a:schemeClr>
-          </a:solidFill>
-          <a:prstDash val="solid"/>
-        </a:ln>
-        <a:effectLst/>
-      </dsp:spPr>
-      <dsp:style>
-        <a:lnRef idx="2">
-          <a:scrgbClr r="0" g="0" b="0"/>
-        </a:lnRef>
-        <a:fillRef idx="0">
-          <a:scrgbClr r="0" g="0" b="0"/>
-        </a:fillRef>
-        <a:effectRef idx="0">
-          <a:scrgbClr r="0" g="0" b="0"/>
-        </a:effectRef>
-        <a:fontRef idx="minor"/>
-      </dsp:style>
-    </dsp:sp>
-    <dsp:sp modelId="{254A9D5A-D60C-4E50-8966-686BAF7C89CE}">
-      <dsp:nvSpPr>
-        <dsp:cNvPr id="0" name=""/>
-        <dsp:cNvSpPr/>
-      </dsp:nvSpPr>
-      <dsp:spPr>
-        <a:xfrm>
-          <a:off x="5625860" y="965494"/>
-          <a:ext cx="119608" cy="366800"/>
-        </a:xfrm>
-        <a:custGeom>
-          <a:avLst/>
-          <a:gdLst/>
-          <a:ahLst/>
-          <a:cxnLst/>
-          <a:rect l="0" t="0" r="0" b="0"/>
-          <a:pathLst>
-            <a:path>
-              <a:moveTo>
-                <a:pt x="0" y="0"/>
-              </a:moveTo>
-              <a:lnTo>
-                <a:pt x="0" y="366800"/>
-              </a:lnTo>
-              <a:lnTo>
-                <a:pt x="119608" y="366800"/>
-              </a:lnTo>
-            </a:path>
-          </a:pathLst>
-        </a:custGeom>
-        <a:noFill/>
-        <a:ln w="25400" cap="flat" cmpd="sng" algn="ctr">
-          <a:solidFill>
-            <a:schemeClr val="accent3">
-              <a:hueOff val="0"/>
-              <a:satOff val="0"/>
-              <a:lumOff val="0"/>
-              <a:alphaOff val="0"/>
-            </a:schemeClr>
-          </a:solidFill>
-          <a:prstDash val="solid"/>
-        </a:ln>
-        <a:effectLst/>
-      </dsp:spPr>
-      <dsp:style>
-        <a:lnRef idx="2">
-          <a:scrgbClr r="0" g="0" b="0"/>
-        </a:lnRef>
-        <a:fillRef idx="0">
-          <a:scrgbClr r="0" g="0" b="0"/>
-        </a:fillRef>
-        <a:effectRef idx="0">
-          <a:scrgbClr r="0" g="0" b="0"/>
-        </a:effectRef>
-        <a:fontRef idx="minor"/>
-      </dsp:style>
-    </dsp:sp>
-    <dsp:sp modelId="{01D3174A-5905-4606-AEC9-AA2D2C28DA1D}">
-      <dsp:nvSpPr>
-        <dsp:cNvPr id="0" name=""/>
-        <dsp:cNvSpPr/>
-      </dsp:nvSpPr>
-      <dsp:spPr>
-        <a:xfrm>
-          <a:off x="4015125" y="399345"/>
-          <a:ext cx="1929691" cy="167452"/>
-        </a:xfrm>
-        <a:custGeom>
-          <a:avLst/>
-          <a:gdLst/>
-          <a:ahLst/>
-          <a:cxnLst/>
-          <a:rect l="0" t="0" r="0" b="0"/>
-          <a:pathLst>
-            <a:path>
-              <a:moveTo>
-                <a:pt x="0" y="0"/>
-              </a:moveTo>
-              <a:lnTo>
-                <a:pt x="0" y="83726"/>
-              </a:lnTo>
-              <a:lnTo>
-                <a:pt x="1929691" y="83726"/>
-              </a:lnTo>
-              <a:lnTo>
-                <a:pt x="1929691" y="167452"/>
-              </a:lnTo>
-            </a:path>
-          </a:pathLst>
-        </a:custGeom>
-        <a:noFill/>
-        <a:ln w="25400" cap="flat" cmpd="sng" algn="ctr">
-          <a:solidFill>
-            <a:schemeClr val="accent2">
-              <a:hueOff val="0"/>
-              <a:satOff val="0"/>
-              <a:lumOff val="0"/>
-              <a:alphaOff val="0"/>
-            </a:schemeClr>
-          </a:solidFill>
-          <a:prstDash val="solid"/>
-        </a:ln>
-        <a:effectLst/>
-      </dsp:spPr>
-      <dsp:style>
-        <a:lnRef idx="2">
-          <a:scrgbClr r="0" g="0" b="0"/>
-        </a:lnRef>
-        <a:fillRef idx="0">
-          <a:scrgbClr r="0" g="0" b="0"/>
-        </a:fillRef>
-        <a:effectRef idx="0">
-          <a:scrgbClr r="0" g="0" b="0"/>
-        </a:effectRef>
-        <a:fontRef idx="minor"/>
-      </dsp:style>
-    </dsp:sp>
-    <dsp:sp modelId="{2309D625-3E3C-4EC1-A7AC-2B965EA82EA5}">
-      <dsp:nvSpPr>
-        <dsp:cNvPr id="0" name=""/>
-        <dsp:cNvSpPr/>
-      </dsp:nvSpPr>
-      <dsp:spPr>
-        <a:xfrm>
-          <a:off x="4661014" y="965494"/>
-          <a:ext cx="119608" cy="2631397"/>
-        </a:xfrm>
-        <a:custGeom>
-          <a:avLst/>
-          <a:gdLst/>
-          <a:ahLst/>
-          <a:cxnLst/>
-          <a:rect l="0" t="0" r="0" b="0"/>
-          <a:pathLst>
-            <a:path>
-              <a:moveTo>
-                <a:pt x="0" y="0"/>
-              </a:moveTo>
-              <a:lnTo>
-                <a:pt x="0" y="2631397"/>
-              </a:lnTo>
-              <a:lnTo>
-                <a:pt x="119608" y="2631397"/>
-              </a:lnTo>
-            </a:path>
-          </a:pathLst>
-        </a:custGeom>
-        <a:noFill/>
-        <a:ln w="25400" cap="flat" cmpd="sng" algn="ctr">
-          <a:solidFill>
-            <a:schemeClr val="accent3">
-              <a:hueOff val="0"/>
-              <a:satOff val="0"/>
-              <a:lumOff val="0"/>
-              <a:alphaOff val="0"/>
-            </a:schemeClr>
-          </a:solidFill>
-          <a:prstDash val="solid"/>
-        </a:ln>
-        <a:effectLst/>
-      </dsp:spPr>
-      <dsp:style>
-        <a:lnRef idx="2">
-          <a:scrgbClr r="0" g="0" b="0"/>
-        </a:lnRef>
-        <a:fillRef idx="0">
-          <a:scrgbClr r="0" g="0" b="0"/>
-        </a:fillRef>
-        <a:effectRef idx="0">
-          <a:scrgbClr r="0" g="0" b="0"/>
-        </a:effectRef>
-        <a:fontRef idx="minor"/>
-      </dsp:style>
-    </dsp:sp>
-    <dsp:sp modelId="{0F5E4178-7045-4E29-8844-225E8294FC7A}">
-      <dsp:nvSpPr>
-        <dsp:cNvPr id="0" name=""/>
-        <dsp:cNvSpPr/>
-      </dsp:nvSpPr>
-      <dsp:spPr>
-        <a:xfrm>
-          <a:off x="4661014" y="965494"/>
-          <a:ext cx="119608" cy="2065248"/>
-        </a:xfrm>
-        <a:custGeom>
-          <a:avLst/>
-          <a:gdLst/>
-          <a:ahLst/>
-          <a:cxnLst/>
-          <a:rect l="0" t="0" r="0" b="0"/>
-          <a:pathLst>
-            <a:path>
-              <a:moveTo>
-                <a:pt x="0" y="0"/>
-              </a:moveTo>
-              <a:lnTo>
-                <a:pt x="0" y="2065248"/>
-              </a:lnTo>
-              <a:lnTo>
-                <a:pt x="119608" y="2065248"/>
-              </a:lnTo>
-            </a:path>
-          </a:pathLst>
-        </a:custGeom>
-        <a:noFill/>
-        <a:ln w="25400" cap="flat" cmpd="sng" algn="ctr">
-          <a:solidFill>
-            <a:schemeClr val="accent3">
-              <a:hueOff val="0"/>
-              <a:satOff val="0"/>
-              <a:lumOff val="0"/>
-              <a:alphaOff val="0"/>
-            </a:schemeClr>
-          </a:solidFill>
-          <a:prstDash val="solid"/>
-        </a:ln>
-        <a:effectLst/>
-      </dsp:spPr>
-      <dsp:style>
-        <a:lnRef idx="2">
-          <a:scrgbClr r="0" g="0" b="0"/>
-        </a:lnRef>
-        <a:fillRef idx="0">
-          <a:scrgbClr r="0" g="0" b="0"/>
-        </a:fillRef>
-        <a:effectRef idx="0">
-          <a:scrgbClr r="0" g="0" b="0"/>
-        </a:effectRef>
-        <a:fontRef idx="minor"/>
-      </dsp:style>
-    </dsp:sp>
-    <dsp:sp modelId="{4C3BB4CC-6F56-43B8-A0DE-775151BF39D6}">
-      <dsp:nvSpPr>
-        <dsp:cNvPr id="0" name=""/>
-        <dsp:cNvSpPr/>
-      </dsp:nvSpPr>
-      <dsp:spPr>
-        <a:xfrm>
-          <a:off x="4661014" y="965494"/>
-          <a:ext cx="119608" cy="1499099"/>
-        </a:xfrm>
-        <a:custGeom>
-          <a:avLst/>
-          <a:gdLst/>
-          <a:ahLst/>
-          <a:cxnLst/>
-          <a:rect l="0" t="0" r="0" b="0"/>
-          <a:pathLst>
-            <a:path>
-              <a:moveTo>
-                <a:pt x="0" y="0"/>
-              </a:moveTo>
-              <a:lnTo>
-                <a:pt x="0" y="1499099"/>
-              </a:lnTo>
-              <a:lnTo>
-                <a:pt x="119608" y="1499099"/>
-              </a:lnTo>
-            </a:path>
-          </a:pathLst>
-        </a:custGeom>
-        <a:noFill/>
-        <a:ln w="25400" cap="flat" cmpd="sng" algn="ctr">
-          <a:solidFill>
-            <a:schemeClr val="accent3">
-              <a:hueOff val="0"/>
-              <a:satOff val="0"/>
-              <a:lumOff val="0"/>
-              <a:alphaOff val="0"/>
-            </a:schemeClr>
-          </a:solidFill>
-          <a:prstDash val="solid"/>
-        </a:ln>
-        <a:effectLst/>
-      </dsp:spPr>
-      <dsp:style>
-        <a:lnRef idx="2">
-          <a:scrgbClr r="0" g="0" b="0"/>
-        </a:lnRef>
-        <a:fillRef idx="0">
-          <a:scrgbClr r="0" g="0" b="0"/>
-        </a:fillRef>
-        <a:effectRef idx="0">
-          <a:scrgbClr r="0" g="0" b="0"/>
-        </a:effectRef>
-        <a:fontRef idx="minor"/>
-      </dsp:style>
-    </dsp:sp>
-    <dsp:sp modelId="{3A1D62C4-2AA8-4B16-A54E-2F4EBE884DDF}">
-      <dsp:nvSpPr>
-        <dsp:cNvPr id="0" name=""/>
-        <dsp:cNvSpPr/>
-      </dsp:nvSpPr>
-      <dsp:spPr>
-        <a:xfrm>
-          <a:off x="4661014" y="965494"/>
-          <a:ext cx="119608" cy="932950"/>
-        </a:xfrm>
-        <a:custGeom>
-          <a:avLst/>
-          <a:gdLst/>
-          <a:ahLst/>
-          <a:cxnLst/>
-          <a:rect l="0" t="0" r="0" b="0"/>
-          <a:pathLst>
-            <a:path>
-              <a:moveTo>
-                <a:pt x="0" y="0"/>
-              </a:moveTo>
-              <a:lnTo>
-                <a:pt x="0" y="932950"/>
-              </a:lnTo>
-              <a:lnTo>
-                <a:pt x="119608" y="932950"/>
-              </a:lnTo>
-            </a:path>
-          </a:pathLst>
-        </a:custGeom>
-        <a:noFill/>
-        <a:ln w="25400" cap="flat" cmpd="sng" algn="ctr">
-          <a:solidFill>
-            <a:schemeClr val="accent3">
-              <a:hueOff val="0"/>
-              <a:satOff val="0"/>
-              <a:lumOff val="0"/>
-              <a:alphaOff val="0"/>
-            </a:schemeClr>
-          </a:solidFill>
-          <a:prstDash val="solid"/>
-        </a:ln>
-        <a:effectLst/>
-      </dsp:spPr>
-      <dsp:style>
-        <a:lnRef idx="2">
-          <a:scrgbClr r="0" g="0" b="0"/>
-        </a:lnRef>
-        <a:fillRef idx="0">
-          <a:scrgbClr r="0" g="0" b="0"/>
-        </a:fillRef>
-        <a:effectRef idx="0">
-          <a:scrgbClr r="0" g="0" b="0"/>
-        </a:effectRef>
-        <a:fontRef idx="minor"/>
-      </dsp:style>
-    </dsp:sp>
-    <dsp:sp modelId="{5058B0BF-72E6-4B99-9C94-549859300065}">
-      <dsp:nvSpPr>
-        <dsp:cNvPr id="0" name=""/>
-        <dsp:cNvSpPr/>
-      </dsp:nvSpPr>
-      <dsp:spPr>
-        <a:xfrm>
-          <a:off x="4661014" y="965494"/>
-          <a:ext cx="119608" cy="366800"/>
-        </a:xfrm>
-        <a:custGeom>
-          <a:avLst/>
-          <a:gdLst/>
-          <a:ahLst/>
-          <a:cxnLst/>
-          <a:rect l="0" t="0" r="0" b="0"/>
-          <a:pathLst>
-            <a:path>
-              <a:moveTo>
-                <a:pt x="0" y="0"/>
-              </a:moveTo>
-              <a:lnTo>
-                <a:pt x="0" y="366800"/>
-              </a:lnTo>
-              <a:lnTo>
-                <a:pt x="119608" y="366800"/>
-              </a:lnTo>
-            </a:path>
-          </a:pathLst>
-        </a:custGeom>
-        <a:noFill/>
-        <a:ln w="25400" cap="flat" cmpd="sng" algn="ctr">
-          <a:solidFill>
-            <a:schemeClr val="accent3">
-              <a:hueOff val="0"/>
-              <a:satOff val="0"/>
-              <a:lumOff val="0"/>
-              <a:alphaOff val="0"/>
-            </a:schemeClr>
-          </a:solidFill>
-          <a:prstDash val="solid"/>
-        </a:ln>
-        <a:effectLst/>
-      </dsp:spPr>
-      <dsp:style>
-        <a:lnRef idx="2">
-          <a:scrgbClr r="0" g="0" b="0"/>
-        </a:lnRef>
-        <a:fillRef idx="0">
-          <a:scrgbClr r="0" g="0" b="0"/>
-        </a:fillRef>
-        <a:effectRef idx="0">
-          <a:scrgbClr r="0" g="0" b="0"/>
-        </a:effectRef>
-        <a:fontRef idx="minor"/>
-      </dsp:style>
-    </dsp:sp>
-    <dsp:sp modelId="{1BAD559E-F40C-4F09-A31A-DF58084DAAE1}">
-      <dsp:nvSpPr>
-        <dsp:cNvPr id="0" name=""/>
-        <dsp:cNvSpPr/>
-      </dsp:nvSpPr>
-      <dsp:spPr>
-        <a:xfrm>
-          <a:off x="4015125" y="399345"/>
-          <a:ext cx="964845" cy="167452"/>
-        </a:xfrm>
-        <a:custGeom>
-          <a:avLst/>
-          <a:gdLst/>
-          <a:ahLst/>
-          <a:cxnLst/>
-          <a:rect l="0" t="0" r="0" b="0"/>
-          <a:pathLst>
-            <a:path>
-              <a:moveTo>
-                <a:pt x="0" y="0"/>
-              </a:moveTo>
-              <a:lnTo>
-                <a:pt x="0" y="83726"/>
-              </a:lnTo>
-              <a:lnTo>
-                <a:pt x="964845" y="83726"/>
-              </a:lnTo>
-              <a:lnTo>
-                <a:pt x="964845" y="167452"/>
-              </a:lnTo>
-            </a:path>
-          </a:pathLst>
-        </a:custGeom>
-        <a:noFill/>
-        <a:ln w="25400" cap="flat" cmpd="sng" algn="ctr">
-          <a:solidFill>
-            <a:schemeClr val="accent2">
-              <a:hueOff val="0"/>
-              <a:satOff val="0"/>
-              <a:lumOff val="0"/>
-              <a:alphaOff val="0"/>
-            </a:schemeClr>
-          </a:solidFill>
-          <a:prstDash val="solid"/>
-        </a:ln>
-        <a:effectLst/>
-      </dsp:spPr>
-      <dsp:style>
-        <a:lnRef idx="2">
-          <a:scrgbClr r="0" g="0" b="0"/>
-        </a:lnRef>
-        <a:fillRef idx="0">
-          <a:scrgbClr r="0" g="0" b="0"/>
-        </a:fillRef>
-        <a:effectRef idx="0">
-          <a:scrgbClr r="0" g="0" b="0"/>
-        </a:effectRef>
-        <a:fontRef idx="minor"/>
-      </dsp:style>
-    </dsp:sp>
-    <dsp:sp modelId="{3E5B3977-8EC8-4185-924D-8978B31E533F}">
-      <dsp:nvSpPr>
-        <dsp:cNvPr id="0" name=""/>
-        <dsp:cNvSpPr/>
-      </dsp:nvSpPr>
-      <dsp:spPr>
-        <a:xfrm>
-          <a:off x="3696168" y="965494"/>
-          <a:ext cx="119608" cy="932950"/>
-        </a:xfrm>
-        <a:custGeom>
-          <a:avLst/>
-          <a:gdLst/>
-          <a:ahLst/>
-          <a:cxnLst/>
-          <a:rect l="0" t="0" r="0" b="0"/>
-          <a:pathLst>
-            <a:path>
-              <a:moveTo>
-                <a:pt x="0" y="0"/>
-              </a:moveTo>
-              <a:lnTo>
-                <a:pt x="0" y="932950"/>
-              </a:lnTo>
-              <a:lnTo>
-                <a:pt x="119608" y="932950"/>
-              </a:lnTo>
-            </a:path>
-          </a:pathLst>
-        </a:custGeom>
-        <a:noFill/>
-        <a:ln w="25400" cap="flat" cmpd="sng" algn="ctr">
-          <a:solidFill>
-            <a:schemeClr val="accent3">
-              <a:hueOff val="0"/>
-              <a:satOff val="0"/>
-              <a:lumOff val="0"/>
-              <a:alphaOff val="0"/>
-            </a:schemeClr>
-          </a:solidFill>
-          <a:prstDash val="solid"/>
-        </a:ln>
-        <a:effectLst/>
-      </dsp:spPr>
-      <dsp:style>
-        <a:lnRef idx="2">
-          <a:scrgbClr r="0" g="0" b="0"/>
-        </a:lnRef>
-        <a:fillRef idx="0">
-          <a:scrgbClr r="0" g="0" b="0"/>
-        </a:fillRef>
-        <a:effectRef idx="0">
-          <a:scrgbClr r="0" g="0" b="0"/>
-        </a:effectRef>
-        <a:fontRef idx="minor"/>
-      </dsp:style>
-    </dsp:sp>
-    <dsp:sp modelId="{B43F883B-2CCC-4A02-A491-C7302C26D616}">
-      <dsp:nvSpPr>
-        <dsp:cNvPr id="0" name=""/>
-        <dsp:cNvSpPr/>
-      </dsp:nvSpPr>
-      <dsp:spPr>
-        <a:xfrm>
-          <a:off x="3696168" y="965494"/>
-          <a:ext cx="119608" cy="366800"/>
-        </a:xfrm>
-        <a:custGeom>
-          <a:avLst/>
-          <a:gdLst/>
-          <a:ahLst/>
-          <a:cxnLst/>
-          <a:rect l="0" t="0" r="0" b="0"/>
-          <a:pathLst>
-            <a:path>
-              <a:moveTo>
-                <a:pt x="0" y="0"/>
-              </a:moveTo>
-              <a:lnTo>
-                <a:pt x="0" y="366800"/>
-              </a:lnTo>
-              <a:lnTo>
-                <a:pt x="119608" y="366800"/>
-              </a:lnTo>
-            </a:path>
-          </a:pathLst>
-        </a:custGeom>
-        <a:noFill/>
-        <a:ln w="25400" cap="flat" cmpd="sng" algn="ctr">
-          <a:solidFill>
-            <a:schemeClr val="accent3">
-              <a:hueOff val="0"/>
-              <a:satOff val="0"/>
-              <a:lumOff val="0"/>
-              <a:alphaOff val="0"/>
-            </a:schemeClr>
-          </a:solidFill>
-          <a:prstDash val="solid"/>
-        </a:ln>
-        <a:effectLst/>
-      </dsp:spPr>
-      <dsp:style>
-        <a:lnRef idx="2">
-          <a:scrgbClr r="0" g="0" b="0"/>
-        </a:lnRef>
-        <a:fillRef idx="0">
-          <a:scrgbClr r="0" g="0" b="0"/>
-        </a:fillRef>
-        <a:effectRef idx="0">
-          <a:scrgbClr r="0" g="0" b="0"/>
-        </a:effectRef>
-        <a:fontRef idx="minor"/>
-      </dsp:style>
-    </dsp:sp>
-    <dsp:sp modelId="{1E6766D5-445E-449B-B283-19EB5BB56EBE}">
-      <dsp:nvSpPr>
-        <dsp:cNvPr id="0" name=""/>
-        <dsp:cNvSpPr/>
-      </dsp:nvSpPr>
-      <dsp:spPr>
-        <a:xfrm>
-          <a:off x="3969405" y="399345"/>
-          <a:ext cx="91440" cy="167452"/>
-        </a:xfrm>
-        <a:custGeom>
-          <a:avLst/>
-          <a:gdLst/>
-          <a:ahLst/>
-          <a:cxnLst/>
-          <a:rect l="0" t="0" r="0" b="0"/>
-          <a:pathLst>
-            <a:path>
-              <a:moveTo>
-                <a:pt x="45720" y="0"/>
-              </a:moveTo>
-              <a:lnTo>
-                <a:pt x="45720" y="167452"/>
-              </a:lnTo>
-            </a:path>
-          </a:pathLst>
-        </a:custGeom>
-        <a:noFill/>
-        <a:ln w="25400" cap="flat" cmpd="sng" algn="ctr">
-          <a:solidFill>
-            <a:schemeClr val="accent2">
-              <a:hueOff val="0"/>
-              <a:satOff val="0"/>
-              <a:lumOff val="0"/>
-              <a:alphaOff val="0"/>
-            </a:schemeClr>
-          </a:solidFill>
-          <a:prstDash val="solid"/>
-        </a:ln>
-        <a:effectLst/>
-      </dsp:spPr>
-      <dsp:style>
-        <a:lnRef idx="2">
-          <a:scrgbClr r="0" g="0" b="0"/>
-        </a:lnRef>
-        <a:fillRef idx="0">
-          <a:scrgbClr r="0" g="0" b="0"/>
-        </a:fillRef>
-        <a:effectRef idx="0">
-          <a:scrgbClr r="0" g="0" b="0"/>
-        </a:effectRef>
-        <a:fontRef idx="minor"/>
-      </dsp:style>
-    </dsp:sp>
-    <dsp:sp modelId="{B6A58E93-1B78-4EC7-A3A4-30F4C265E47C}">
-      <dsp:nvSpPr>
-        <dsp:cNvPr id="0" name=""/>
-        <dsp:cNvSpPr/>
-      </dsp:nvSpPr>
-      <dsp:spPr>
-        <a:xfrm>
-          <a:off x="2731322" y="965494"/>
-          <a:ext cx="119608" cy="3763695"/>
-        </a:xfrm>
-        <a:custGeom>
-          <a:avLst/>
-          <a:gdLst/>
-          <a:ahLst/>
-          <a:cxnLst/>
-          <a:rect l="0" t="0" r="0" b="0"/>
-          <a:pathLst>
-            <a:path>
-              <a:moveTo>
-                <a:pt x="0" y="0"/>
-              </a:moveTo>
-              <a:lnTo>
-                <a:pt x="0" y="3763695"/>
-              </a:lnTo>
-              <a:lnTo>
-                <a:pt x="119608" y="3763695"/>
-              </a:lnTo>
-            </a:path>
-          </a:pathLst>
-        </a:custGeom>
-        <a:noFill/>
-        <a:ln w="25400" cap="flat" cmpd="sng" algn="ctr">
-          <a:solidFill>
-            <a:schemeClr val="accent3">
-              <a:hueOff val="0"/>
-              <a:satOff val="0"/>
-              <a:lumOff val="0"/>
-              <a:alphaOff val="0"/>
-            </a:schemeClr>
-          </a:solidFill>
-          <a:prstDash val="solid"/>
-        </a:ln>
-        <a:effectLst/>
-      </dsp:spPr>
-      <dsp:style>
-        <a:lnRef idx="2">
-          <a:scrgbClr r="0" g="0" b="0"/>
-        </a:lnRef>
-        <a:fillRef idx="0">
-          <a:scrgbClr r="0" g="0" b="0"/>
-        </a:fillRef>
-        <a:effectRef idx="0">
-          <a:scrgbClr r="0" g="0" b="0"/>
-        </a:effectRef>
-        <a:fontRef idx="minor"/>
-      </dsp:style>
-    </dsp:sp>
-    <dsp:sp modelId="{B1F95E04-3A36-4362-8942-7AABECD7B5AF}">
-      <dsp:nvSpPr>
-        <dsp:cNvPr id="0" name=""/>
-        <dsp:cNvSpPr/>
-      </dsp:nvSpPr>
-      <dsp:spPr>
-        <a:xfrm>
-          <a:off x="2731322" y="965494"/>
-          <a:ext cx="119608" cy="3197546"/>
-        </a:xfrm>
-        <a:custGeom>
-          <a:avLst/>
-          <a:gdLst/>
-          <a:ahLst/>
-          <a:cxnLst/>
-          <a:rect l="0" t="0" r="0" b="0"/>
-          <a:pathLst>
-            <a:path>
-              <a:moveTo>
-                <a:pt x="0" y="0"/>
-              </a:moveTo>
-              <a:lnTo>
-                <a:pt x="0" y="3197546"/>
-              </a:lnTo>
-              <a:lnTo>
-                <a:pt x="119608" y="3197546"/>
-              </a:lnTo>
-            </a:path>
-          </a:pathLst>
-        </a:custGeom>
-        <a:noFill/>
-        <a:ln w="25400" cap="flat" cmpd="sng" algn="ctr">
-          <a:solidFill>
-            <a:schemeClr val="accent3">
-              <a:hueOff val="0"/>
-              <a:satOff val="0"/>
-              <a:lumOff val="0"/>
-              <a:alphaOff val="0"/>
-            </a:schemeClr>
-          </a:solidFill>
-          <a:prstDash val="solid"/>
-        </a:ln>
-        <a:effectLst/>
-      </dsp:spPr>
-      <dsp:style>
-        <a:lnRef idx="2">
-          <a:scrgbClr r="0" g="0" b="0"/>
-        </a:lnRef>
-        <a:fillRef idx="0">
-          <a:scrgbClr r="0" g="0" b="0"/>
-        </a:fillRef>
-        <a:effectRef idx="0">
-          <a:scrgbClr r="0" g="0" b="0"/>
-        </a:effectRef>
-        <a:fontRef idx="minor"/>
-      </dsp:style>
-    </dsp:sp>
-    <dsp:sp modelId="{EDB97EA3-77CA-4FDB-8D37-99E3887C21F0}">
-      <dsp:nvSpPr>
-        <dsp:cNvPr id="0" name=""/>
-        <dsp:cNvSpPr/>
-      </dsp:nvSpPr>
-      <dsp:spPr>
-        <a:xfrm>
-          <a:off x="2731322" y="965494"/>
-          <a:ext cx="119608" cy="2631397"/>
-        </a:xfrm>
-        <a:custGeom>
-          <a:avLst/>
-          <a:gdLst/>
-          <a:ahLst/>
-          <a:cxnLst/>
-          <a:rect l="0" t="0" r="0" b="0"/>
-          <a:pathLst>
-            <a:path>
-              <a:moveTo>
-                <a:pt x="0" y="0"/>
-              </a:moveTo>
-              <a:lnTo>
-                <a:pt x="0" y="2631397"/>
-              </a:lnTo>
-              <a:lnTo>
-                <a:pt x="119608" y="2631397"/>
-              </a:lnTo>
-            </a:path>
-          </a:pathLst>
-        </a:custGeom>
-        <a:noFill/>
-        <a:ln w="25400" cap="flat" cmpd="sng" algn="ctr">
-          <a:solidFill>
-            <a:schemeClr val="accent3">
-              <a:hueOff val="0"/>
-              <a:satOff val="0"/>
-              <a:lumOff val="0"/>
-              <a:alphaOff val="0"/>
-            </a:schemeClr>
-          </a:solidFill>
-          <a:prstDash val="solid"/>
-        </a:ln>
-        <a:effectLst/>
-      </dsp:spPr>
-      <dsp:style>
-        <a:lnRef idx="2">
-          <a:scrgbClr r="0" g="0" b="0"/>
-        </a:lnRef>
-        <a:fillRef idx="0">
-          <a:scrgbClr r="0" g="0" b="0"/>
-        </a:fillRef>
-        <a:effectRef idx="0">
-          <a:scrgbClr r="0" g="0" b="0"/>
-        </a:effectRef>
-        <a:fontRef idx="minor"/>
-      </dsp:style>
-    </dsp:sp>
-    <dsp:sp modelId="{1CF95F02-82ED-4CD9-9BA2-61CE8BDB58C5}">
-      <dsp:nvSpPr>
-        <dsp:cNvPr id="0" name=""/>
-        <dsp:cNvSpPr/>
-      </dsp:nvSpPr>
-      <dsp:spPr>
-        <a:xfrm>
-          <a:off x="2731322" y="965494"/>
-          <a:ext cx="119608" cy="2065248"/>
-        </a:xfrm>
-        <a:custGeom>
-          <a:avLst/>
-          <a:gdLst/>
-          <a:ahLst/>
-          <a:cxnLst/>
-          <a:rect l="0" t="0" r="0" b="0"/>
-          <a:pathLst>
-            <a:path>
-              <a:moveTo>
-                <a:pt x="0" y="0"/>
-              </a:moveTo>
-              <a:lnTo>
-                <a:pt x="0" y="2065248"/>
-              </a:lnTo>
-              <a:lnTo>
-                <a:pt x="119608" y="2065248"/>
-              </a:lnTo>
-            </a:path>
-          </a:pathLst>
-        </a:custGeom>
-        <a:noFill/>
-        <a:ln w="25400" cap="flat" cmpd="sng" algn="ctr">
-          <a:solidFill>
-            <a:schemeClr val="accent3">
-              <a:hueOff val="0"/>
-              <a:satOff val="0"/>
-              <a:lumOff val="0"/>
-              <a:alphaOff val="0"/>
-            </a:schemeClr>
-          </a:solidFill>
-          <a:prstDash val="solid"/>
-        </a:ln>
-        <a:effectLst/>
-      </dsp:spPr>
-      <dsp:style>
-        <a:lnRef idx="2">
-          <a:scrgbClr r="0" g="0" b="0"/>
-        </a:lnRef>
-        <a:fillRef idx="0">
-          <a:scrgbClr r="0" g="0" b="0"/>
-        </a:fillRef>
-        <a:effectRef idx="0">
-          <a:scrgbClr r="0" g="0" b="0"/>
-        </a:effectRef>
-        <a:fontRef idx="minor"/>
-      </dsp:style>
-    </dsp:sp>
-    <dsp:sp modelId="{266CF7A3-9956-4EEE-8D24-1B39D32A973E}">
-      <dsp:nvSpPr>
-        <dsp:cNvPr id="0" name=""/>
-        <dsp:cNvSpPr/>
-      </dsp:nvSpPr>
-      <dsp:spPr>
-        <a:xfrm>
-          <a:off x="2731322" y="965494"/>
-          <a:ext cx="119608" cy="1499099"/>
-        </a:xfrm>
-        <a:custGeom>
-          <a:avLst/>
-          <a:gdLst/>
-          <a:ahLst/>
-          <a:cxnLst/>
-          <a:rect l="0" t="0" r="0" b="0"/>
-          <a:pathLst>
-            <a:path>
-              <a:moveTo>
-                <a:pt x="0" y="0"/>
-              </a:moveTo>
-              <a:lnTo>
-                <a:pt x="0" y="1499099"/>
-              </a:lnTo>
-              <a:lnTo>
-                <a:pt x="119608" y="1499099"/>
-              </a:lnTo>
-            </a:path>
-          </a:pathLst>
-        </a:custGeom>
-        <a:noFill/>
-        <a:ln w="25400" cap="flat" cmpd="sng" algn="ctr">
-          <a:solidFill>
-            <a:schemeClr val="accent3">
-              <a:hueOff val="0"/>
-              <a:satOff val="0"/>
-              <a:lumOff val="0"/>
-              <a:alphaOff val="0"/>
-            </a:schemeClr>
-          </a:solidFill>
-          <a:prstDash val="solid"/>
-        </a:ln>
-        <a:effectLst/>
-      </dsp:spPr>
-      <dsp:style>
-        <a:lnRef idx="2">
-          <a:scrgbClr r="0" g="0" b="0"/>
-        </a:lnRef>
-        <a:fillRef idx="0">
-          <a:scrgbClr r="0" g="0" b="0"/>
-        </a:fillRef>
-        <a:effectRef idx="0">
-          <a:scrgbClr r="0" g="0" b="0"/>
-        </a:effectRef>
-        <a:fontRef idx="minor"/>
-      </dsp:style>
-    </dsp:sp>
-    <dsp:sp modelId="{43296387-E4CB-4E1A-9346-F704B659A735}">
-      <dsp:nvSpPr>
-        <dsp:cNvPr id="0" name=""/>
-        <dsp:cNvSpPr/>
-      </dsp:nvSpPr>
-      <dsp:spPr>
-        <a:xfrm>
-          <a:off x="2731322" y="965494"/>
-          <a:ext cx="119608" cy="932950"/>
-        </a:xfrm>
-        <a:custGeom>
-          <a:avLst/>
-          <a:gdLst/>
-          <a:ahLst/>
-          <a:cxnLst/>
-          <a:rect l="0" t="0" r="0" b="0"/>
-          <a:pathLst>
-            <a:path>
-              <a:moveTo>
-                <a:pt x="0" y="0"/>
-              </a:moveTo>
-              <a:lnTo>
-                <a:pt x="0" y="932950"/>
-              </a:lnTo>
-              <a:lnTo>
-                <a:pt x="119608" y="932950"/>
-              </a:lnTo>
-            </a:path>
-          </a:pathLst>
-        </a:custGeom>
-        <a:noFill/>
-        <a:ln w="25400" cap="flat" cmpd="sng" algn="ctr">
-          <a:solidFill>
-            <a:schemeClr val="accent3">
-              <a:hueOff val="0"/>
-              <a:satOff val="0"/>
-              <a:lumOff val="0"/>
-              <a:alphaOff val="0"/>
-            </a:schemeClr>
-          </a:solidFill>
-          <a:prstDash val="solid"/>
-        </a:ln>
-        <a:effectLst/>
-      </dsp:spPr>
-      <dsp:style>
-        <a:lnRef idx="2">
-          <a:scrgbClr r="0" g="0" b="0"/>
-        </a:lnRef>
-        <a:fillRef idx="0">
-          <a:scrgbClr r="0" g="0" b="0"/>
-        </a:fillRef>
-        <a:effectRef idx="0">
-          <a:scrgbClr r="0" g="0" b="0"/>
-        </a:effectRef>
-        <a:fontRef idx="minor"/>
-      </dsp:style>
-    </dsp:sp>
-    <dsp:sp modelId="{4E9B351E-0791-4FBB-BB2E-EFC19BDEB838}">
-      <dsp:nvSpPr>
-        <dsp:cNvPr id="0" name=""/>
-        <dsp:cNvSpPr/>
-      </dsp:nvSpPr>
-      <dsp:spPr>
-        <a:xfrm>
-          <a:off x="2731322" y="965494"/>
-          <a:ext cx="119608" cy="366800"/>
-        </a:xfrm>
-        <a:custGeom>
-          <a:avLst/>
-          <a:gdLst/>
-          <a:ahLst/>
-          <a:cxnLst/>
-          <a:rect l="0" t="0" r="0" b="0"/>
-          <a:pathLst>
-            <a:path>
-              <a:moveTo>
-                <a:pt x="0" y="0"/>
-              </a:moveTo>
-              <a:lnTo>
-                <a:pt x="0" y="366800"/>
-              </a:lnTo>
-              <a:lnTo>
-                <a:pt x="119608" y="366800"/>
-              </a:lnTo>
-            </a:path>
-          </a:pathLst>
-        </a:custGeom>
-        <a:noFill/>
-        <a:ln w="25400" cap="flat" cmpd="sng" algn="ctr">
-          <a:solidFill>
-            <a:schemeClr val="accent3">
-              <a:hueOff val="0"/>
-              <a:satOff val="0"/>
-              <a:lumOff val="0"/>
-              <a:alphaOff val="0"/>
-            </a:schemeClr>
-          </a:solidFill>
-          <a:prstDash val="solid"/>
-        </a:ln>
-        <a:effectLst/>
-      </dsp:spPr>
-      <dsp:style>
-        <a:lnRef idx="2">
-          <a:scrgbClr r="0" g="0" b="0"/>
-        </a:lnRef>
-        <a:fillRef idx="0">
-          <a:scrgbClr r="0" g="0" b="0"/>
-        </a:fillRef>
-        <a:effectRef idx="0">
-          <a:scrgbClr r="0" g="0" b="0"/>
-        </a:effectRef>
-        <a:fontRef idx="minor"/>
-      </dsp:style>
-    </dsp:sp>
-    <dsp:sp modelId="{C101385D-7984-49EA-94A9-D8482E268BCE}">
-      <dsp:nvSpPr>
-        <dsp:cNvPr id="0" name=""/>
-        <dsp:cNvSpPr/>
-      </dsp:nvSpPr>
-      <dsp:spPr>
-        <a:xfrm>
-          <a:off x="3050280" y="399345"/>
-          <a:ext cx="964845" cy="167452"/>
-        </a:xfrm>
-        <a:custGeom>
-          <a:avLst/>
-          <a:gdLst/>
-          <a:ahLst/>
-          <a:cxnLst/>
-          <a:rect l="0" t="0" r="0" b="0"/>
-          <a:pathLst>
-            <a:path>
-              <a:moveTo>
-                <a:pt x="964845" y="0"/>
-              </a:moveTo>
-              <a:lnTo>
-                <a:pt x="964845" y="83726"/>
-              </a:lnTo>
-              <a:lnTo>
-                <a:pt x="0" y="83726"/>
-              </a:lnTo>
-              <a:lnTo>
-                <a:pt x="0" y="167452"/>
-              </a:lnTo>
-            </a:path>
-          </a:pathLst>
-        </a:custGeom>
-        <a:noFill/>
-        <a:ln w="25400" cap="flat" cmpd="sng" algn="ctr">
-          <a:solidFill>
-            <a:schemeClr val="accent2">
-              <a:hueOff val="0"/>
-              <a:satOff val="0"/>
-              <a:lumOff val="0"/>
-              <a:alphaOff val="0"/>
-            </a:schemeClr>
-          </a:solidFill>
-          <a:prstDash val="solid"/>
-        </a:ln>
-        <a:effectLst/>
-      </dsp:spPr>
-      <dsp:style>
-        <a:lnRef idx="2">
-          <a:scrgbClr r="0" g="0" b="0"/>
-        </a:lnRef>
-        <a:fillRef idx="0">
-          <a:scrgbClr r="0" g="0" b="0"/>
-        </a:fillRef>
-        <a:effectRef idx="0">
-          <a:scrgbClr r="0" g="0" b="0"/>
-        </a:effectRef>
-        <a:fontRef idx="minor"/>
-      </dsp:style>
-    </dsp:sp>
-    <dsp:sp modelId="{54193F16-9A7A-49FF-B770-C6B6126EB6B1}">
-      <dsp:nvSpPr>
-        <dsp:cNvPr id="0" name=""/>
-        <dsp:cNvSpPr/>
-      </dsp:nvSpPr>
-      <dsp:spPr>
-        <a:xfrm>
-          <a:off x="1766477" y="965494"/>
-          <a:ext cx="119608" cy="2065248"/>
-        </a:xfrm>
-        <a:custGeom>
-          <a:avLst/>
-          <a:gdLst/>
-          <a:ahLst/>
-          <a:cxnLst/>
-          <a:rect l="0" t="0" r="0" b="0"/>
-          <a:pathLst>
-            <a:path>
-              <a:moveTo>
-                <a:pt x="0" y="0"/>
-              </a:moveTo>
-              <a:lnTo>
-                <a:pt x="0" y="2065248"/>
-              </a:lnTo>
-              <a:lnTo>
-                <a:pt x="119608" y="2065248"/>
-              </a:lnTo>
-            </a:path>
-          </a:pathLst>
-        </a:custGeom>
-        <a:noFill/>
-        <a:ln w="25400" cap="flat" cmpd="sng" algn="ctr">
-          <a:solidFill>
-            <a:schemeClr val="accent3">
-              <a:hueOff val="0"/>
-              <a:satOff val="0"/>
-              <a:lumOff val="0"/>
-              <a:alphaOff val="0"/>
-            </a:schemeClr>
-          </a:solidFill>
-          <a:prstDash val="solid"/>
-        </a:ln>
-        <a:effectLst/>
-      </dsp:spPr>
-      <dsp:style>
-        <a:lnRef idx="2">
-          <a:scrgbClr r="0" g="0" b="0"/>
-        </a:lnRef>
-        <a:fillRef idx="0">
-          <a:scrgbClr r="0" g="0" b="0"/>
-        </a:fillRef>
-        <a:effectRef idx="0">
-          <a:scrgbClr r="0" g="0" b="0"/>
-        </a:effectRef>
-        <a:fontRef idx="minor"/>
-      </dsp:style>
-    </dsp:sp>
-    <dsp:sp modelId="{4AA77E32-3D75-43B3-8CEB-484423AEE31F}">
-      <dsp:nvSpPr>
-        <dsp:cNvPr id="0" name=""/>
-        <dsp:cNvSpPr/>
-      </dsp:nvSpPr>
-      <dsp:spPr>
-        <a:xfrm>
-          <a:off x="1766477" y="965494"/>
-          <a:ext cx="119608" cy="1499099"/>
-        </a:xfrm>
-        <a:custGeom>
-          <a:avLst/>
-          <a:gdLst/>
-          <a:ahLst/>
-          <a:cxnLst/>
-          <a:rect l="0" t="0" r="0" b="0"/>
-          <a:pathLst>
-            <a:path>
-              <a:moveTo>
-                <a:pt x="0" y="0"/>
-              </a:moveTo>
-              <a:lnTo>
-                <a:pt x="0" y="1499099"/>
-              </a:lnTo>
-              <a:lnTo>
-                <a:pt x="119608" y="1499099"/>
-              </a:lnTo>
-            </a:path>
-          </a:pathLst>
-        </a:custGeom>
-        <a:noFill/>
-        <a:ln w="25400" cap="flat" cmpd="sng" algn="ctr">
-          <a:solidFill>
-            <a:schemeClr val="accent3">
-              <a:hueOff val="0"/>
-              <a:satOff val="0"/>
-              <a:lumOff val="0"/>
-              <a:alphaOff val="0"/>
-            </a:schemeClr>
-          </a:solidFill>
-          <a:prstDash val="solid"/>
-        </a:ln>
-        <a:effectLst/>
-      </dsp:spPr>
-      <dsp:style>
-        <a:lnRef idx="2">
-          <a:scrgbClr r="0" g="0" b="0"/>
-        </a:lnRef>
-        <a:fillRef idx="0">
-          <a:scrgbClr r="0" g="0" b="0"/>
-        </a:fillRef>
-        <a:effectRef idx="0">
-          <a:scrgbClr r="0" g="0" b="0"/>
-        </a:effectRef>
-        <a:fontRef idx="minor"/>
-      </dsp:style>
-    </dsp:sp>
-    <dsp:sp modelId="{3714D6C8-FDBC-435F-8B30-3D9FD4EDA141}">
-      <dsp:nvSpPr>
-        <dsp:cNvPr id="0" name=""/>
-        <dsp:cNvSpPr/>
-      </dsp:nvSpPr>
-      <dsp:spPr>
-        <a:xfrm>
-          <a:off x="1766477" y="965494"/>
-          <a:ext cx="119608" cy="932950"/>
-        </a:xfrm>
-        <a:custGeom>
-          <a:avLst/>
-          <a:gdLst/>
-          <a:ahLst/>
-          <a:cxnLst/>
-          <a:rect l="0" t="0" r="0" b="0"/>
-          <a:pathLst>
-            <a:path>
-              <a:moveTo>
-                <a:pt x="0" y="0"/>
-              </a:moveTo>
-              <a:lnTo>
-                <a:pt x="0" y="932950"/>
-              </a:lnTo>
-              <a:lnTo>
-                <a:pt x="119608" y="932950"/>
-              </a:lnTo>
-            </a:path>
-          </a:pathLst>
-        </a:custGeom>
-        <a:noFill/>
-        <a:ln w="25400" cap="flat" cmpd="sng" algn="ctr">
-          <a:solidFill>
-            <a:schemeClr val="accent3">
-              <a:hueOff val="0"/>
-              <a:satOff val="0"/>
-              <a:lumOff val="0"/>
-              <a:alphaOff val="0"/>
-            </a:schemeClr>
-          </a:solidFill>
-          <a:prstDash val="solid"/>
-        </a:ln>
-        <a:effectLst/>
-      </dsp:spPr>
-      <dsp:style>
-        <a:lnRef idx="2">
-          <a:scrgbClr r="0" g="0" b="0"/>
-        </a:lnRef>
-        <a:fillRef idx="0">
-          <a:scrgbClr r="0" g="0" b="0"/>
-        </a:fillRef>
-        <a:effectRef idx="0">
-          <a:scrgbClr r="0" g="0" b="0"/>
-        </a:effectRef>
-        <a:fontRef idx="minor"/>
-      </dsp:style>
-    </dsp:sp>
-    <dsp:sp modelId="{FFD5089A-8D49-4EB1-9003-B84CBEEC781E}">
-      <dsp:nvSpPr>
-        <dsp:cNvPr id="0" name=""/>
-        <dsp:cNvSpPr/>
-      </dsp:nvSpPr>
-      <dsp:spPr>
-        <a:xfrm>
-          <a:off x="1766477" y="965494"/>
-          <a:ext cx="119608" cy="366800"/>
-        </a:xfrm>
-        <a:custGeom>
-          <a:avLst/>
-          <a:gdLst/>
-          <a:ahLst/>
-          <a:cxnLst/>
-          <a:rect l="0" t="0" r="0" b="0"/>
-          <a:pathLst>
-            <a:path>
-              <a:moveTo>
-                <a:pt x="0" y="0"/>
-              </a:moveTo>
-              <a:lnTo>
-                <a:pt x="0" y="366800"/>
-              </a:lnTo>
-              <a:lnTo>
-                <a:pt x="119608" y="366800"/>
-              </a:lnTo>
-            </a:path>
-          </a:pathLst>
-        </a:custGeom>
-        <a:noFill/>
-        <a:ln w="25400" cap="flat" cmpd="sng" algn="ctr">
-          <a:solidFill>
-            <a:schemeClr val="accent3">
-              <a:hueOff val="0"/>
-              <a:satOff val="0"/>
-              <a:lumOff val="0"/>
-              <a:alphaOff val="0"/>
-            </a:schemeClr>
-          </a:solidFill>
-          <a:prstDash val="solid"/>
-        </a:ln>
-        <a:effectLst/>
-      </dsp:spPr>
-      <dsp:style>
-        <a:lnRef idx="2">
-          <a:scrgbClr r="0" g="0" b="0"/>
-        </a:lnRef>
-        <a:fillRef idx="0">
-          <a:scrgbClr r="0" g="0" b="0"/>
-        </a:fillRef>
-        <a:effectRef idx="0">
-          <a:scrgbClr r="0" g="0" b="0"/>
-        </a:effectRef>
-        <a:fontRef idx="minor"/>
-      </dsp:style>
-    </dsp:sp>
-    <dsp:sp modelId="{8F4D5A79-3FAA-4AC7-931E-3097E705C93D}">
-      <dsp:nvSpPr>
-        <dsp:cNvPr id="0" name=""/>
-        <dsp:cNvSpPr/>
-      </dsp:nvSpPr>
-      <dsp:spPr>
-        <a:xfrm>
-          <a:off x="2085434" y="399345"/>
-          <a:ext cx="1929691" cy="167452"/>
-        </a:xfrm>
-        <a:custGeom>
-          <a:avLst/>
-          <a:gdLst/>
-          <a:ahLst/>
-          <a:cxnLst/>
-          <a:rect l="0" t="0" r="0" b="0"/>
-          <a:pathLst>
-            <a:path>
-              <a:moveTo>
-                <a:pt x="1929691" y="0"/>
-              </a:moveTo>
-              <a:lnTo>
-                <a:pt x="1929691" y="83726"/>
-              </a:lnTo>
-              <a:lnTo>
-                <a:pt x="0" y="83726"/>
-              </a:lnTo>
-              <a:lnTo>
-                <a:pt x="0" y="167452"/>
-              </a:lnTo>
-            </a:path>
-          </a:pathLst>
-        </a:custGeom>
-        <a:noFill/>
-        <a:ln w="25400" cap="flat" cmpd="sng" algn="ctr">
-          <a:solidFill>
-            <a:schemeClr val="accent2">
-              <a:hueOff val="0"/>
-              <a:satOff val="0"/>
-              <a:lumOff val="0"/>
-              <a:alphaOff val="0"/>
-            </a:schemeClr>
-          </a:solidFill>
-          <a:prstDash val="solid"/>
-        </a:ln>
-        <a:effectLst/>
-      </dsp:spPr>
-      <dsp:style>
-        <a:lnRef idx="2">
-          <a:scrgbClr r="0" g="0" b="0"/>
-        </a:lnRef>
-        <a:fillRef idx="0">
-          <a:scrgbClr r="0" g="0" b="0"/>
-        </a:fillRef>
-        <a:effectRef idx="0">
-          <a:scrgbClr r="0" g="0" b="0"/>
-        </a:effectRef>
-        <a:fontRef idx="minor"/>
-      </dsp:style>
-    </dsp:sp>
-    <dsp:sp modelId="{E896C3E0-D4CC-4409-8440-F2EA281A8D7F}">
-      <dsp:nvSpPr>
-        <dsp:cNvPr id="0" name=""/>
-        <dsp:cNvSpPr/>
-      </dsp:nvSpPr>
-      <dsp:spPr>
-        <a:xfrm>
-          <a:off x="3616429" y="649"/>
-          <a:ext cx="797393" cy="398696"/>
-        </a:xfrm>
-        <a:prstGeom prst="rect">
-          <a:avLst/>
-        </a:prstGeom>
-        <a:solidFill>
-          <a:schemeClr val="accent1">
-            <a:hueOff val="0"/>
-            <a:satOff val="0"/>
-            <a:lumOff val="0"/>
-            <a:alphaOff val="0"/>
-          </a:schemeClr>
-        </a:solidFill>
-        <a:ln w="25400" cap="flat" cmpd="sng" algn="ctr">
-          <a:solidFill>
-            <a:schemeClr val="lt1">
-              <a:hueOff val="0"/>
-              <a:satOff val="0"/>
-              <a:lumOff val="0"/>
-              <a:alphaOff val="0"/>
-            </a:schemeClr>
-          </a:solidFill>
-          <a:prstDash val="solid"/>
-        </a:ln>
-        <a:effectLst/>
-      </dsp:spPr>
-      <dsp:style>
-        <a:lnRef idx="2">
-          <a:scrgbClr r="0" g="0" b="0"/>
-        </a:lnRef>
-        <a:fillRef idx="1">
-          <a:scrgbClr r="0" g="0" b="0"/>
-        </a:fillRef>
-        <a:effectRef idx="0">
-          <a:scrgbClr r="0" g="0" b="0"/>
-        </a:effectRef>
-        <a:fontRef idx="minor">
-          <a:schemeClr val="lt1"/>
-        </a:fontRef>
-      </dsp:style>
-      <dsp:txBody>
-        <a:bodyPr spcFirstLastPara="0" vert="horz" wrap="square" lIns="7620" tIns="7620" rIns="7620" bIns="7620" numCol="1" spcCol="1270" anchor="ctr" anchorCtr="0">
-          <a:noAutofit/>
-        </a:bodyPr>
-        <a:lstStyle/>
-        <a:p>
-          <a:pPr lvl="0" algn="ctr" defTabSz="533400">
-            <a:lnSpc>
-              <a:spcPct val="90000"/>
-            </a:lnSpc>
-            <a:spcBef>
-              <a:spcPct val="0"/>
-            </a:spcBef>
-            <a:spcAft>
-              <a:spcPct val="35000"/>
-            </a:spcAft>
-          </a:pPr>
-          <a:r>
-            <a:rPr lang="zh-CN" altLang="en-US" sz="1200" kern="1200" dirty="0" smtClean="0"/>
-            <a:t>系统设计说明书</a:t>
-          </a:r>
-          <a:endParaRPr lang="zh-CN" altLang="en-US" sz="1200" kern="1200" dirty="0"/>
-        </a:p>
-      </dsp:txBody>
-      <dsp:txXfrm>
-        <a:off x="3616429" y="649"/>
-        <a:ext cx="797393" cy="398696"/>
-      </dsp:txXfrm>
-    </dsp:sp>
-    <dsp:sp modelId="{47ACEFBD-E301-49C3-B44C-EDD055C1E637}">
-      <dsp:nvSpPr>
-        <dsp:cNvPr id="0" name=""/>
-        <dsp:cNvSpPr/>
-      </dsp:nvSpPr>
-      <dsp:spPr>
-        <a:xfrm>
-          <a:off x="1686737" y="566798"/>
-          <a:ext cx="797393" cy="398696"/>
-        </a:xfrm>
-        <a:prstGeom prst="rect">
-          <a:avLst/>
-        </a:prstGeom>
-        <a:solidFill>
-          <a:schemeClr val="accent2">
-            <a:hueOff val="0"/>
-            <a:satOff val="0"/>
-            <a:lumOff val="0"/>
-            <a:alphaOff val="0"/>
-          </a:schemeClr>
-        </a:solidFill>
-        <a:ln w="25400" cap="flat" cmpd="sng" algn="ctr">
-          <a:solidFill>
-            <a:schemeClr val="lt1">
-              <a:hueOff val="0"/>
-              <a:satOff val="0"/>
-              <a:lumOff val="0"/>
-              <a:alphaOff val="0"/>
-            </a:schemeClr>
-          </a:solidFill>
-          <a:prstDash val="solid"/>
-        </a:ln>
-        <a:effectLst/>
-      </dsp:spPr>
-      <dsp:style>
-        <a:lnRef idx="2">
-          <a:scrgbClr r="0" g="0" b="0"/>
-        </a:lnRef>
-        <a:fillRef idx="1">
-          <a:scrgbClr r="0" g="0" b="0"/>
-        </a:fillRef>
-        <a:effectRef idx="0">
-          <a:scrgbClr r="0" g="0" b="0"/>
-        </a:effectRef>
-        <a:fontRef idx="minor">
-          <a:schemeClr val="lt1"/>
-        </a:fontRef>
-      </dsp:style>
-      <dsp:txBody>
-        <a:bodyPr spcFirstLastPara="0" vert="horz" wrap="square" lIns="7620" tIns="7620" rIns="7620" bIns="7620" numCol="1" spcCol="1270" anchor="ctr" anchorCtr="0">
-          <a:noAutofit/>
-        </a:bodyPr>
-        <a:lstStyle/>
-        <a:p>
-          <a:pPr lvl="0" algn="ctr" defTabSz="533400">
-            <a:lnSpc>
-              <a:spcPct val="90000"/>
-            </a:lnSpc>
-            <a:spcBef>
-              <a:spcPct val="0"/>
-            </a:spcBef>
-            <a:spcAft>
-              <a:spcPct val="35000"/>
-            </a:spcAft>
-          </a:pPr>
-          <a:r>
-            <a:rPr lang="zh-CN" altLang="en-US" sz="1200" kern="1200" dirty="0" smtClean="0"/>
-            <a:t>引言</a:t>
-          </a:r>
-          <a:endParaRPr lang="zh-CN" altLang="en-US" sz="1200" kern="1200" dirty="0"/>
-        </a:p>
-      </dsp:txBody>
-      <dsp:txXfrm>
-        <a:off x="1686737" y="566798"/>
-        <a:ext cx="797393" cy="398696"/>
-      </dsp:txXfrm>
-    </dsp:sp>
-    <dsp:sp modelId="{5FF59521-D1E6-476A-BCE5-BC95CA08816D}">
-      <dsp:nvSpPr>
-        <dsp:cNvPr id="0" name=""/>
-        <dsp:cNvSpPr/>
-      </dsp:nvSpPr>
-      <dsp:spPr>
-        <a:xfrm>
-          <a:off x="1886086" y="1132947"/>
-          <a:ext cx="797393" cy="398696"/>
-        </a:xfrm>
-        <a:prstGeom prst="rect">
-          <a:avLst/>
-        </a:prstGeom>
-        <a:solidFill>
-          <a:schemeClr val="accent3">
-            <a:hueOff val="0"/>
-            <a:satOff val="0"/>
-            <a:lumOff val="0"/>
-            <a:alphaOff val="0"/>
-          </a:schemeClr>
-        </a:solidFill>
-        <a:ln w="25400" cap="flat" cmpd="sng" algn="ctr">
-          <a:solidFill>
-            <a:schemeClr val="lt1">
-              <a:hueOff val="0"/>
-              <a:satOff val="0"/>
-              <a:lumOff val="0"/>
-              <a:alphaOff val="0"/>
-            </a:schemeClr>
-          </a:solidFill>
-          <a:prstDash val="solid"/>
-        </a:ln>
-        <a:effectLst/>
-      </dsp:spPr>
-      <dsp:style>
-        <a:lnRef idx="2">
-          <a:scrgbClr r="0" g="0" b="0"/>
-        </a:lnRef>
-        <a:fillRef idx="1">
-          <a:scrgbClr r="0" g="0" b="0"/>
-        </a:fillRef>
-        <a:effectRef idx="0">
-          <a:scrgbClr r="0" g="0" b="0"/>
-        </a:effectRef>
-        <a:fontRef idx="minor">
-          <a:schemeClr val="lt1"/>
-        </a:fontRef>
-      </dsp:style>
-      <dsp:txBody>
-        <a:bodyPr spcFirstLastPara="0" vert="horz" wrap="square" lIns="7620" tIns="7620" rIns="7620" bIns="7620" numCol="1" spcCol="1270" anchor="ctr" anchorCtr="0">
-          <a:noAutofit/>
-        </a:bodyPr>
-        <a:lstStyle/>
-        <a:p>
-          <a:pPr lvl="0" algn="ctr" defTabSz="533400">
-            <a:lnSpc>
-              <a:spcPct val="90000"/>
-            </a:lnSpc>
-            <a:spcBef>
-              <a:spcPct val="0"/>
-            </a:spcBef>
-            <a:spcAft>
-              <a:spcPct val="35000"/>
-            </a:spcAft>
-          </a:pPr>
-          <a:r>
-            <a:rPr lang="zh-CN" altLang="en-US" sz="1200" kern="1200" dirty="0" smtClean="0"/>
-            <a:t>目的</a:t>
-          </a:r>
-          <a:endParaRPr lang="en-US" altLang="zh-CN" sz="1200" kern="1200" dirty="0" smtClean="0"/>
-        </a:p>
-      </dsp:txBody>
-      <dsp:txXfrm>
-        <a:off x="1886086" y="1132947"/>
-        <a:ext cx="797393" cy="398696"/>
-      </dsp:txXfrm>
-    </dsp:sp>
-    <dsp:sp modelId="{475A3D8F-FF2E-44DC-9E2E-9844173C3E8E}">
-      <dsp:nvSpPr>
-        <dsp:cNvPr id="0" name=""/>
-        <dsp:cNvSpPr/>
-      </dsp:nvSpPr>
-      <dsp:spPr>
-        <a:xfrm>
-          <a:off x="1886086" y="1699096"/>
-          <a:ext cx="797393" cy="398696"/>
-        </a:xfrm>
-        <a:prstGeom prst="rect">
-          <a:avLst/>
-        </a:prstGeom>
-        <a:solidFill>
-          <a:schemeClr val="accent3">
-            <a:hueOff val="0"/>
-            <a:satOff val="0"/>
-            <a:lumOff val="0"/>
-            <a:alphaOff val="0"/>
-          </a:schemeClr>
-        </a:solidFill>
-        <a:ln w="25400" cap="flat" cmpd="sng" algn="ctr">
-          <a:solidFill>
-            <a:schemeClr val="lt1">
-              <a:hueOff val="0"/>
-              <a:satOff val="0"/>
-              <a:lumOff val="0"/>
-              <a:alphaOff val="0"/>
-            </a:schemeClr>
-          </a:solidFill>
-          <a:prstDash val="solid"/>
-        </a:ln>
-        <a:effectLst/>
-      </dsp:spPr>
-      <dsp:style>
-        <a:lnRef idx="2">
-          <a:scrgbClr r="0" g="0" b="0"/>
-        </a:lnRef>
-        <a:fillRef idx="1">
-          <a:scrgbClr r="0" g="0" b="0"/>
-        </a:fillRef>
-        <a:effectRef idx="0">
-          <a:scrgbClr r="0" g="0" b="0"/>
-        </a:effectRef>
-        <a:fontRef idx="minor">
-          <a:schemeClr val="lt1"/>
-        </a:fontRef>
-      </dsp:style>
-      <dsp:txBody>
-        <a:bodyPr spcFirstLastPara="0" vert="horz" wrap="square" lIns="7620" tIns="7620" rIns="7620" bIns="7620" numCol="1" spcCol="1270" anchor="ctr" anchorCtr="0">
-          <a:noAutofit/>
-        </a:bodyPr>
-        <a:lstStyle/>
-        <a:p>
-          <a:pPr lvl="0" algn="ctr" defTabSz="533400">
-            <a:lnSpc>
-              <a:spcPct val="90000"/>
-            </a:lnSpc>
-            <a:spcBef>
-              <a:spcPct val="0"/>
-            </a:spcBef>
-            <a:spcAft>
-              <a:spcPct val="35000"/>
-            </a:spcAft>
-          </a:pPr>
-          <a:r>
-            <a:rPr lang="zh-CN" altLang="en-US" sz="1200" kern="1200" dirty="0" smtClean="0"/>
-            <a:t>参考资料</a:t>
-          </a:r>
-          <a:endParaRPr lang="en-US" altLang="zh-CN" sz="1200" kern="1200" dirty="0" smtClean="0"/>
-        </a:p>
-      </dsp:txBody>
-      <dsp:txXfrm>
-        <a:off x="1886086" y="1699096"/>
-        <a:ext cx="797393" cy="398696"/>
-      </dsp:txXfrm>
-    </dsp:sp>
-    <dsp:sp modelId="{AD084717-D4B1-4F52-9C6E-B16217608AA4}">
-      <dsp:nvSpPr>
-        <dsp:cNvPr id="0" name=""/>
-        <dsp:cNvSpPr/>
-      </dsp:nvSpPr>
-      <dsp:spPr>
-        <a:xfrm>
-          <a:off x="1886086" y="2265245"/>
-          <a:ext cx="797393" cy="398696"/>
-        </a:xfrm>
-        <a:prstGeom prst="rect">
-          <a:avLst/>
-        </a:prstGeom>
-        <a:solidFill>
-          <a:schemeClr val="accent3">
-            <a:hueOff val="0"/>
-            <a:satOff val="0"/>
-            <a:lumOff val="0"/>
-            <a:alphaOff val="0"/>
-          </a:schemeClr>
-        </a:solidFill>
-        <a:ln w="25400" cap="flat" cmpd="sng" algn="ctr">
-          <a:solidFill>
-            <a:schemeClr val="lt1">
-              <a:hueOff val="0"/>
-              <a:satOff val="0"/>
-              <a:lumOff val="0"/>
-              <a:alphaOff val="0"/>
-            </a:schemeClr>
-          </a:solidFill>
-          <a:prstDash val="solid"/>
-        </a:ln>
-        <a:effectLst/>
-      </dsp:spPr>
-      <dsp:style>
-        <a:lnRef idx="2">
-          <a:scrgbClr r="0" g="0" b="0"/>
-        </a:lnRef>
-        <a:fillRef idx="1">
-          <a:scrgbClr r="0" g="0" b="0"/>
-        </a:fillRef>
-        <a:effectRef idx="0">
-          <a:scrgbClr r="0" g="0" b="0"/>
-        </a:effectRef>
-        <a:fontRef idx="minor">
-          <a:schemeClr val="lt1"/>
-        </a:fontRef>
-      </dsp:style>
-      <dsp:txBody>
-        <a:bodyPr spcFirstLastPara="0" vert="horz" wrap="square" lIns="7620" tIns="7620" rIns="7620" bIns="7620" numCol="1" spcCol="1270" anchor="ctr" anchorCtr="0">
-          <a:noAutofit/>
-        </a:bodyPr>
-        <a:lstStyle/>
-        <a:p>
-          <a:pPr lvl="0" algn="ctr" defTabSz="533400">
-            <a:lnSpc>
-              <a:spcPct val="90000"/>
-            </a:lnSpc>
-            <a:spcBef>
-              <a:spcPct val="0"/>
-            </a:spcBef>
-            <a:spcAft>
-              <a:spcPct val="35000"/>
-            </a:spcAft>
-          </a:pPr>
-          <a:r>
-            <a:rPr lang="zh-CN" altLang="en-US" sz="1200" kern="1200" dirty="0" smtClean="0"/>
-            <a:t>属于表</a:t>
-          </a:r>
-          <a:endParaRPr lang="en-US" altLang="zh-CN" sz="1200" kern="1200" dirty="0" smtClean="0"/>
-        </a:p>
-      </dsp:txBody>
-      <dsp:txXfrm>
-        <a:off x="1886086" y="2265245"/>
-        <a:ext cx="797393" cy="398696"/>
-      </dsp:txXfrm>
-    </dsp:sp>
-    <dsp:sp modelId="{7B6F79AC-81B4-4118-87CC-DBB9526E6984}">
-      <dsp:nvSpPr>
-        <dsp:cNvPr id="0" name=""/>
-        <dsp:cNvSpPr/>
-      </dsp:nvSpPr>
-      <dsp:spPr>
-        <a:xfrm>
-          <a:off x="1886086" y="2831394"/>
-          <a:ext cx="797393" cy="398696"/>
-        </a:xfrm>
-        <a:prstGeom prst="rect">
-          <a:avLst/>
-        </a:prstGeom>
-        <a:solidFill>
-          <a:schemeClr val="accent3">
-            <a:hueOff val="0"/>
-            <a:satOff val="0"/>
-            <a:lumOff val="0"/>
-            <a:alphaOff val="0"/>
-          </a:schemeClr>
-        </a:solidFill>
-        <a:ln w="25400" cap="flat" cmpd="sng" algn="ctr">
-          <a:solidFill>
-            <a:schemeClr val="lt1">
-              <a:hueOff val="0"/>
-              <a:satOff val="0"/>
-              <a:lumOff val="0"/>
-              <a:alphaOff val="0"/>
-            </a:schemeClr>
-          </a:solidFill>
-          <a:prstDash val="solid"/>
-        </a:ln>
-        <a:effectLst/>
-      </dsp:spPr>
-      <dsp:style>
-        <a:lnRef idx="2">
-          <a:scrgbClr r="0" g="0" b="0"/>
-        </a:lnRef>
-        <a:fillRef idx="1">
-          <a:scrgbClr r="0" g="0" b="0"/>
-        </a:fillRef>
-        <a:effectRef idx="0">
-          <a:scrgbClr r="0" g="0" b="0"/>
-        </a:effectRef>
-        <a:fontRef idx="minor">
-          <a:schemeClr val="lt1"/>
-        </a:fontRef>
-      </dsp:style>
-      <dsp:txBody>
-        <a:bodyPr spcFirstLastPara="0" vert="horz" wrap="square" lIns="7620" tIns="7620" rIns="7620" bIns="7620" numCol="1" spcCol="1270" anchor="ctr" anchorCtr="0">
-          <a:noAutofit/>
-        </a:bodyPr>
-        <a:lstStyle/>
-        <a:p>
-          <a:pPr lvl="0" algn="ctr" defTabSz="533400">
-            <a:lnSpc>
-              <a:spcPct val="90000"/>
-            </a:lnSpc>
-            <a:spcBef>
-              <a:spcPct val="0"/>
-            </a:spcBef>
-            <a:spcAft>
-              <a:spcPct val="35000"/>
-            </a:spcAft>
-          </a:pPr>
-          <a:r>
-            <a:rPr lang="zh-CN" altLang="en-US" sz="1200" kern="1200" dirty="0" smtClean="0"/>
-            <a:t>系统目标和约束</a:t>
-          </a:r>
-          <a:endParaRPr lang="en-US" altLang="zh-CN" sz="1200" kern="1200" dirty="0" smtClean="0"/>
-        </a:p>
-      </dsp:txBody>
-      <dsp:txXfrm>
-        <a:off x="1886086" y="2831394"/>
-        <a:ext cx="797393" cy="398696"/>
-      </dsp:txXfrm>
-    </dsp:sp>
-    <dsp:sp modelId="{EECFEA76-768E-4449-B742-24DA9C420720}">
-      <dsp:nvSpPr>
-        <dsp:cNvPr id="0" name=""/>
-        <dsp:cNvSpPr/>
-      </dsp:nvSpPr>
-      <dsp:spPr>
-        <a:xfrm>
-          <a:off x="2651583" y="566798"/>
-          <a:ext cx="797393" cy="398696"/>
-        </a:xfrm>
-        <a:prstGeom prst="rect">
-          <a:avLst/>
-        </a:prstGeom>
-        <a:solidFill>
-          <a:schemeClr val="accent2">
-            <a:hueOff val="0"/>
-            <a:satOff val="0"/>
-            <a:lumOff val="0"/>
-            <a:alphaOff val="0"/>
-          </a:schemeClr>
-        </a:solidFill>
-        <a:ln w="25400" cap="flat" cmpd="sng" algn="ctr">
-          <a:solidFill>
-            <a:schemeClr val="lt1">
-              <a:hueOff val="0"/>
-              <a:satOff val="0"/>
-              <a:lumOff val="0"/>
-              <a:alphaOff val="0"/>
-            </a:schemeClr>
-          </a:solidFill>
-          <a:prstDash val="solid"/>
-        </a:ln>
-        <a:effectLst/>
-      </dsp:spPr>
-      <dsp:style>
-        <a:lnRef idx="2">
-          <a:scrgbClr r="0" g="0" b="0"/>
-        </a:lnRef>
-        <a:fillRef idx="1">
-          <a:scrgbClr r="0" g="0" b="0"/>
-        </a:fillRef>
-        <a:effectRef idx="0">
-          <a:scrgbClr r="0" g="0" b="0"/>
-        </a:effectRef>
-        <a:fontRef idx="minor">
-          <a:schemeClr val="lt1"/>
-        </a:fontRef>
-      </dsp:style>
-      <dsp:txBody>
-        <a:bodyPr spcFirstLastPara="0" vert="horz" wrap="square" lIns="7620" tIns="7620" rIns="7620" bIns="7620" numCol="1" spcCol="1270" anchor="ctr" anchorCtr="0">
-          <a:noAutofit/>
-        </a:bodyPr>
-        <a:lstStyle/>
-        <a:p>
-          <a:pPr lvl="0" algn="ctr" defTabSz="533400">
-            <a:lnSpc>
-              <a:spcPct val="90000"/>
-            </a:lnSpc>
-            <a:spcBef>
-              <a:spcPct val="0"/>
-            </a:spcBef>
-            <a:spcAft>
-              <a:spcPct val="35000"/>
-            </a:spcAft>
-          </a:pPr>
-          <a:r>
-            <a:rPr lang="zh-CN" altLang="en-US" sz="1200" kern="1200" dirty="0" smtClean="0"/>
-            <a:t>系统设计</a:t>
-          </a:r>
-          <a:endParaRPr lang="zh-CN" altLang="en-US" sz="1200" kern="1200" dirty="0"/>
-        </a:p>
-      </dsp:txBody>
-      <dsp:txXfrm>
-        <a:off x="2651583" y="566798"/>
-        <a:ext cx="797393" cy="398696"/>
-      </dsp:txXfrm>
-    </dsp:sp>
-    <dsp:sp modelId="{353DC227-3345-41DF-AB13-0F8DF506629F}">
-      <dsp:nvSpPr>
-        <dsp:cNvPr id="0" name=""/>
-        <dsp:cNvSpPr/>
-      </dsp:nvSpPr>
-      <dsp:spPr>
-        <a:xfrm>
-          <a:off x="2850931" y="1132947"/>
-          <a:ext cx="797393" cy="398696"/>
-        </a:xfrm>
-        <a:prstGeom prst="rect">
-          <a:avLst/>
-        </a:prstGeom>
-        <a:solidFill>
-          <a:schemeClr val="accent3">
-            <a:hueOff val="0"/>
-            <a:satOff val="0"/>
-            <a:lumOff val="0"/>
-            <a:alphaOff val="0"/>
-          </a:schemeClr>
-        </a:solidFill>
-        <a:ln w="25400" cap="flat" cmpd="sng" algn="ctr">
-          <a:solidFill>
-            <a:schemeClr val="lt1">
-              <a:hueOff val="0"/>
-              <a:satOff val="0"/>
-              <a:lumOff val="0"/>
-              <a:alphaOff val="0"/>
-            </a:schemeClr>
-          </a:solidFill>
-          <a:prstDash val="solid"/>
-        </a:ln>
-        <a:effectLst/>
-      </dsp:spPr>
-      <dsp:style>
-        <a:lnRef idx="2">
-          <a:scrgbClr r="0" g="0" b="0"/>
-        </a:lnRef>
-        <a:fillRef idx="1">
-          <a:scrgbClr r="0" g="0" b="0"/>
-        </a:fillRef>
-        <a:effectRef idx="0">
-          <a:scrgbClr r="0" g="0" b="0"/>
-        </a:effectRef>
-        <a:fontRef idx="minor">
-          <a:schemeClr val="lt1"/>
-        </a:fontRef>
-      </dsp:style>
-      <dsp:txBody>
-        <a:bodyPr spcFirstLastPara="0" vert="horz" wrap="square" lIns="7620" tIns="7620" rIns="7620" bIns="7620" numCol="1" spcCol="1270" anchor="ctr" anchorCtr="0">
-          <a:noAutofit/>
-        </a:bodyPr>
-        <a:lstStyle/>
-        <a:p>
-          <a:pPr lvl="0" algn="ctr" defTabSz="533400">
-            <a:lnSpc>
-              <a:spcPct val="90000"/>
-            </a:lnSpc>
-            <a:spcBef>
-              <a:spcPct val="0"/>
-            </a:spcBef>
-            <a:spcAft>
-              <a:spcPct val="35000"/>
-            </a:spcAft>
-          </a:pPr>
-          <a:r>
-            <a:rPr lang="zh-CN" altLang="en-US" sz="1200" kern="1200" dirty="0" smtClean="0"/>
-            <a:t>架构设计概述</a:t>
-          </a:r>
-          <a:endParaRPr lang="zh-CN" altLang="en-US" sz="1200" kern="1200" dirty="0"/>
-        </a:p>
-      </dsp:txBody>
-      <dsp:txXfrm>
-        <a:off x="2850931" y="1132947"/>
-        <a:ext cx="797393" cy="398696"/>
-      </dsp:txXfrm>
-    </dsp:sp>
-    <dsp:sp modelId="{F3D85E40-079E-4B66-9906-F637DD8FCC9C}">
-      <dsp:nvSpPr>
-        <dsp:cNvPr id="0" name=""/>
-        <dsp:cNvSpPr/>
-      </dsp:nvSpPr>
-      <dsp:spPr>
-        <a:xfrm>
-          <a:off x="2850931" y="1699096"/>
-          <a:ext cx="797393" cy="398696"/>
-        </a:xfrm>
-        <a:prstGeom prst="rect">
-          <a:avLst/>
-        </a:prstGeom>
-        <a:solidFill>
-          <a:schemeClr val="accent3">
-            <a:hueOff val="0"/>
-            <a:satOff val="0"/>
-            <a:lumOff val="0"/>
-            <a:alphaOff val="0"/>
-          </a:schemeClr>
-        </a:solidFill>
-        <a:ln w="25400" cap="flat" cmpd="sng" algn="ctr">
-          <a:solidFill>
-            <a:schemeClr val="lt1">
-              <a:hueOff val="0"/>
-              <a:satOff val="0"/>
-              <a:lumOff val="0"/>
-              <a:alphaOff val="0"/>
-            </a:schemeClr>
-          </a:solidFill>
-          <a:prstDash val="solid"/>
-        </a:ln>
-        <a:effectLst/>
-      </dsp:spPr>
-      <dsp:style>
-        <a:lnRef idx="2">
-          <a:scrgbClr r="0" g="0" b="0"/>
-        </a:lnRef>
-        <a:fillRef idx="1">
-          <a:scrgbClr r="0" g="0" b="0"/>
-        </a:fillRef>
-        <a:effectRef idx="0">
-          <a:scrgbClr r="0" g="0" b="0"/>
-        </a:effectRef>
-        <a:fontRef idx="minor">
-          <a:schemeClr val="lt1"/>
-        </a:fontRef>
-      </dsp:style>
-      <dsp:txBody>
-        <a:bodyPr spcFirstLastPara="0" vert="horz" wrap="square" lIns="7620" tIns="7620" rIns="7620" bIns="7620" numCol="1" spcCol="1270" anchor="ctr" anchorCtr="0">
-          <a:noAutofit/>
-        </a:bodyPr>
-        <a:lstStyle/>
-        <a:p>
-          <a:pPr lvl="0" algn="ctr" defTabSz="533400">
-            <a:lnSpc>
-              <a:spcPct val="90000"/>
-            </a:lnSpc>
-            <a:spcBef>
-              <a:spcPct val="0"/>
-            </a:spcBef>
-            <a:spcAft>
-              <a:spcPct val="35000"/>
-            </a:spcAft>
-          </a:pPr>
-          <a:r>
-            <a:rPr lang="zh-CN" altLang="en-US" sz="1200" kern="1200" dirty="0" smtClean="0"/>
-            <a:t>对象模型</a:t>
-          </a:r>
-          <a:endParaRPr lang="zh-CN" altLang="en-US" sz="1200" kern="1200" dirty="0"/>
-        </a:p>
-      </dsp:txBody>
-      <dsp:txXfrm>
-        <a:off x="2850931" y="1699096"/>
-        <a:ext cx="797393" cy="398696"/>
-      </dsp:txXfrm>
-    </dsp:sp>
-    <dsp:sp modelId="{742ABAA1-D448-4568-ACC2-8FA3D8F26FDD}">
-      <dsp:nvSpPr>
-        <dsp:cNvPr id="0" name=""/>
-        <dsp:cNvSpPr/>
-      </dsp:nvSpPr>
-      <dsp:spPr>
-        <a:xfrm>
-          <a:off x="2850931" y="2265245"/>
-          <a:ext cx="797393" cy="398696"/>
-        </a:xfrm>
-        <a:prstGeom prst="rect">
-          <a:avLst/>
-        </a:prstGeom>
-        <a:solidFill>
-          <a:schemeClr val="accent3">
-            <a:hueOff val="0"/>
-            <a:satOff val="0"/>
-            <a:lumOff val="0"/>
-            <a:alphaOff val="0"/>
-          </a:schemeClr>
-        </a:solidFill>
-        <a:ln w="25400" cap="flat" cmpd="sng" algn="ctr">
-          <a:solidFill>
-            <a:schemeClr val="lt1">
-              <a:hueOff val="0"/>
-              <a:satOff val="0"/>
-              <a:lumOff val="0"/>
-              <a:alphaOff val="0"/>
-            </a:schemeClr>
-          </a:solidFill>
-          <a:prstDash val="solid"/>
-        </a:ln>
-        <a:effectLst/>
-      </dsp:spPr>
-      <dsp:style>
-        <a:lnRef idx="2">
-          <a:scrgbClr r="0" g="0" b="0"/>
-        </a:lnRef>
-        <a:fillRef idx="1">
-          <a:scrgbClr r="0" g="0" b="0"/>
-        </a:fillRef>
-        <a:effectRef idx="0">
-          <a:scrgbClr r="0" g="0" b="0"/>
-        </a:effectRef>
-        <a:fontRef idx="minor">
-          <a:schemeClr val="lt1"/>
-        </a:fontRef>
-      </dsp:style>
-      <dsp:txBody>
-        <a:bodyPr spcFirstLastPara="0" vert="horz" wrap="square" lIns="7620" tIns="7620" rIns="7620" bIns="7620" numCol="1" spcCol="1270" anchor="ctr" anchorCtr="0">
-          <a:noAutofit/>
-        </a:bodyPr>
-        <a:lstStyle/>
-        <a:p>
-          <a:pPr lvl="0" algn="ctr" defTabSz="533400">
-            <a:lnSpc>
-              <a:spcPct val="90000"/>
-            </a:lnSpc>
-            <a:spcBef>
-              <a:spcPct val="0"/>
-            </a:spcBef>
-            <a:spcAft>
-              <a:spcPct val="35000"/>
-            </a:spcAft>
-          </a:pPr>
-          <a:r>
-            <a:rPr lang="zh-CN" altLang="en-US" sz="1200" kern="1200" dirty="0" smtClean="0"/>
-            <a:t>接口定义</a:t>
-          </a:r>
-          <a:endParaRPr lang="zh-CN" altLang="en-US" sz="1200" kern="1200" dirty="0"/>
-        </a:p>
-      </dsp:txBody>
-      <dsp:txXfrm>
-        <a:off x="2850931" y="2265245"/>
-        <a:ext cx="797393" cy="398696"/>
-      </dsp:txXfrm>
-    </dsp:sp>
-    <dsp:sp modelId="{C6BD7962-9F5B-4567-83D7-A08FCEACCDA6}">
-      <dsp:nvSpPr>
-        <dsp:cNvPr id="0" name=""/>
-        <dsp:cNvSpPr/>
-      </dsp:nvSpPr>
-      <dsp:spPr>
-        <a:xfrm>
-          <a:off x="2850931" y="2831394"/>
-          <a:ext cx="797393" cy="398696"/>
-        </a:xfrm>
-        <a:prstGeom prst="rect">
-          <a:avLst/>
-        </a:prstGeom>
-        <a:solidFill>
-          <a:schemeClr val="accent3">
-            <a:hueOff val="0"/>
-            <a:satOff val="0"/>
-            <a:lumOff val="0"/>
-            <a:alphaOff val="0"/>
-          </a:schemeClr>
-        </a:solidFill>
-        <a:ln w="25400" cap="flat" cmpd="sng" algn="ctr">
-          <a:solidFill>
-            <a:schemeClr val="lt1">
-              <a:hueOff val="0"/>
-              <a:satOff val="0"/>
-              <a:lumOff val="0"/>
-              <a:alphaOff val="0"/>
-            </a:schemeClr>
-          </a:solidFill>
-          <a:prstDash val="solid"/>
-        </a:ln>
-        <a:effectLst/>
-      </dsp:spPr>
-      <dsp:style>
-        <a:lnRef idx="2">
-          <a:scrgbClr r="0" g="0" b="0"/>
-        </a:lnRef>
-        <a:fillRef idx="1">
-          <a:scrgbClr r="0" g="0" b="0"/>
-        </a:fillRef>
-        <a:effectRef idx="0">
-          <a:scrgbClr r="0" g="0" b="0"/>
-        </a:effectRef>
-        <a:fontRef idx="minor">
-          <a:schemeClr val="lt1"/>
-        </a:fontRef>
-      </dsp:style>
-      <dsp:txBody>
-        <a:bodyPr spcFirstLastPara="0" vert="horz" wrap="square" lIns="7620" tIns="7620" rIns="7620" bIns="7620" numCol="1" spcCol="1270" anchor="ctr" anchorCtr="0">
-          <a:noAutofit/>
-        </a:bodyPr>
-        <a:lstStyle/>
-        <a:p>
-          <a:pPr lvl="0" algn="ctr" defTabSz="533400">
-            <a:lnSpc>
-              <a:spcPct val="90000"/>
-            </a:lnSpc>
-            <a:spcBef>
-              <a:spcPct val="0"/>
-            </a:spcBef>
-            <a:spcAft>
-              <a:spcPct val="35000"/>
-            </a:spcAft>
-          </a:pPr>
-          <a:r>
-            <a:rPr lang="zh-CN" altLang="en-US" sz="1200" kern="1200" dirty="0" smtClean="0"/>
-            <a:t>特性实现</a:t>
-          </a:r>
-          <a:endParaRPr lang="zh-CN" altLang="en-US" sz="1200" kern="1200" dirty="0"/>
-        </a:p>
-      </dsp:txBody>
-      <dsp:txXfrm>
-        <a:off x="2850931" y="2831394"/>
-        <a:ext cx="797393" cy="398696"/>
-      </dsp:txXfrm>
-    </dsp:sp>
-    <dsp:sp modelId="{8AAE5A53-D082-4E09-8CF5-3C034EE39515}">
-      <dsp:nvSpPr>
-        <dsp:cNvPr id="0" name=""/>
-        <dsp:cNvSpPr/>
-      </dsp:nvSpPr>
-      <dsp:spPr>
-        <a:xfrm>
-          <a:off x="2850931" y="3397544"/>
-          <a:ext cx="797393" cy="398696"/>
-        </a:xfrm>
-        <a:prstGeom prst="rect">
-          <a:avLst/>
-        </a:prstGeom>
-        <a:solidFill>
-          <a:schemeClr val="accent3">
-            <a:hueOff val="0"/>
-            <a:satOff val="0"/>
-            <a:lumOff val="0"/>
-            <a:alphaOff val="0"/>
-          </a:schemeClr>
-        </a:solidFill>
-        <a:ln w="25400" cap="flat" cmpd="sng" algn="ctr">
-          <a:solidFill>
-            <a:schemeClr val="lt1">
-              <a:hueOff val="0"/>
-              <a:satOff val="0"/>
-              <a:lumOff val="0"/>
-              <a:alphaOff val="0"/>
-            </a:schemeClr>
-          </a:solidFill>
-          <a:prstDash val="solid"/>
-        </a:ln>
-        <a:effectLst/>
-      </dsp:spPr>
-      <dsp:style>
-        <a:lnRef idx="2">
-          <a:scrgbClr r="0" g="0" b="0"/>
-        </a:lnRef>
-        <a:fillRef idx="1">
-          <a:scrgbClr r="0" g="0" b="0"/>
-        </a:fillRef>
-        <a:effectRef idx="0">
-          <a:scrgbClr r="0" g="0" b="0"/>
-        </a:effectRef>
-        <a:fontRef idx="minor">
-          <a:schemeClr val="lt1"/>
-        </a:fontRef>
-      </dsp:style>
-      <dsp:txBody>
-        <a:bodyPr spcFirstLastPara="0" vert="horz" wrap="square" lIns="7620" tIns="7620" rIns="7620" bIns="7620" numCol="1" spcCol="1270" anchor="ctr" anchorCtr="0">
-          <a:noAutofit/>
-        </a:bodyPr>
-        <a:lstStyle/>
-        <a:p>
-          <a:pPr lvl="0" algn="ctr" defTabSz="533400">
-            <a:lnSpc>
-              <a:spcPct val="90000"/>
-            </a:lnSpc>
-            <a:spcBef>
-              <a:spcPct val="0"/>
-            </a:spcBef>
-            <a:spcAft>
-              <a:spcPct val="35000"/>
-            </a:spcAft>
-          </a:pPr>
-          <a:r>
-            <a:rPr lang="zh-CN" altLang="en-US" sz="1200" kern="1200" dirty="0" smtClean="0"/>
-            <a:t>错误代码</a:t>
-          </a:r>
-          <a:endParaRPr lang="zh-CN" altLang="en-US" sz="1200" kern="1200" dirty="0"/>
-        </a:p>
-      </dsp:txBody>
-      <dsp:txXfrm>
-        <a:off x="2850931" y="3397544"/>
-        <a:ext cx="797393" cy="398696"/>
-      </dsp:txXfrm>
-    </dsp:sp>
-    <dsp:sp modelId="{B8C5FB8D-1905-49E6-920F-61D51D4192F6}">
-      <dsp:nvSpPr>
-        <dsp:cNvPr id="0" name=""/>
-        <dsp:cNvSpPr/>
-      </dsp:nvSpPr>
-      <dsp:spPr>
-        <a:xfrm>
-          <a:off x="2850931" y="3963693"/>
-          <a:ext cx="797393" cy="398696"/>
-        </a:xfrm>
-        <a:prstGeom prst="rect">
-          <a:avLst/>
-        </a:prstGeom>
-        <a:solidFill>
-          <a:schemeClr val="accent3">
-            <a:hueOff val="0"/>
-            <a:satOff val="0"/>
-            <a:lumOff val="0"/>
-            <a:alphaOff val="0"/>
-          </a:schemeClr>
-        </a:solidFill>
-        <a:ln w="25400" cap="flat" cmpd="sng" algn="ctr">
-          <a:solidFill>
-            <a:schemeClr val="lt1">
-              <a:hueOff val="0"/>
-              <a:satOff val="0"/>
-              <a:lumOff val="0"/>
-              <a:alphaOff val="0"/>
-            </a:schemeClr>
-          </a:solidFill>
-          <a:prstDash val="solid"/>
-        </a:ln>
-        <a:effectLst/>
-      </dsp:spPr>
-      <dsp:style>
-        <a:lnRef idx="2">
-          <a:scrgbClr r="0" g="0" b="0"/>
-        </a:lnRef>
-        <a:fillRef idx="1">
-          <a:scrgbClr r="0" g="0" b="0"/>
-        </a:fillRef>
-        <a:effectRef idx="0">
-          <a:scrgbClr r="0" g="0" b="0"/>
-        </a:effectRef>
-        <a:fontRef idx="minor">
-          <a:schemeClr val="lt1"/>
-        </a:fontRef>
-      </dsp:style>
-      <dsp:txBody>
-        <a:bodyPr spcFirstLastPara="0" vert="horz" wrap="square" lIns="7620" tIns="7620" rIns="7620" bIns="7620" numCol="1" spcCol="1270" anchor="ctr" anchorCtr="0">
-          <a:noAutofit/>
-        </a:bodyPr>
-        <a:lstStyle/>
-        <a:p>
-          <a:pPr lvl="0" algn="ctr" defTabSz="533400">
-            <a:lnSpc>
-              <a:spcPct val="90000"/>
-            </a:lnSpc>
-            <a:spcBef>
-              <a:spcPct val="0"/>
-            </a:spcBef>
-            <a:spcAft>
-              <a:spcPct val="35000"/>
-            </a:spcAft>
-          </a:pPr>
-          <a:r>
-            <a:rPr lang="zh-CN" altLang="en-US" sz="1200" kern="1200" dirty="0" smtClean="0"/>
-            <a:t>错误日志</a:t>
-          </a:r>
-          <a:endParaRPr lang="zh-CN" altLang="en-US" sz="1200" kern="1200" dirty="0"/>
-        </a:p>
-      </dsp:txBody>
-      <dsp:txXfrm>
-        <a:off x="2850931" y="3963693"/>
-        <a:ext cx="797393" cy="398696"/>
-      </dsp:txXfrm>
-    </dsp:sp>
-    <dsp:sp modelId="{0CBBB9FA-8D6C-4794-80D7-050742E5AB2B}">
-      <dsp:nvSpPr>
-        <dsp:cNvPr id="0" name=""/>
-        <dsp:cNvSpPr/>
-      </dsp:nvSpPr>
-      <dsp:spPr>
-        <a:xfrm>
-          <a:off x="2850931" y="4529842"/>
-          <a:ext cx="797393" cy="398696"/>
-        </a:xfrm>
-        <a:prstGeom prst="rect">
-          <a:avLst/>
-        </a:prstGeom>
-        <a:solidFill>
-          <a:schemeClr val="accent3">
-            <a:hueOff val="0"/>
-            <a:satOff val="0"/>
-            <a:lumOff val="0"/>
-            <a:alphaOff val="0"/>
-          </a:schemeClr>
-        </a:solidFill>
-        <a:ln w="25400" cap="flat" cmpd="sng" algn="ctr">
-          <a:solidFill>
-            <a:schemeClr val="lt1">
-              <a:hueOff val="0"/>
-              <a:satOff val="0"/>
-              <a:lumOff val="0"/>
-              <a:alphaOff val="0"/>
-            </a:schemeClr>
-          </a:solidFill>
-          <a:prstDash val="solid"/>
-        </a:ln>
-        <a:effectLst/>
-      </dsp:spPr>
-      <dsp:style>
-        <a:lnRef idx="2">
-          <a:scrgbClr r="0" g="0" b="0"/>
-        </a:lnRef>
-        <a:fillRef idx="1">
-          <a:scrgbClr r="0" g="0" b="0"/>
-        </a:fillRef>
-        <a:effectRef idx="0">
-          <a:scrgbClr r="0" g="0" b="0"/>
-        </a:effectRef>
-        <a:fontRef idx="minor">
-          <a:schemeClr val="lt1"/>
-        </a:fontRef>
-      </dsp:style>
-      <dsp:txBody>
-        <a:bodyPr spcFirstLastPara="0" vert="horz" wrap="square" lIns="7620" tIns="7620" rIns="7620" bIns="7620" numCol="1" spcCol="1270" anchor="ctr" anchorCtr="0">
-          <a:noAutofit/>
-        </a:bodyPr>
-        <a:lstStyle/>
-        <a:p>
-          <a:pPr lvl="0" algn="ctr" defTabSz="533400">
-            <a:lnSpc>
-              <a:spcPct val="90000"/>
-            </a:lnSpc>
-            <a:spcBef>
-              <a:spcPct val="0"/>
-            </a:spcBef>
-            <a:spcAft>
-              <a:spcPct val="35000"/>
-            </a:spcAft>
-          </a:pPr>
-          <a:r>
-            <a:rPr lang="zh-CN" altLang="en-US" sz="1200" kern="1200" dirty="0" smtClean="0"/>
-            <a:t>部署视图</a:t>
-          </a:r>
-          <a:endParaRPr lang="zh-CN" altLang="en-US" sz="1200" kern="1200" dirty="0"/>
-        </a:p>
-      </dsp:txBody>
-      <dsp:txXfrm>
-        <a:off x="2850931" y="4529842"/>
-        <a:ext cx="797393" cy="398696"/>
-      </dsp:txXfrm>
-    </dsp:sp>
-    <dsp:sp modelId="{FF5DDB36-DD2C-4991-9012-AF29437BC6C4}">
-      <dsp:nvSpPr>
-        <dsp:cNvPr id="0" name=""/>
-        <dsp:cNvSpPr/>
-      </dsp:nvSpPr>
-      <dsp:spPr>
-        <a:xfrm>
-          <a:off x="3616429" y="566798"/>
-          <a:ext cx="797393" cy="398696"/>
-        </a:xfrm>
-        <a:prstGeom prst="rect">
-          <a:avLst/>
-        </a:prstGeom>
-        <a:solidFill>
-          <a:schemeClr val="accent2">
-            <a:hueOff val="0"/>
-            <a:satOff val="0"/>
-            <a:lumOff val="0"/>
-            <a:alphaOff val="0"/>
-          </a:schemeClr>
-        </a:solidFill>
-        <a:ln w="25400" cap="flat" cmpd="sng" algn="ctr">
-          <a:solidFill>
-            <a:schemeClr val="lt1">
-              <a:hueOff val="0"/>
-              <a:satOff val="0"/>
-              <a:lumOff val="0"/>
-              <a:alphaOff val="0"/>
-            </a:schemeClr>
-          </a:solidFill>
-          <a:prstDash val="solid"/>
-        </a:ln>
-        <a:effectLst/>
-      </dsp:spPr>
-      <dsp:style>
-        <a:lnRef idx="2">
-          <a:scrgbClr r="0" g="0" b="0"/>
-        </a:lnRef>
-        <a:fillRef idx="1">
-          <a:scrgbClr r="0" g="0" b="0"/>
-        </a:fillRef>
-        <a:effectRef idx="0">
-          <a:scrgbClr r="0" g="0" b="0"/>
-        </a:effectRef>
-        <a:fontRef idx="minor">
-          <a:schemeClr val="lt1"/>
-        </a:fontRef>
-      </dsp:style>
-      <dsp:txBody>
-        <a:bodyPr spcFirstLastPara="0" vert="horz" wrap="square" lIns="7620" tIns="7620" rIns="7620" bIns="7620" numCol="1" spcCol="1270" anchor="ctr" anchorCtr="0">
-          <a:noAutofit/>
-        </a:bodyPr>
-        <a:lstStyle/>
-        <a:p>
-          <a:pPr lvl="0" algn="ctr" defTabSz="533400">
-            <a:lnSpc>
-              <a:spcPct val="90000"/>
-            </a:lnSpc>
-            <a:spcBef>
-              <a:spcPct val="0"/>
-            </a:spcBef>
-            <a:spcAft>
-              <a:spcPct val="35000"/>
-            </a:spcAft>
-          </a:pPr>
-          <a:r>
-            <a:rPr lang="zh-CN" altLang="en-US" sz="1200" kern="1200" dirty="0" smtClean="0"/>
-            <a:t>数据库设计</a:t>
-          </a:r>
-          <a:endParaRPr lang="zh-CN" altLang="en-US" sz="1200" kern="1200" dirty="0"/>
-        </a:p>
-      </dsp:txBody>
-      <dsp:txXfrm>
-        <a:off x="3616429" y="566798"/>
-        <a:ext cx="797393" cy="398696"/>
-      </dsp:txXfrm>
-    </dsp:sp>
-    <dsp:sp modelId="{1294E043-4BDD-45D3-A379-FB58F33D3292}">
-      <dsp:nvSpPr>
-        <dsp:cNvPr id="0" name=""/>
-        <dsp:cNvSpPr/>
-      </dsp:nvSpPr>
-      <dsp:spPr>
-        <a:xfrm>
-          <a:off x="3815777" y="1132947"/>
-          <a:ext cx="797393" cy="398696"/>
-        </a:xfrm>
-        <a:prstGeom prst="rect">
-          <a:avLst/>
-        </a:prstGeom>
-        <a:solidFill>
-          <a:schemeClr val="accent3">
-            <a:hueOff val="0"/>
-            <a:satOff val="0"/>
-            <a:lumOff val="0"/>
-            <a:alphaOff val="0"/>
-          </a:schemeClr>
-        </a:solidFill>
-        <a:ln w="25400" cap="flat" cmpd="sng" algn="ctr">
-          <a:solidFill>
-            <a:schemeClr val="lt1">
-              <a:hueOff val="0"/>
-              <a:satOff val="0"/>
-              <a:lumOff val="0"/>
-              <a:alphaOff val="0"/>
-            </a:schemeClr>
-          </a:solidFill>
-          <a:prstDash val="solid"/>
-        </a:ln>
-        <a:effectLst/>
-      </dsp:spPr>
-      <dsp:style>
-        <a:lnRef idx="2">
-          <a:scrgbClr r="0" g="0" b="0"/>
-        </a:lnRef>
-        <a:fillRef idx="1">
-          <a:scrgbClr r="0" g="0" b="0"/>
-        </a:fillRef>
-        <a:effectRef idx="0">
-          <a:scrgbClr r="0" g="0" b="0"/>
-        </a:effectRef>
-        <a:fontRef idx="minor">
-          <a:schemeClr val="lt1"/>
-        </a:fontRef>
-      </dsp:style>
-      <dsp:txBody>
-        <a:bodyPr spcFirstLastPara="0" vert="horz" wrap="square" lIns="7620" tIns="7620" rIns="7620" bIns="7620" numCol="1" spcCol="1270" anchor="ctr" anchorCtr="0">
-          <a:noAutofit/>
-        </a:bodyPr>
-        <a:lstStyle/>
-        <a:p>
-          <a:pPr lvl="0" algn="ctr" defTabSz="533400">
-            <a:lnSpc>
-              <a:spcPct val="90000"/>
-            </a:lnSpc>
-            <a:spcBef>
-              <a:spcPct val="0"/>
-            </a:spcBef>
-            <a:spcAft>
-              <a:spcPct val="35000"/>
-            </a:spcAft>
-          </a:pPr>
-          <a:r>
-            <a:rPr lang="zh-CN" altLang="en-US" sz="1200" kern="1200" dirty="0" smtClean="0"/>
-            <a:t>概念设计</a:t>
-          </a:r>
-          <a:endParaRPr lang="zh-CN" altLang="en-US" sz="1200" kern="1200" dirty="0"/>
-        </a:p>
-      </dsp:txBody>
-      <dsp:txXfrm>
-        <a:off x="3815777" y="1132947"/>
-        <a:ext cx="797393" cy="398696"/>
-      </dsp:txXfrm>
-    </dsp:sp>
-    <dsp:sp modelId="{205A7643-EF99-4272-8C74-FB329B7F0C9A}">
-      <dsp:nvSpPr>
-        <dsp:cNvPr id="0" name=""/>
-        <dsp:cNvSpPr/>
-      </dsp:nvSpPr>
-      <dsp:spPr>
-        <a:xfrm>
-          <a:off x="3815777" y="1699096"/>
-          <a:ext cx="797393" cy="398696"/>
-        </a:xfrm>
-        <a:prstGeom prst="rect">
-          <a:avLst/>
-        </a:prstGeom>
-        <a:solidFill>
-          <a:schemeClr val="accent3">
-            <a:hueOff val="0"/>
-            <a:satOff val="0"/>
-            <a:lumOff val="0"/>
-            <a:alphaOff val="0"/>
-          </a:schemeClr>
-        </a:solidFill>
-        <a:ln w="25400" cap="flat" cmpd="sng" algn="ctr">
-          <a:solidFill>
-            <a:schemeClr val="lt1">
-              <a:hueOff val="0"/>
-              <a:satOff val="0"/>
-              <a:lumOff val="0"/>
-              <a:alphaOff val="0"/>
-            </a:schemeClr>
-          </a:solidFill>
-          <a:prstDash val="solid"/>
-        </a:ln>
-        <a:effectLst/>
-      </dsp:spPr>
-      <dsp:style>
-        <a:lnRef idx="2">
-          <a:scrgbClr r="0" g="0" b="0"/>
-        </a:lnRef>
-        <a:fillRef idx="1">
-          <a:scrgbClr r="0" g="0" b="0"/>
-        </a:fillRef>
-        <a:effectRef idx="0">
-          <a:scrgbClr r="0" g="0" b="0"/>
-        </a:effectRef>
-        <a:fontRef idx="minor">
-          <a:schemeClr val="lt1"/>
-        </a:fontRef>
-      </dsp:style>
-      <dsp:txBody>
-        <a:bodyPr spcFirstLastPara="0" vert="horz" wrap="square" lIns="7620" tIns="7620" rIns="7620" bIns="7620" numCol="1" spcCol="1270" anchor="ctr" anchorCtr="0">
-          <a:noAutofit/>
-        </a:bodyPr>
-        <a:lstStyle/>
-        <a:p>
-          <a:pPr lvl="0" algn="ctr" defTabSz="533400">
-            <a:lnSpc>
-              <a:spcPct val="90000"/>
-            </a:lnSpc>
-            <a:spcBef>
-              <a:spcPct val="0"/>
-            </a:spcBef>
-            <a:spcAft>
-              <a:spcPct val="35000"/>
-            </a:spcAft>
-          </a:pPr>
-          <a:r>
-            <a:rPr lang="zh-CN" altLang="en-US" sz="1200" kern="1200" dirty="0" smtClean="0"/>
-            <a:t>物理设计</a:t>
-          </a:r>
-          <a:endParaRPr lang="zh-CN" altLang="en-US" sz="1200" kern="1200" dirty="0"/>
-        </a:p>
-      </dsp:txBody>
-      <dsp:txXfrm>
-        <a:off x="3815777" y="1699096"/>
-        <a:ext cx="797393" cy="398696"/>
-      </dsp:txXfrm>
-    </dsp:sp>
-    <dsp:sp modelId="{F3703352-8975-4C32-B6D8-D57E91768F87}">
-      <dsp:nvSpPr>
-        <dsp:cNvPr id="0" name=""/>
-        <dsp:cNvSpPr/>
-      </dsp:nvSpPr>
-      <dsp:spPr>
-        <a:xfrm>
-          <a:off x="4581275" y="566798"/>
-          <a:ext cx="797393" cy="398696"/>
-        </a:xfrm>
-        <a:prstGeom prst="rect">
-          <a:avLst/>
-        </a:prstGeom>
-        <a:solidFill>
-          <a:schemeClr val="accent2">
-            <a:hueOff val="0"/>
-            <a:satOff val="0"/>
-            <a:lumOff val="0"/>
-            <a:alphaOff val="0"/>
-          </a:schemeClr>
-        </a:solidFill>
-        <a:ln w="25400" cap="flat" cmpd="sng" algn="ctr">
-          <a:solidFill>
-            <a:schemeClr val="lt1">
-              <a:hueOff val="0"/>
-              <a:satOff val="0"/>
-              <a:lumOff val="0"/>
-              <a:alphaOff val="0"/>
-            </a:schemeClr>
-          </a:solidFill>
-          <a:prstDash val="solid"/>
-        </a:ln>
-        <a:effectLst/>
-      </dsp:spPr>
-      <dsp:style>
-        <a:lnRef idx="2">
-          <a:scrgbClr r="0" g="0" b="0"/>
-        </a:lnRef>
-        <a:fillRef idx="1">
-          <a:scrgbClr r="0" g="0" b="0"/>
-        </a:fillRef>
-        <a:effectRef idx="0">
-          <a:scrgbClr r="0" g="0" b="0"/>
-        </a:effectRef>
-        <a:fontRef idx="minor">
-          <a:schemeClr val="lt1"/>
-        </a:fontRef>
-      </dsp:style>
-      <dsp:txBody>
-        <a:bodyPr spcFirstLastPara="0" vert="horz" wrap="square" lIns="7620" tIns="7620" rIns="7620" bIns="7620" numCol="1" spcCol="1270" anchor="ctr" anchorCtr="0">
-          <a:noAutofit/>
-        </a:bodyPr>
-        <a:lstStyle/>
-        <a:p>
-          <a:pPr lvl="0" algn="ctr" defTabSz="533400">
-            <a:lnSpc>
-              <a:spcPct val="90000"/>
-            </a:lnSpc>
-            <a:spcBef>
-              <a:spcPct val="0"/>
-            </a:spcBef>
-            <a:spcAft>
-              <a:spcPct val="35000"/>
-            </a:spcAft>
-          </a:pPr>
-          <a:r>
-            <a:rPr lang="zh-CN" altLang="en-US" sz="1200" kern="1200" dirty="0" smtClean="0"/>
-            <a:t>质量及其他</a:t>
-          </a:r>
-          <a:endParaRPr lang="zh-CN" altLang="en-US" sz="1200" kern="1200" dirty="0"/>
-        </a:p>
-      </dsp:txBody>
-      <dsp:txXfrm>
-        <a:off x="4581275" y="566798"/>
-        <a:ext cx="797393" cy="398696"/>
-      </dsp:txXfrm>
-    </dsp:sp>
-    <dsp:sp modelId="{4021AD6D-1EF3-4A75-BBFE-A469538A9B92}">
-      <dsp:nvSpPr>
-        <dsp:cNvPr id="0" name=""/>
-        <dsp:cNvSpPr/>
-      </dsp:nvSpPr>
-      <dsp:spPr>
-        <a:xfrm>
-          <a:off x="4780623" y="1132947"/>
-          <a:ext cx="797393" cy="398696"/>
-        </a:xfrm>
-        <a:prstGeom prst="rect">
-          <a:avLst/>
-        </a:prstGeom>
-        <a:solidFill>
-          <a:schemeClr val="accent3">
-            <a:hueOff val="0"/>
-            <a:satOff val="0"/>
-            <a:lumOff val="0"/>
-            <a:alphaOff val="0"/>
-          </a:schemeClr>
-        </a:solidFill>
-        <a:ln w="25400" cap="flat" cmpd="sng" algn="ctr">
-          <a:solidFill>
-            <a:schemeClr val="lt1">
-              <a:hueOff val="0"/>
-              <a:satOff val="0"/>
-              <a:lumOff val="0"/>
-              <a:alphaOff val="0"/>
-            </a:schemeClr>
-          </a:solidFill>
-          <a:prstDash val="solid"/>
-        </a:ln>
-        <a:effectLst/>
-      </dsp:spPr>
-      <dsp:style>
-        <a:lnRef idx="2">
-          <a:scrgbClr r="0" g="0" b="0"/>
-        </a:lnRef>
-        <a:fillRef idx="1">
-          <a:scrgbClr r="0" g="0" b="0"/>
-        </a:fillRef>
-        <a:effectRef idx="0">
-          <a:scrgbClr r="0" g="0" b="0"/>
-        </a:effectRef>
-        <a:fontRef idx="minor">
-          <a:schemeClr val="lt1"/>
-        </a:fontRef>
-      </dsp:style>
-      <dsp:txBody>
-        <a:bodyPr spcFirstLastPara="0" vert="horz" wrap="square" lIns="7620" tIns="7620" rIns="7620" bIns="7620" numCol="1" spcCol="1270" anchor="ctr" anchorCtr="0">
-          <a:noAutofit/>
-        </a:bodyPr>
-        <a:lstStyle/>
-        <a:p>
-          <a:pPr lvl="0" algn="ctr" defTabSz="533400">
-            <a:lnSpc>
-              <a:spcPct val="90000"/>
-            </a:lnSpc>
-            <a:spcBef>
-              <a:spcPct val="0"/>
-            </a:spcBef>
-            <a:spcAft>
-              <a:spcPct val="35000"/>
-            </a:spcAft>
-          </a:pPr>
-          <a:r>
-            <a:rPr lang="zh-CN" altLang="en-US" sz="1200" kern="1200" dirty="0" smtClean="0"/>
-            <a:t>可维护性</a:t>
-          </a:r>
-          <a:endParaRPr lang="zh-CN" altLang="en-US" sz="1200" kern="1200" dirty="0"/>
-        </a:p>
-      </dsp:txBody>
-      <dsp:txXfrm>
-        <a:off x="4780623" y="1132947"/>
-        <a:ext cx="797393" cy="398696"/>
-      </dsp:txXfrm>
-    </dsp:sp>
-    <dsp:sp modelId="{F0AB1BF8-CE51-47D5-A120-23351EEA0B74}">
-      <dsp:nvSpPr>
-        <dsp:cNvPr id="0" name=""/>
-        <dsp:cNvSpPr/>
-      </dsp:nvSpPr>
-      <dsp:spPr>
-        <a:xfrm>
-          <a:off x="4780623" y="1699096"/>
-          <a:ext cx="797393" cy="398696"/>
-        </a:xfrm>
-        <a:prstGeom prst="rect">
-          <a:avLst/>
-        </a:prstGeom>
-        <a:solidFill>
-          <a:schemeClr val="accent3">
-            <a:hueOff val="0"/>
-            <a:satOff val="0"/>
-            <a:lumOff val="0"/>
-            <a:alphaOff val="0"/>
-          </a:schemeClr>
-        </a:solidFill>
-        <a:ln w="25400" cap="flat" cmpd="sng" algn="ctr">
-          <a:solidFill>
-            <a:schemeClr val="lt1">
-              <a:hueOff val="0"/>
-              <a:satOff val="0"/>
-              <a:lumOff val="0"/>
-              <a:alphaOff val="0"/>
-            </a:schemeClr>
-          </a:solidFill>
-          <a:prstDash val="solid"/>
-        </a:ln>
-        <a:effectLst/>
-      </dsp:spPr>
-      <dsp:style>
-        <a:lnRef idx="2">
-          <a:scrgbClr r="0" g="0" b="0"/>
-        </a:lnRef>
-        <a:fillRef idx="1">
-          <a:scrgbClr r="0" g="0" b="0"/>
-        </a:fillRef>
-        <a:effectRef idx="0">
-          <a:scrgbClr r="0" g="0" b="0"/>
-        </a:effectRef>
-        <a:fontRef idx="minor">
-          <a:schemeClr val="lt1"/>
-        </a:fontRef>
-      </dsp:style>
-      <dsp:txBody>
-        <a:bodyPr spcFirstLastPara="0" vert="horz" wrap="square" lIns="7620" tIns="7620" rIns="7620" bIns="7620" numCol="1" spcCol="1270" anchor="ctr" anchorCtr="0">
-          <a:noAutofit/>
-        </a:bodyPr>
-        <a:lstStyle/>
-        <a:p>
-          <a:pPr lvl="0" algn="ctr" defTabSz="533400">
-            <a:lnSpc>
-              <a:spcPct val="90000"/>
-            </a:lnSpc>
-            <a:spcBef>
-              <a:spcPct val="0"/>
-            </a:spcBef>
-            <a:spcAft>
-              <a:spcPct val="35000"/>
-            </a:spcAft>
-          </a:pPr>
-          <a:r>
-            <a:rPr lang="zh-CN" altLang="en-US" sz="1200" kern="1200" dirty="0" smtClean="0"/>
-            <a:t>安全性</a:t>
-          </a:r>
-          <a:endParaRPr lang="zh-CN" altLang="en-US" sz="1200" kern="1200" dirty="0"/>
-        </a:p>
-      </dsp:txBody>
-      <dsp:txXfrm>
-        <a:off x="4780623" y="1699096"/>
-        <a:ext cx="797393" cy="398696"/>
-      </dsp:txXfrm>
-    </dsp:sp>
-    <dsp:sp modelId="{EB92E737-3D19-411A-AA48-503531952E4C}">
-      <dsp:nvSpPr>
-        <dsp:cNvPr id="0" name=""/>
-        <dsp:cNvSpPr/>
-      </dsp:nvSpPr>
-      <dsp:spPr>
-        <a:xfrm>
-          <a:off x="4780623" y="2265245"/>
-          <a:ext cx="797393" cy="398696"/>
-        </a:xfrm>
-        <a:prstGeom prst="rect">
-          <a:avLst/>
-        </a:prstGeom>
-        <a:solidFill>
-          <a:schemeClr val="accent3">
-            <a:hueOff val="0"/>
-            <a:satOff val="0"/>
-            <a:lumOff val="0"/>
-            <a:alphaOff val="0"/>
-          </a:schemeClr>
-        </a:solidFill>
-        <a:ln w="25400" cap="flat" cmpd="sng" algn="ctr">
-          <a:solidFill>
-            <a:schemeClr val="lt1">
-              <a:hueOff val="0"/>
-              <a:satOff val="0"/>
-              <a:lumOff val="0"/>
-              <a:alphaOff val="0"/>
-            </a:schemeClr>
-          </a:solidFill>
-          <a:prstDash val="solid"/>
-        </a:ln>
-        <a:effectLst/>
-      </dsp:spPr>
-      <dsp:style>
-        <a:lnRef idx="2">
-          <a:scrgbClr r="0" g="0" b="0"/>
-        </a:lnRef>
-        <a:fillRef idx="1">
-          <a:scrgbClr r="0" g="0" b="0"/>
-        </a:fillRef>
-        <a:effectRef idx="0">
-          <a:scrgbClr r="0" g="0" b="0"/>
-        </a:effectRef>
-        <a:fontRef idx="minor">
-          <a:schemeClr val="lt1"/>
-        </a:fontRef>
-      </dsp:style>
-      <dsp:txBody>
-        <a:bodyPr spcFirstLastPara="0" vert="horz" wrap="square" lIns="7620" tIns="7620" rIns="7620" bIns="7620" numCol="1" spcCol="1270" anchor="ctr" anchorCtr="0">
-          <a:noAutofit/>
-        </a:bodyPr>
-        <a:lstStyle/>
-        <a:p>
-          <a:pPr lvl="0" algn="ctr" defTabSz="533400">
-            <a:lnSpc>
-              <a:spcPct val="90000"/>
-            </a:lnSpc>
-            <a:spcBef>
-              <a:spcPct val="0"/>
-            </a:spcBef>
-            <a:spcAft>
-              <a:spcPct val="35000"/>
-            </a:spcAft>
-          </a:pPr>
-          <a:r>
-            <a:rPr lang="zh-CN" altLang="en-US" sz="1200" kern="1200" dirty="0" smtClean="0"/>
-            <a:t>可靠性</a:t>
-          </a:r>
-          <a:endParaRPr lang="en-US" altLang="zh-CN" sz="1200" kern="1200" dirty="0" smtClean="0"/>
-        </a:p>
-      </dsp:txBody>
-      <dsp:txXfrm>
-        <a:off x="4780623" y="2265245"/>
-        <a:ext cx="797393" cy="398696"/>
-      </dsp:txXfrm>
-    </dsp:sp>
-    <dsp:sp modelId="{B7AB30BD-9D6D-4F52-80D6-F0D6CD3666BE}">
-      <dsp:nvSpPr>
-        <dsp:cNvPr id="0" name=""/>
-        <dsp:cNvSpPr/>
-      </dsp:nvSpPr>
-      <dsp:spPr>
-        <a:xfrm>
-          <a:off x="4780623" y="2831394"/>
-          <a:ext cx="797393" cy="398696"/>
-        </a:xfrm>
-        <a:prstGeom prst="rect">
-          <a:avLst/>
-        </a:prstGeom>
-        <a:solidFill>
-          <a:schemeClr val="accent3">
-            <a:hueOff val="0"/>
-            <a:satOff val="0"/>
-            <a:lumOff val="0"/>
-            <a:alphaOff val="0"/>
-          </a:schemeClr>
-        </a:solidFill>
-        <a:ln w="25400" cap="flat" cmpd="sng" algn="ctr">
-          <a:solidFill>
-            <a:schemeClr val="lt1">
-              <a:hueOff val="0"/>
-              <a:satOff val="0"/>
-              <a:lumOff val="0"/>
-              <a:alphaOff val="0"/>
-            </a:schemeClr>
-          </a:solidFill>
-          <a:prstDash val="solid"/>
-        </a:ln>
-        <a:effectLst/>
-      </dsp:spPr>
-      <dsp:style>
-        <a:lnRef idx="2">
-          <a:scrgbClr r="0" g="0" b="0"/>
-        </a:lnRef>
-        <a:fillRef idx="1">
-          <a:scrgbClr r="0" g="0" b="0"/>
-        </a:fillRef>
-        <a:effectRef idx="0">
-          <a:scrgbClr r="0" g="0" b="0"/>
-        </a:effectRef>
-        <a:fontRef idx="minor">
-          <a:schemeClr val="lt1"/>
-        </a:fontRef>
-      </dsp:style>
-      <dsp:txBody>
-        <a:bodyPr spcFirstLastPara="0" vert="horz" wrap="square" lIns="7620" tIns="7620" rIns="7620" bIns="7620" numCol="1" spcCol="1270" anchor="ctr" anchorCtr="0">
-          <a:noAutofit/>
-        </a:bodyPr>
-        <a:lstStyle/>
-        <a:p>
-          <a:pPr lvl="0" algn="ctr" defTabSz="533400">
-            <a:lnSpc>
-              <a:spcPct val="90000"/>
-            </a:lnSpc>
-            <a:spcBef>
-              <a:spcPct val="0"/>
-            </a:spcBef>
-            <a:spcAft>
-              <a:spcPct val="35000"/>
-            </a:spcAft>
-          </a:pPr>
-          <a:r>
-            <a:rPr lang="zh-CN" altLang="en-US" sz="1200" kern="1200" dirty="0" smtClean="0"/>
-            <a:t>可用性</a:t>
-          </a:r>
-          <a:endParaRPr lang="en-US" altLang="zh-CN" sz="1200" kern="1200" dirty="0" smtClean="0"/>
-        </a:p>
-      </dsp:txBody>
-      <dsp:txXfrm>
-        <a:off x="4780623" y="2831394"/>
-        <a:ext cx="797393" cy="398696"/>
-      </dsp:txXfrm>
-    </dsp:sp>
-    <dsp:sp modelId="{E3E0D664-3721-41D0-AA7B-368F0AED255D}">
-      <dsp:nvSpPr>
-        <dsp:cNvPr id="0" name=""/>
-        <dsp:cNvSpPr/>
-      </dsp:nvSpPr>
-      <dsp:spPr>
-        <a:xfrm>
-          <a:off x="4780623" y="3397544"/>
-          <a:ext cx="797393" cy="398696"/>
-        </a:xfrm>
-        <a:prstGeom prst="rect">
-          <a:avLst/>
-        </a:prstGeom>
-        <a:solidFill>
-          <a:schemeClr val="accent3">
-            <a:hueOff val="0"/>
-            <a:satOff val="0"/>
-            <a:lumOff val="0"/>
-            <a:alphaOff val="0"/>
-          </a:schemeClr>
-        </a:solidFill>
-        <a:ln w="25400" cap="flat" cmpd="sng" algn="ctr">
-          <a:solidFill>
-            <a:schemeClr val="lt1">
-              <a:hueOff val="0"/>
-              <a:satOff val="0"/>
-              <a:lumOff val="0"/>
-              <a:alphaOff val="0"/>
-            </a:schemeClr>
-          </a:solidFill>
-          <a:prstDash val="solid"/>
-        </a:ln>
-        <a:effectLst/>
-      </dsp:spPr>
-      <dsp:style>
-        <a:lnRef idx="2">
-          <a:scrgbClr r="0" g="0" b="0"/>
-        </a:lnRef>
-        <a:fillRef idx="1">
-          <a:scrgbClr r="0" g="0" b="0"/>
-        </a:fillRef>
-        <a:effectRef idx="0">
-          <a:scrgbClr r="0" g="0" b="0"/>
-        </a:effectRef>
-        <a:fontRef idx="minor">
-          <a:schemeClr val="lt1"/>
-        </a:fontRef>
-      </dsp:style>
-      <dsp:txBody>
-        <a:bodyPr spcFirstLastPara="0" vert="horz" wrap="square" lIns="7620" tIns="7620" rIns="7620" bIns="7620" numCol="1" spcCol="1270" anchor="ctr" anchorCtr="0">
-          <a:noAutofit/>
-        </a:bodyPr>
-        <a:lstStyle/>
-        <a:p>
-          <a:pPr lvl="0" algn="ctr" defTabSz="533400">
-            <a:lnSpc>
-              <a:spcPct val="90000"/>
-            </a:lnSpc>
-            <a:spcBef>
-              <a:spcPct val="0"/>
-            </a:spcBef>
-            <a:spcAft>
-              <a:spcPct val="35000"/>
-            </a:spcAft>
-          </a:pPr>
-          <a:r>
-            <a:rPr lang="zh-CN" altLang="en-US" sz="1200" kern="1200" dirty="0" smtClean="0"/>
-            <a:t>性能设计</a:t>
-          </a:r>
-          <a:endParaRPr lang="en-US" altLang="zh-CN" sz="1200" kern="1200" dirty="0" smtClean="0"/>
-        </a:p>
-      </dsp:txBody>
-      <dsp:txXfrm>
-        <a:off x="4780623" y="3397544"/>
-        <a:ext cx="797393" cy="398696"/>
-      </dsp:txXfrm>
-    </dsp:sp>
-    <dsp:sp modelId="{DBBB5CA7-B152-4392-BF73-FB63728F2DEA}">
-      <dsp:nvSpPr>
-        <dsp:cNvPr id="0" name=""/>
-        <dsp:cNvSpPr/>
-      </dsp:nvSpPr>
-      <dsp:spPr>
-        <a:xfrm>
-          <a:off x="5546120" y="566798"/>
-          <a:ext cx="797393" cy="398696"/>
-        </a:xfrm>
-        <a:prstGeom prst="rect">
-          <a:avLst/>
-        </a:prstGeom>
-        <a:solidFill>
-          <a:schemeClr val="accent2">
-            <a:hueOff val="0"/>
-            <a:satOff val="0"/>
-            <a:lumOff val="0"/>
-            <a:alphaOff val="0"/>
-          </a:schemeClr>
-        </a:solidFill>
-        <a:ln w="25400" cap="flat" cmpd="sng" algn="ctr">
-          <a:solidFill>
-            <a:schemeClr val="lt1">
-              <a:hueOff val="0"/>
-              <a:satOff val="0"/>
-              <a:lumOff val="0"/>
-              <a:alphaOff val="0"/>
-            </a:schemeClr>
-          </a:solidFill>
-          <a:prstDash val="solid"/>
-        </a:ln>
-        <a:effectLst/>
-      </dsp:spPr>
-      <dsp:style>
-        <a:lnRef idx="2">
-          <a:scrgbClr r="0" g="0" b="0"/>
-        </a:lnRef>
-        <a:fillRef idx="1">
-          <a:scrgbClr r="0" g="0" b="0"/>
-        </a:fillRef>
-        <a:effectRef idx="0">
-          <a:scrgbClr r="0" g="0" b="0"/>
-        </a:effectRef>
-        <a:fontRef idx="minor">
-          <a:schemeClr val="lt1"/>
-        </a:fontRef>
-      </dsp:style>
-      <dsp:txBody>
-        <a:bodyPr spcFirstLastPara="0" vert="horz" wrap="square" lIns="7620" tIns="7620" rIns="7620" bIns="7620" numCol="1" spcCol="1270" anchor="ctr" anchorCtr="0">
-          <a:noAutofit/>
-        </a:bodyPr>
-        <a:lstStyle/>
-        <a:p>
-          <a:pPr lvl="0" algn="ctr" defTabSz="533400">
-            <a:lnSpc>
-              <a:spcPct val="90000"/>
-            </a:lnSpc>
-            <a:spcBef>
-              <a:spcPct val="0"/>
-            </a:spcBef>
-            <a:spcAft>
-              <a:spcPct val="35000"/>
-            </a:spcAft>
-          </a:pPr>
-          <a:r>
-            <a:rPr lang="zh-CN" altLang="en-US" sz="1200" kern="1200" dirty="0" smtClean="0"/>
-            <a:t>附件</a:t>
-          </a:r>
-          <a:endParaRPr lang="zh-CN" altLang="en-US" sz="1200" kern="1200" dirty="0"/>
-        </a:p>
-      </dsp:txBody>
-      <dsp:txXfrm>
-        <a:off x="5546120" y="566798"/>
-        <a:ext cx="797393" cy="398696"/>
-      </dsp:txXfrm>
-    </dsp:sp>
-    <dsp:sp modelId="{8825D4E1-56D7-4860-AA92-9A5228CF49FF}">
-      <dsp:nvSpPr>
-        <dsp:cNvPr id="0" name=""/>
-        <dsp:cNvSpPr/>
-      </dsp:nvSpPr>
-      <dsp:spPr>
-        <a:xfrm>
-          <a:off x="5745469" y="1132947"/>
-          <a:ext cx="797393" cy="398696"/>
-        </a:xfrm>
-        <a:prstGeom prst="rect">
-          <a:avLst/>
-        </a:prstGeom>
-        <a:solidFill>
-          <a:schemeClr val="accent3">
-            <a:hueOff val="0"/>
-            <a:satOff val="0"/>
-            <a:lumOff val="0"/>
-            <a:alphaOff val="0"/>
-          </a:schemeClr>
-        </a:solidFill>
-        <a:ln w="25400" cap="flat" cmpd="sng" algn="ctr">
-          <a:solidFill>
-            <a:schemeClr val="lt1">
-              <a:hueOff val="0"/>
-              <a:satOff val="0"/>
-              <a:lumOff val="0"/>
-              <a:alphaOff val="0"/>
-            </a:schemeClr>
-          </a:solidFill>
-          <a:prstDash val="solid"/>
-        </a:ln>
-        <a:effectLst/>
-      </dsp:spPr>
-      <dsp:style>
-        <a:lnRef idx="2">
-          <a:scrgbClr r="0" g="0" b="0"/>
-        </a:lnRef>
-        <a:fillRef idx="1">
-          <a:scrgbClr r="0" g="0" b="0"/>
-        </a:fillRef>
-        <a:effectRef idx="0">
-          <a:scrgbClr r="0" g="0" b="0"/>
-        </a:effectRef>
-        <a:fontRef idx="minor">
-          <a:schemeClr val="lt1"/>
-        </a:fontRef>
-      </dsp:style>
-      <dsp:txBody>
-        <a:bodyPr spcFirstLastPara="0" vert="horz" wrap="square" lIns="7620" tIns="7620" rIns="7620" bIns="7620" numCol="1" spcCol="1270" anchor="ctr" anchorCtr="0">
-          <a:noAutofit/>
-        </a:bodyPr>
-        <a:lstStyle/>
-        <a:p>
-          <a:pPr lvl="0" algn="ctr" defTabSz="533400">
-            <a:lnSpc>
-              <a:spcPct val="90000"/>
-            </a:lnSpc>
-            <a:spcBef>
-              <a:spcPct val="0"/>
-            </a:spcBef>
-            <a:spcAft>
-              <a:spcPct val="35000"/>
-            </a:spcAft>
-          </a:pPr>
-          <a:r>
-            <a:rPr lang="zh-CN" altLang="en-US" sz="1200" kern="1200" dirty="0" smtClean="0"/>
-            <a:t>附件</a:t>
-          </a:r>
-          <a:endParaRPr lang="zh-CN" altLang="en-US" sz="1200" kern="1200" dirty="0"/>
-        </a:p>
-      </dsp:txBody>
-      <dsp:txXfrm>
-        <a:off x="5745469" y="1132947"/>
-        <a:ext cx="797393" cy="398696"/>
-      </dsp:txXfrm>
-    </dsp:sp>
-    <dsp:sp modelId="{D7B3A42D-8C87-4409-8E4F-17F3E0253D53}">
-      <dsp:nvSpPr>
-        <dsp:cNvPr id="0" name=""/>
-        <dsp:cNvSpPr/>
-      </dsp:nvSpPr>
-      <dsp:spPr>
-        <a:xfrm>
-          <a:off x="5745469" y="1699096"/>
-          <a:ext cx="797393" cy="398696"/>
-        </a:xfrm>
-        <a:prstGeom prst="rect">
-          <a:avLst/>
-        </a:prstGeom>
-        <a:solidFill>
-          <a:schemeClr val="accent3">
-            <a:hueOff val="0"/>
-            <a:satOff val="0"/>
-            <a:lumOff val="0"/>
-            <a:alphaOff val="0"/>
-          </a:schemeClr>
-        </a:solidFill>
-        <a:ln w="25400" cap="flat" cmpd="sng" algn="ctr">
-          <a:solidFill>
-            <a:schemeClr val="lt1">
-              <a:hueOff val="0"/>
-              <a:satOff val="0"/>
-              <a:lumOff val="0"/>
-              <a:alphaOff val="0"/>
-            </a:schemeClr>
-          </a:solidFill>
-          <a:prstDash val="solid"/>
-        </a:ln>
-        <a:effectLst/>
-      </dsp:spPr>
-      <dsp:style>
-        <a:lnRef idx="2">
-          <a:scrgbClr r="0" g="0" b="0"/>
-        </a:lnRef>
-        <a:fillRef idx="1">
-          <a:scrgbClr r="0" g="0" b="0"/>
-        </a:fillRef>
-        <a:effectRef idx="0">
-          <a:scrgbClr r="0" g="0" b="0"/>
-        </a:effectRef>
-        <a:fontRef idx="minor">
-          <a:schemeClr val="lt1"/>
-        </a:fontRef>
-      </dsp:style>
-      <dsp:txBody>
-        <a:bodyPr spcFirstLastPara="0" vert="horz" wrap="square" lIns="7620" tIns="7620" rIns="7620" bIns="7620" numCol="1" spcCol="1270" anchor="ctr" anchorCtr="0">
-          <a:noAutofit/>
-        </a:bodyPr>
-        <a:lstStyle/>
-        <a:p>
-          <a:pPr lvl="0" algn="ctr" defTabSz="533400">
-            <a:lnSpc>
-              <a:spcPct val="90000"/>
-            </a:lnSpc>
-            <a:spcBef>
-              <a:spcPct val="0"/>
-            </a:spcBef>
-            <a:spcAft>
-              <a:spcPct val="35000"/>
-            </a:spcAft>
-          </a:pPr>
-          <a:r>
-            <a:rPr lang="zh-CN" altLang="en-US" sz="1200" kern="1200" dirty="0" smtClean="0"/>
-            <a:t>修改记录</a:t>
-          </a:r>
-          <a:endParaRPr lang="zh-CN" altLang="en-US" sz="1200" kern="1200" dirty="0"/>
-        </a:p>
-      </dsp:txBody>
-      <dsp:txXfrm>
-        <a:off x="5745469" y="1699096"/>
-        <a:ext cx="797393" cy="398696"/>
-      </dsp:txXfrm>
-    </dsp:sp>
   </dsp:spTree>
 </dsp:drawing>
 </file>
@@ -22639,7 +19196,7 @@
           <a:p>
             <a:fld id="{8B2801E3-CA6A-4A79-87E4-A028D49854B5}" type="datetimeFigureOut">
               <a:rPr lang="zh-CN" altLang="en-US" smtClean="0"/>
-              <a:t>2011/8/15</a:t>
+              <a:t>2011/8/16</a:t>
             </a:fld>
             <a:endParaRPr lang="zh-CN" altLang="en-US"/>
           </a:p>
@@ -22944,7 +19501,7 @@
             <a:fld id="{EA7830A1-99AF-4F86-B3BC-C25778A1BD81}" type="slidenum">
               <a:rPr lang="en-US" altLang="zh-CN"/>
               <a:pPr/>
-              <a:t>30</a:t>
+              <a:t>31</a:t>
             </a:fld>
             <a:endParaRPr lang="en-US" altLang="zh-CN"/>
           </a:p>
@@ -23031,7 +19588,7 @@
             <a:fld id="{60ECF49A-23E9-4B21-8C36-9EF2B3EC4201}" type="slidenum">
               <a:rPr lang="en-US" altLang="zh-CN"/>
               <a:pPr/>
-              <a:t>31</a:t>
+              <a:t>32</a:t>
             </a:fld>
             <a:endParaRPr lang="en-US" altLang="zh-CN"/>
           </a:p>
@@ -23115,7 +19672,7 @@
             <a:fld id="{5C541F2D-F469-4E61-89BD-5E66477C7AE3}" type="slidenum">
               <a:rPr lang="en-US" altLang="zh-CN"/>
               <a:pPr/>
-              <a:t>32</a:t>
+              <a:t>33</a:t>
             </a:fld>
             <a:endParaRPr lang="en-US" altLang="zh-CN"/>
           </a:p>
@@ -23371,7 +19928,7 @@
           <a:p>
             <a:fld id="{530820CF-B880-4189-942D-D702A7CBA730}" type="datetimeFigureOut">
               <a:rPr lang="zh-CN" altLang="en-US" smtClean="0"/>
-              <a:t>2011/8/15</a:t>
+              <a:t>2011/8/16</a:t>
             </a:fld>
             <a:endParaRPr lang="zh-CN" altLang="en-US"/>
           </a:p>
@@ -23604,7 +20161,7 @@
           <a:p>
             <a:fld id="{530820CF-B880-4189-942D-D702A7CBA730}" type="datetimeFigureOut">
               <a:rPr lang="zh-CN" altLang="en-US" smtClean="0"/>
-              <a:t>2011/8/15</a:t>
+              <a:t>2011/8/16</a:t>
             </a:fld>
             <a:endParaRPr lang="zh-CN" altLang="en-US"/>
           </a:p>
@@ -23842,7 +20399,7 @@
           <a:p>
             <a:fld id="{530820CF-B880-4189-942D-D702A7CBA730}" type="datetimeFigureOut">
               <a:rPr lang="zh-CN" altLang="en-US" smtClean="0"/>
-              <a:t>2011/8/15</a:t>
+              <a:t>2011/8/16</a:t>
             </a:fld>
             <a:endParaRPr lang="zh-CN" altLang="en-US"/>
           </a:p>
@@ -24177,7 +20734,7 @@
           <a:p>
             <a:fld id="{530820CF-B880-4189-942D-D702A7CBA730}" type="datetimeFigureOut">
               <a:rPr lang="zh-CN" altLang="en-US" smtClean="0"/>
-              <a:t>2011/8/15</a:t>
+              <a:t>2011/8/16</a:t>
             </a:fld>
             <a:endParaRPr lang="zh-CN" altLang="en-US"/>
           </a:p>
@@ -24430,7 +20987,7 @@
           <a:p>
             <a:fld id="{530820CF-B880-4189-942D-D702A7CBA730}" type="datetimeFigureOut">
               <a:rPr lang="zh-CN" altLang="en-US" smtClean="0"/>
-              <a:t>2011/8/15</a:t>
+              <a:t>2011/8/16</a:t>
             </a:fld>
             <a:endParaRPr lang="zh-CN" altLang="en-US"/>
           </a:p>
@@ -24795,7 +21352,7 @@
           <a:p>
             <a:fld id="{530820CF-B880-4189-942D-D702A7CBA730}" type="datetimeFigureOut">
               <a:rPr lang="zh-CN" altLang="en-US" smtClean="0"/>
-              <a:t>2011/8/15</a:t>
+              <a:t>2011/8/16</a:t>
             </a:fld>
             <a:endParaRPr lang="zh-CN" altLang="en-US"/>
           </a:p>
@@ -25338,7 +21895,7 @@
           <a:p>
             <a:fld id="{530820CF-B880-4189-942D-D702A7CBA730}" type="datetimeFigureOut">
               <a:rPr lang="zh-CN" altLang="en-US" smtClean="0"/>
-              <a:t>2011/8/15</a:t>
+              <a:t>2011/8/16</a:t>
             </a:fld>
             <a:endParaRPr lang="zh-CN" altLang="en-US"/>
           </a:p>
@@ -25463,7 +22020,7 @@
           <a:p>
             <a:fld id="{530820CF-B880-4189-942D-D702A7CBA730}" type="datetimeFigureOut">
               <a:rPr lang="zh-CN" altLang="en-US" smtClean="0"/>
-              <a:t>2011/8/15</a:t>
+              <a:t>2011/8/16</a:t>
             </a:fld>
             <a:endParaRPr lang="zh-CN" altLang="en-US"/>
           </a:p>
@@ -25565,7 +22122,7 @@
           <a:p>
             <a:fld id="{530820CF-B880-4189-942D-D702A7CBA730}" type="datetimeFigureOut">
               <a:rPr lang="zh-CN" altLang="en-US" smtClean="0"/>
-              <a:t>2011/8/15</a:t>
+              <a:t>2011/8/16</a:t>
             </a:fld>
             <a:endParaRPr lang="zh-CN" altLang="en-US"/>
           </a:p>
@@ -25898,7 +22455,7 @@
           <a:p>
             <a:fld id="{530820CF-B880-4189-942D-D702A7CBA730}" type="datetimeFigureOut">
               <a:rPr lang="zh-CN" altLang="en-US" smtClean="0"/>
-              <a:t>2011/8/15</a:t>
+              <a:t>2011/8/16</a:t>
             </a:fld>
             <a:endParaRPr lang="zh-CN" altLang="en-US"/>
           </a:p>
@@ -26169,7 +22726,7 @@
           <a:p>
             <a:fld id="{530820CF-B880-4189-942D-D702A7CBA730}" type="datetimeFigureOut">
               <a:rPr lang="zh-CN" altLang="en-US" smtClean="0"/>
-              <a:t>2011/8/15</a:t>
+              <a:t>2011/8/16</a:t>
             </a:fld>
             <a:endParaRPr lang="zh-CN" altLang="en-US"/>
           </a:p>
@@ -26606,7 +23163,7 @@
           <a:p>
             <a:fld id="{530820CF-B880-4189-942D-D702A7CBA730}" type="datetimeFigureOut">
               <a:rPr lang="zh-CN" altLang="en-US" smtClean="0"/>
-              <a:t>2011/8/15</a:t>
+              <a:t>2011/8/16</a:t>
             </a:fld>
             <a:endParaRPr lang="zh-CN" altLang="en-US"/>
           </a:p>
@@ -27221,11 +23778,7 @@
           <a:p>
             <a:r>
               <a:rPr lang="zh-CN" altLang="en-US" dirty="0" smtClean="0"/>
-              <a:t>选定的架</a:t>
-            </a:r>
-            <a:r>
-              <a:rPr lang="zh-CN" altLang="en-US" dirty="0" smtClean="0"/>
-              <a:t>构模式</a:t>
+              <a:t>选定的架构模式</a:t>
             </a:r>
             <a:endParaRPr lang="zh-CN" altLang="en-US" dirty="0"/>
           </a:p>
@@ -27845,11 +24398,7 @@
           <a:p>
             <a:r>
               <a:rPr lang="zh-CN" altLang="en-US" dirty="0" smtClean="0"/>
-              <a:t>域建模示</a:t>
-            </a:r>
-            <a:r>
-              <a:rPr lang="zh-CN" altLang="en-US" dirty="0" smtClean="0"/>
-              <a:t>例</a:t>
+              <a:t>域建模示例</a:t>
             </a:r>
             <a:endParaRPr lang="zh-CN" altLang="en-US" dirty="0"/>
           </a:p>
@@ -29314,6 +25863,489 @@
           <a:lstStyle/>
           <a:p>
             <a:r>
+              <a:rPr lang="zh-CN" altLang="en-US" dirty="0" smtClean="0"/>
+              <a:t>设计数据传输层</a:t>
+            </a:r>
+            <a:endParaRPr lang="zh-CN" altLang="en-US" dirty="0"/>
+          </a:p>
+        </p:txBody>
+      </p:sp>
+      <p:sp>
+        <p:nvSpPr>
+          <p:cNvPr id="3" name="内容占位符 2"/>
+          <p:cNvSpPr>
+            <a:spLocks noGrp="1"/>
+          </p:cNvSpPr>
+          <p:nvPr>
+            <p:ph idx="1"/>
+          </p:nvPr>
+        </p:nvSpPr>
+        <p:spPr/>
+        <p:txBody>
+          <a:bodyPr/>
+          <a:lstStyle/>
+          <a:p>
+            <a:r>
+              <a:rPr lang="zh-CN" altLang="en-US" dirty="0"/>
+              <a:t>模式</a:t>
+            </a:r>
+            <a:r>
+              <a:rPr lang="zh-CN" altLang="en-US" dirty="0" smtClean="0"/>
+              <a:t>：域模型、值对象</a:t>
+            </a:r>
+            <a:endParaRPr lang="en-US" altLang="zh-CN" dirty="0" smtClean="0"/>
+          </a:p>
+          <a:p>
+            <a:endParaRPr lang="zh-CN" altLang="en-US" dirty="0"/>
+          </a:p>
+        </p:txBody>
+      </p:sp>
+      <p:graphicFrame>
+        <p:nvGraphicFramePr>
+          <p:cNvPr id="4" name="表格 3"/>
+          <p:cNvGraphicFramePr>
+            <a:graphicFrameLocks noGrp="1"/>
+          </p:cNvGraphicFramePr>
+          <p:nvPr>
+            <p:extLst>
+              <p:ext uri="{D42A27DB-BD31-4B8C-83A1-F6EECF244321}">
+                <p14:modId xmlns:p14="http://schemas.microsoft.com/office/powerpoint/2010/main" val="246670265"/>
+              </p:ext>
+            </p:extLst>
+          </p:nvPr>
+        </p:nvGraphicFramePr>
+        <p:xfrm>
+          <a:off x="827584" y="2060848"/>
+          <a:ext cx="7560840" cy="4572000"/>
+        </p:xfrm>
+        <a:graphic>
+          <a:graphicData uri="http://schemas.openxmlformats.org/drawingml/2006/table">
+            <a:tbl>
+              <a:tblPr firstRow="1" bandRow="1">
+                <a:tableStyleId>{5C22544A-7EE6-4342-B048-85BDC9FD1C3A}</a:tableStyleId>
+              </a:tblPr>
+              <a:tblGrid>
+                <a:gridCol w="2520280"/>
+                <a:gridCol w="2520280"/>
+                <a:gridCol w="2520280"/>
+              </a:tblGrid>
+              <a:tr h="284925">
+                <a:tc>
+                  <a:txBody>
+                    <a:bodyPr/>
+                    <a:lstStyle/>
+                    <a:p>
+                      <a:endParaRPr lang="zh-CN" altLang="en-US" dirty="0"/>
+                    </a:p>
+                  </a:txBody>
+                  <a:tcPr/>
+                </a:tc>
+                <a:tc>
+                  <a:txBody>
+                    <a:bodyPr/>
+                    <a:lstStyle/>
+                    <a:p>
+                      <a:r>
+                        <a:rPr lang="zh-CN" altLang="en-US" dirty="0" smtClean="0"/>
+                        <a:t>域模型</a:t>
+                      </a:r>
+                      <a:endParaRPr lang="zh-CN" altLang="en-US" dirty="0"/>
+                    </a:p>
+                  </a:txBody>
+                  <a:tcPr/>
+                </a:tc>
+                <a:tc>
+                  <a:txBody>
+                    <a:bodyPr/>
+                    <a:lstStyle/>
+                    <a:p>
+                      <a:r>
+                        <a:rPr lang="zh-CN" altLang="en-US" dirty="0" smtClean="0"/>
+                        <a:t>值对象</a:t>
+                      </a:r>
+                      <a:endParaRPr lang="zh-CN" altLang="en-US" dirty="0"/>
+                    </a:p>
+                  </a:txBody>
+                  <a:tcPr/>
+                </a:tc>
+              </a:tr>
+              <a:tr h="284925">
+                <a:tc>
+                  <a:txBody>
+                    <a:bodyPr/>
+                    <a:lstStyle/>
+                    <a:p>
+                      <a:r>
+                        <a:rPr lang="zh-CN" altLang="en-US" dirty="0" smtClean="0"/>
+                        <a:t>关注点</a:t>
+                      </a:r>
+                      <a:endParaRPr lang="zh-CN" altLang="en-US" dirty="0"/>
+                    </a:p>
+                  </a:txBody>
+                  <a:tcPr/>
+                </a:tc>
+                <a:tc>
+                  <a:txBody>
+                    <a:bodyPr/>
+                    <a:lstStyle/>
+                    <a:p>
+                      <a:r>
+                        <a:rPr lang="zh-CN" altLang="en-US" dirty="0" smtClean="0"/>
+                        <a:t>模型之间的关系</a:t>
+                      </a:r>
+                      <a:endParaRPr lang="zh-CN" altLang="en-US" dirty="0"/>
+                    </a:p>
+                  </a:txBody>
+                  <a:tcPr/>
+                </a:tc>
+                <a:tc>
+                  <a:txBody>
+                    <a:bodyPr/>
+                    <a:lstStyle/>
+                    <a:p>
+                      <a:r>
+                        <a:rPr lang="zh-CN" altLang="en-US" dirty="0" smtClean="0"/>
+                        <a:t>值的承载</a:t>
+                      </a:r>
+                      <a:endParaRPr lang="zh-CN" altLang="en-US" dirty="0"/>
+                    </a:p>
+                  </a:txBody>
+                  <a:tcPr/>
+                </a:tc>
+              </a:tr>
+              <a:tr h="284925">
+                <a:tc>
+                  <a:txBody>
+                    <a:bodyPr/>
+                    <a:lstStyle/>
+                    <a:p>
+                      <a:r>
+                        <a:rPr lang="zh-CN" altLang="en-US" dirty="0" smtClean="0"/>
+                        <a:t>包含业务逻辑？</a:t>
+                      </a:r>
+                      <a:endParaRPr lang="zh-CN" altLang="en-US" dirty="0"/>
+                    </a:p>
+                  </a:txBody>
+                  <a:tcPr/>
+                </a:tc>
+                <a:tc>
+                  <a:txBody>
+                    <a:bodyPr/>
+                    <a:lstStyle/>
+                    <a:p>
+                      <a:r>
+                        <a:rPr lang="zh-CN" altLang="en-US" dirty="0" smtClean="0"/>
+                        <a:t>是（原教旨主义）</a:t>
+                      </a:r>
+                      <a:endParaRPr lang="zh-CN" altLang="en-US" dirty="0"/>
+                    </a:p>
+                  </a:txBody>
+                  <a:tcPr/>
+                </a:tc>
+                <a:tc>
+                  <a:txBody>
+                    <a:bodyPr/>
+                    <a:lstStyle/>
+                    <a:p>
+                      <a:r>
+                        <a:rPr lang="zh-CN" altLang="en-US" dirty="0" smtClean="0"/>
+                        <a:t>否</a:t>
+                      </a:r>
+                      <a:endParaRPr lang="zh-CN" altLang="en-US" dirty="0"/>
+                    </a:p>
+                  </a:txBody>
+                  <a:tcPr/>
+                </a:tc>
+              </a:tr>
+              <a:tr h="284925">
+                <a:tc>
+                  <a:txBody>
+                    <a:bodyPr/>
+                    <a:lstStyle/>
+                    <a:p>
+                      <a:r>
+                        <a:rPr lang="zh-CN" altLang="en-US" dirty="0" smtClean="0"/>
+                        <a:t>包含</a:t>
+                      </a:r>
+                      <a:r>
+                        <a:rPr lang="en-US" altLang="zh-CN" dirty="0" smtClean="0"/>
+                        <a:t>CRUD</a:t>
+                      </a:r>
+                      <a:endParaRPr lang="zh-CN" altLang="en-US" dirty="0"/>
+                    </a:p>
+                  </a:txBody>
+                  <a:tcPr/>
+                </a:tc>
+                <a:tc>
+                  <a:txBody>
+                    <a:bodyPr/>
+                    <a:lstStyle/>
+                    <a:p>
+                      <a:r>
+                        <a:rPr lang="zh-CN" altLang="en-US" dirty="0" smtClean="0"/>
+                        <a:t>可</a:t>
+                      </a:r>
+                      <a:endParaRPr lang="zh-CN" altLang="en-US" dirty="0"/>
+                    </a:p>
+                  </a:txBody>
+                  <a:tcPr/>
+                </a:tc>
+                <a:tc>
+                  <a:txBody>
+                    <a:bodyPr/>
+                    <a:lstStyle/>
+                    <a:p>
+                      <a:r>
+                        <a:rPr lang="zh-CN" altLang="en-US" dirty="0" smtClean="0"/>
+                        <a:t>否</a:t>
+                      </a:r>
+                      <a:endParaRPr lang="zh-CN" altLang="en-US" dirty="0"/>
+                    </a:p>
+                  </a:txBody>
+                  <a:tcPr/>
+                </a:tc>
+              </a:tr>
+              <a:tr h="2388690">
+                <a:tc>
+                  <a:txBody>
+                    <a:bodyPr/>
+                    <a:lstStyle/>
+                    <a:p>
+                      <a:r>
+                        <a:rPr lang="zh-CN" altLang="en-US" dirty="0" smtClean="0"/>
+                        <a:t>示例 </a:t>
+                      </a:r>
+                      <a:endParaRPr lang="zh-CN" altLang="en-US" dirty="0"/>
+                    </a:p>
+                  </a:txBody>
+                  <a:tcPr/>
+                </a:tc>
+                <a:tc>
+                  <a:txBody>
+                    <a:bodyPr/>
+                    <a:lstStyle/>
+                    <a:p>
+                      <a:r>
+                        <a:rPr lang="en-US" altLang="zh-CN" dirty="0" smtClean="0"/>
+                        <a:t>Public class Order{</a:t>
+                      </a:r>
+                    </a:p>
+                    <a:p>
+                      <a:r>
+                        <a:rPr lang="en-US" altLang="zh-CN" dirty="0" smtClean="0"/>
+                        <a:t>    public </a:t>
+                      </a:r>
+                      <a:r>
+                        <a:rPr lang="en-US" altLang="zh-CN" dirty="0" err="1" smtClean="0"/>
+                        <a:t>int</a:t>
+                      </a:r>
+                      <a:r>
+                        <a:rPr lang="en-US" altLang="zh-CN" baseline="0" dirty="0" smtClean="0"/>
+                        <a:t> </a:t>
+                      </a:r>
+                      <a:r>
+                        <a:rPr lang="en-US" altLang="zh-CN" baseline="0" dirty="0" err="1" smtClean="0"/>
+                        <a:t>OrderID</a:t>
+                      </a:r>
+                      <a:r>
+                        <a:rPr lang="en-US" altLang="zh-CN" baseline="0" dirty="0" smtClean="0"/>
+                        <a:t>{</a:t>
+                      </a:r>
+                      <a:r>
+                        <a:rPr lang="en-US" altLang="zh-CN" baseline="0" dirty="0" err="1" smtClean="0"/>
+                        <a:t>get;set</a:t>
+                      </a:r>
+                      <a:r>
+                        <a:rPr lang="en-US" altLang="zh-CN" baseline="0" dirty="0" smtClean="0"/>
+                        <a:t>;}</a:t>
+                      </a:r>
+                    </a:p>
+                    <a:p>
+                      <a:r>
+                        <a:rPr lang="en-US" altLang="zh-CN" baseline="0" dirty="0" smtClean="0"/>
+                        <a:t>  public </a:t>
+                      </a:r>
+                      <a:r>
+                        <a:rPr lang="en-US" altLang="zh-CN" baseline="0" dirty="0" err="1" smtClean="0"/>
+                        <a:t>IList</a:t>
+                      </a:r>
+                      <a:r>
+                        <a:rPr lang="en-US" altLang="zh-CN" baseline="0" dirty="0" smtClean="0"/>
+                        <a:t>&lt;</a:t>
+                      </a:r>
+                      <a:r>
+                        <a:rPr lang="en-US" altLang="zh-CN" baseline="0" dirty="0" err="1" smtClean="0"/>
+                        <a:t>OrderDetails</a:t>
+                      </a:r>
+                      <a:r>
+                        <a:rPr lang="en-US" altLang="zh-CN" baseline="0" dirty="0" smtClean="0"/>
+                        <a:t>&gt; Details; </a:t>
+                      </a:r>
+                    </a:p>
+                    <a:p>
+                      <a:r>
+                        <a:rPr lang="en-US" altLang="zh-CN" baseline="0" dirty="0" smtClean="0"/>
+                        <a:t> ….</a:t>
+                      </a:r>
+                    </a:p>
+                    <a:p>
+                      <a:r>
+                        <a:rPr lang="en-US" altLang="zh-CN" baseline="0" dirty="0" smtClean="0"/>
+                        <a:t>  public void Buy(…)</a:t>
+                      </a:r>
+                    </a:p>
+                    <a:p>
+                      <a:r>
+                        <a:rPr lang="en-US" altLang="zh-CN" dirty="0" smtClean="0"/>
+                        <a:t>  {</a:t>
+                      </a:r>
+                    </a:p>
+                    <a:p>
+                      <a:r>
+                        <a:rPr lang="en-US" altLang="zh-CN" dirty="0" smtClean="0"/>
+                        <a:t>  }</a:t>
+                      </a:r>
+                    </a:p>
+                    <a:p>
+                      <a:r>
+                        <a:rPr lang="en-US" altLang="zh-CN" dirty="0" smtClean="0"/>
+                        <a:t>}</a:t>
+                      </a:r>
+                      <a:endParaRPr lang="zh-CN" altLang="en-US" dirty="0"/>
+                    </a:p>
+                  </a:txBody>
+                  <a:tcPr/>
+                </a:tc>
+                <a:tc>
+                  <a:txBody>
+                    <a:bodyPr/>
+                    <a:lstStyle/>
+                    <a:p>
+                      <a:r>
+                        <a:rPr lang="en-US" altLang="zh-CN" dirty="0" smtClean="0"/>
+                        <a:t>Public class Order{</a:t>
+                      </a:r>
+                    </a:p>
+                    <a:p>
+                      <a:r>
+                        <a:rPr lang="en-US" altLang="zh-CN" dirty="0" smtClean="0"/>
+                        <a:t>   public </a:t>
+                      </a:r>
+                      <a:r>
+                        <a:rPr lang="en-US" altLang="zh-CN" dirty="0" err="1" smtClean="0"/>
+                        <a:t>int</a:t>
+                      </a:r>
+                      <a:r>
+                        <a:rPr lang="en-US" altLang="zh-CN" dirty="0" smtClean="0"/>
+                        <a:t> </a:t>
+                      </a:r>
+                      <a:r>
+                        <a:rPr lang="en-US" altLang="zh-CN" dirty="0" err="1" smtClean="0"/>
+                        <a:t>OrderID</a:t>
+                      </a:r>
+                      <a:r>
+                        <a:rPr lang="en-US" altLang="zh-CN" dirty="0" smtClean="0"/>
+                        <a:t>{</a:t>
+                      </a:r>
+                      <a:r>
+                        <a:rPr lang="en-US" altLang="zh-CN" dirty="0" err="1" smtClean="0"/>
+                        <a:t>get;set</a:t>
+                      </a:r>
+                      <a:r>
+                        <a:rPr lang="en-US" altLang="zh-CN" dirty="0" smtClean="0"/>
+                        <a:t>;}</a:t>
+                      </a:r>
+                    </a:p>
+                    <a:p>
+                      <a:r>
+                        <a:rPr lang="en-US" altLang="zh-CN" dirty="0" smtClean="0"/>
+                        <a:t>  public Lazy&lt;</a:t>
+                      </a:r>
+                      <a:r>
+                        <a:rPr lang="en-US" altLang="zh-CN" dirty="0" err="1" smtClean="0"/>
+                        <a:t>Ilist</a:t>
+                      </a:r>
+                      <a:r>
+                        <a:rPr lang="en-US" altLang="zh-CN" dirty="0" smtClean="0"/>
+                        <a:t>&lt;</a:t>
+                      </a:r>
+                      <a:r>
+                        <a:rPr lang="en-US" altLang="zh-CN" dirty="0" err="1" smtClean="0"/>
+                        <a:t>OrderDetails</a:t>
+                      </a:r>
+                      <a:r>
+                        <a:rPr lang="en-US" altLang="zh-CN" dirty="0" smtClean="0"/>
+                        <a:t>&gt; &gt;Details</a:t>
+                      </a:r>
+                    </a:p>
+                    <a:p>
+                      <a:r>
+                        <a:rPr lang="en-US" altLang="zh-CN" dirty="0" smtClean="0"/>
+                        <a:t>}</a:t>
+                      </a:r>
+                      <a:endParaRPr lang="zh-CN" altLang="en-US" dirty="0"/>
+                    </a:p>
+                  </a:txBody>
+                  <a:tcPr/>
+                </a:tc>
+              </a:tr>
+            </a:tbl>
+          </a:graphicData>
+        </a:graphic>
+      </p:graphicFrame>
+    </p:spTree>
+    <p:extLst>
+      <p:ext uri="{BB962C8B-B14F-4D97-AF65-F5344CB8AC3E}">
+        <p14:creationId xmlns:p14="http://schemas.microsoft.com/office/powerpoint/2010/main" val="226002289"/>
+      </p:ext>
+    </p:extLst>
+  </p:cSld>
+  <p:clrMapOvr>
+    <a:masterClrMapping/>
+  </p:clrMapOvr>
+  <p:timing>
+    <p:tnLst>
+      <p:par>
+        <p:cTn id="1" dur="indefinite" restart="never" nodeType="tmRoot"/>
+      </p:par>
+    </p:tnLst>
+  </p:timing>
+</p:sld>
+</file>
+
+<file path=ppt/slides/slide17.xml><?xml version="1.0" encoding="utf-8"?>
+<p:sld xmlns:a="http://schemas.openxmlformats.org/drawingml/2006/main" xmlns:r="http://schemas.openxmlformats.org/officeDocument/2006/relationships" xmlns:p="http://schemas.openxmlformats.org/presentationml/2006/main">
+  <p:cSld>
+    <p:spTree>
+      <p:nvGrpSpPr>
+        <p:cNvPr id="1" name=""/>
+        <p:cNvGrpSpPr/>
+        <p:nvPr/>
+      </p:nvGrpSpPr>
+      <p:grpSpPr>
+        <a:xfrm>
+          <a:off x="0" y="0"/>
+          <a:ext cx="0" cy="0"/>
+          <a:chOff x="0" y="0"/>
+          <a:chExt cx="0" cy="0"/>
+        </a:xfrm>
+      </p:grpSpPr>
+      <p:sp>
+        <p:nvSpPr>
+          <p:cNvPr id="2" name="标题 1"/>
+          <p:cNvSpPr>
+            <a:spLocks noGrp="1"/>
+          </p:cNvSpPr>
+          <p:nvPr>
+            <p:ph type="title"/>
+          </p:nvPr>
+        </p:nvSpPr>
+        <p:spPr/>
+        <p:txBody>
+          <a:bodyPr/>
+          <a:lstStyle/>
+          <a:p>
+            <a:r>
               <a:rPr lang="en-US" altLang="zh-CN" dirty="0" smtClean="0"/>
               <a:t>Façade</a:t>
             </a:r>
@@ -29532,7 +26564,7 @@
 </p:sld>
 </file>
 
-<file path=ppt/slides/slide17.xml><?xml version="1.0" encoding="utf-8"?>
+<file path=ppt/slides/slide18.xml><?xml version="1.0" encoding="utf-8"?>
 <p:sld xmlns:a="http://schemas.openxmlformats.org/drawingml/2006/main" xmlns:r="http://schemas.openxmlformats.org/officeDocument/2006/relationships" xmlns:p="http://schemas.openxmlformats.org/presentationml/2006/main">
   <p:cSld>
     <p:spTree>
@@ -29718,219 +26750,6 @@
 </p:sld>
 </file>
 
-<file path=ppt/slides/slide18.xml><?xml version="1.0" encoding="utf-8"?>
-<p:sld xmlns:a="http://schemas.openxmlformats.org/drawingml/2006/main" xmlns:r="http://schemas.openxmlformats.org/officeDocument/2006/relationships" xmlns:p="http://schemas.openxmlformats.org/presentationml/2006/main">
-  <p:cSld>
-    <p:spTree>
-      <p:nvGrpSpPr>
-        <p:cNvPr id="1" name=""/>
-        <p:cNvGrpSpPr/>
-        <p:nvPr/>
-      </p:nvGrpSpPr>
-      <p:grpSpPr>
-        <a:xfrm>
-          <a:off x="0" y="0"/>
-          <a:ext cx="0" cy="0"/>
-          <a:chOff x="0" y="0"/>
-          <a:chExt cx="0" cy="0"/>
-        </a:xfrm>
-      </p:grpSpPr>
-      <p:sp>
-        <p:nvSpPr>
-          <p:cNvPr id="2" name="标题 1"/>
-          <p:cNvSpPr>
-            <a:spLocks noGrp="1"/>
-          </p:cNvSpPr>
-          <p:nvPr>
-            <p:ph type="title"/>
-          </p:nvPr>
-        </p:nvSpPr>
-        <p:spPr/>
-        <p:txBody>
-          <a:bodyPr/>
-          <a:lstStyle/>
-          <a:p>
-            <a:r>
-              <a:rPr lang="zh-CN" altLang="en-US" dirty="0" smtClean="0"/>
-              <a:t>业务逻辑层</a:t>
-            </a:r>
-            <a:endParaRPr lang="zh-CN" altLang="en-US" dirty="0"/>
-          </a:p>
-        </p:txBody>
-      </p:sp>
-      <p:sp>
-        <p:nvSpPr>
-          <p:cNvPr id="3" name="内容占位符 2"/>
-          <p:cNvSpPr>
-            <a:spLocks noGrp="1"/>
-          </p:cNvSpPr>
-          <p:nvPr>
-            <p:ph idx="1"/>
-          </p:nvPr>
-        </p:nvSpPr>
-        <p:spPr/>
-        <p:txBody>
-          <a:bodyPr>
-            <a:normAutofit fontScale="77500" lnSpcReduction="20000"/>
-          </a:bodyPr>
-          <a:lstStyle/>
-          <a:p>
-            <a:r>
-              <a:rPr lang="zh-CN" altLang="en-US" dirty="0" smtClean="0"/>
-              <a:t>业务逻辑层目的：</a:t>
-            </a:r>
-            <a:r>
-              <a:rPr lang="zh-CN" altLang="en-US" dirty="0" smtClean="0">
-                <a:solidFill>
-                  <a:srgbClr val="C00000"/>
-                </a:solidFill>
-              </a:rPr>
-              <a:t>实现</a:t>
-            </a:r>
-            <a:r>
-              <a:rPr lang="zh-CN" altLang="en-US" dirty="0" smtClean="0"/>
-              <a:t>系统的</a:t>
-            </a:r>
-            <a:r>
-              <a:rPr lang="zh-CN" altLang="en-US" dirty="0" smtClean="0">
-                <a:solidFill>
-                  <a:srgbClr val="C00000"/>
-                </a:solidFill>
-              </a:rPr>
-              <a:t>业务规则</a:t>
-            </a:r>
-            <a:r>
-              <a:rPr lang="zh-CN" altLang="en-US" dirty="0" smtClean="0"/>
-              <a:t>，提供可重用的业务逻辑服务</a:t>
-            </a:r>
-            <a:endParaRPr lang="en-US" altLang="zh-CN" dirty="0" smtClean="0"/>
-          </a:p>
-          <a:p>
-            <a:r>
-              <a:rPr lang="zh-CN" altLang="en-US" dirty="0" smtClean="0"/>
-              <a:t>方法：根据</a:t>
-            </a:r>
-            <a:r>
-              <a:rPr lang="en-US" altLang="zh-CN" dirty="0" smtClean="0"/>
-              <a:t>Façade</a:t>
-            </a:r>
-            <a:r>
-              <a:rPr lang="zh-CN" altLang="en-US" dirty="0" smtClean="0"/>
-              <a:t>和域建模酌情抽象</a:t>
-            </a:r>
-            <a:endParaRPr lang="en-US" altLang="zh-CN" dirty="0" smtClean="0"/>
-          </a:p>
-          <a:p>
-            <a:r>
-              <a:rPr lang="zh-CN" altLang="en-US" dirty="0" smtClean="0"/>
-              <a:t>原</a:t>
-            </a:r>
-            <a:r>
-              <a:rPr lang="zh-CN" altLang="en-US" dirty="0"/>
-              <a:t>则</a:t>
-            </a:r>
-            <a:endParaRPr lang="en-US" altLang="zh-CN" dirty="0"/>
-          </a:p>
-          <a:p>
-            <a:pPr lvl="1"/>
-            <a:r>
-              <a:rPr lang="zh-CN" altLang="en-US" dirty="0">
-                <a:solidFill>
-                  <a:srgbClr val="C00000"/>
-                </a:solidFill>
-              </a:rPr>
-              <a:t>单一职责</a:t>
-            </a:r>
-            <a:r>
-              <a:rPr lang="en-US" altLang="zh-CN" dirty="0"/>
-              <a:t>(SRP)</a:t>
-            </a:r>
-          </a:p>
-          <a:p>
-            <a:pPr lvl="1"/>
-            <a:r>
-              <a:rPr lang="zh-CN" altLang="en-US" dirty="0">
-                <a:solidFill>
-                  <a:srgbClr val="C00000"/>
-                </a:solidFill>
-              </a:rPr>
-              <a:t>开闭原则</a:t>
-            </a:r>
-            <a:r>
-              <a:rPr lang="en-US" altLang="zh-CN" dirty="0"/>
-              <a:t>(OCP)</a:t>
-            </a:r>
-          </a:p>
-          <a:p>
-            <a:pPr lvl="1"/>
-            <a:r>
-              <a:rPr lang="zh-CN" altLang="en-US" dirty="0">
-                <a:solidFill>
-                  <a:srgbClr val="C00000"/>
-                </a:solidFill>
-              </a:rPr>
-              <a:t>替换原则</a:t>
-            </a:r>
-            <a:r>
-              <a:rPr lang="en-US" altLang="zh-CN" dirty="0"/>
-              <a:t>(LSP)</a:t>
-            </a:r>
-          </a:p>
-          <a:p>
-            <a:pPr lvl="1"/>
-            <a:r>
-              <a:rPr lang="zh-CN" altLang="en-US" dirty="0"/>
-              <a:t>依赖倒置原则</a:t>
-            </a:r>
-            <a:r>
-              <a:rPr lang="en-US" altLang="zh-CN" dirty="0"/>
-              <a:t>(DIP)</a:t>
-            </a:r>
-          </a:p>
-          <a:p>
-            <a:pPr lvl="1"/>
-            <a:r>
-              <a:rPr lang="zh-CN" altLang="en-US" dirty="0">
-                <a:solidFill>
-                  <a:schemeClr val="accent6"/>
-                </a:solidFill>
-              </a:rPr>
-              <a:t>面向接口原则</a:t>
-            </a:r>
-            <a:r>
-              <a:rPr lang="en-US" altLang="zh-CN" dirty="0"/>
-              <a:t>(ISP)</a:t>
-            </a:r>
-            <a:endParaRPr lang="zh-CN" altLang="en-US" dirty="0"/>
-          </a:p>
-          <a:p>
-            <a:endParaRPr lang="en-US" altLang="zh-CN" dirty="0" smtClean="0"/>
-          </a:p>
-          <a:p>
-            <a:endParaRPr lang="zh-CN" altLang="en-US" dirty="0"/>
-          </a:p>
-        </p:txBody>
-      </p:sp>
-    </p:spTree>
-    <p:extLst>
-      <p:ext uri="{BB962C8B-B14F-4D97-AF65-F5344CB8AC3E}">
-        <p14:creationId xmlns:p14="http://schemas.microsoft.com/office/powerpoint/2010/main" val="613418678"/>
-      </p:ext>
-    </p:extLst>
-  </p:cSld>
-  <p:clrMapOvr>
-    <a:masterClrMapping/>
-  </p:clrMapOvr>
-  <p:timing>
-    <p:tnLst>
-      <p:par>
-        <p:cTn id="1" dur="indefinite" restart="never" nodeType="tmRoot"/>
-      </p:par>
-    </p:tnLst>
-  </p:timing>
-</p:sld>
-</file>
-
 <file path=ppt/slides/slide19.xml><?xml version="1.0" encoding="utf-8"?>
 <p:sld xmlns:a="http://schemas.openxmlformats.org/drawingml/2006/main" xmlns:r="http://schemas.openxmlformats.org/officeDocument/2006/relationships" xmlns:p="http://schemas.openxmlformats.org/presentationml/2006/main">
   <p:cSld>
@@ -29965,80 +26784,189 @@
           <a:p>
             <a:r>
               <a:rPr lang="zh-CN" altLang="en-US" dirty="0" smtClean="0"/>
-              <a:t>业务逻辑类设计示例</a:t>
+              <a:t>业务逻辑层</a:t>
             </a:r>
             <a:endParaRPr lang="zh-CN" altLang="en-US" dirty="0"/>
           </a:p>
         </p:txBody>
       </p:sp>
-      <p:pic>
-        <p:nvPicPr>
-          <p:cNvPr id="6146" name="Picture 2"/>
-          <p:cNvPicPr>
-            <a:picLocks noChangeAspect="1" noChangeArrowheads="1"/>
-          </p:cNvPicPr>
-          <p:nvPr/>
-        </p:nvPicPr>
-        <p:blipFill>
-          <a:blip r:embed="rId2">
-            <a:extLst>
-              <a:ext uri="{28A0092B-C50C-407E-A947-70E740481C1C}">
-                <a14:useLocalDpi xmlns:a14="http://schemas.microsoft.com/office/drawing/2010/main" val="0"/>
-              </a:ext>
-            </a:extLst>
-          </a:blip>
-          <a:srcRect/>
-          <a:stretch>
-            <a:fillRect/>
-          </a:stretch>
-        </p:blipFill>
-        <p:spPr bwMode="auto">
-          <a:xfrm>
-            <a:off x="781050" y="1703388"/>
-            <a:ext cx="7581900" cy="3457575"/>
-          </a:xfrm>
-          <a:prstGeom prst="rect">
-            <a:avLst/>
-          </a:prstGeom>
-          <a:noFill/>
-          <a:ln>
-            <a:noFill/>
-          </a:ln>
-          <a:effectLst/>
-          <a:extLst>
-            <a:ext uri="{909E8E84-426E-40DD-AFC4-6F175D3DCCD1}">
-              <a14:hiddenFill xmlns:a14="http://schemas.microsoft.com/office/drawing/2010/main">
+      <p:sp>
+        <p:nvSpPr>
+          <p:cNvPr id="3" name="内容占位符 2"/>
+          <p:cNvSpPr>
+            <a:spLocks noGrp="1"/>
+          </p:cNvSpPr>
+          <p:nvPr>
+            <p:ph idx="1"/>
+          </p:nvPr>
+        </p:nvSpPr>
+        <p:spPr/>
+        <p:txBody>
+          <a:bodyPr>
+            <a:normAutofit fontScale="70000" lnSpcReduction="20000"/>
+          </a:bodyPr>
+          <a:lstStyle/>
+          <a:p>
+            <a:r>
+              <a:rPr lang="zh-CN" altLang="en-US" dirty="0" smtClean="0"/>
+              <a:t>业务逻辑层目的：</a:t>
+            </a:r>
+            <a:r>
+              <a:rPr lang="zh-CN" altLang="en-US" dirty="0" smtClean="0">
                 <a:solidFill>
-                  <a:schemeClr val="accent1"/>
+                  <a:srgbClr val="C00000"/>
                 </a:solidFill>
-              </a14:hiddenFill>
-            </a:ext>
-            <a:ext uri="{91240B29-F687-4F45-9708-019B960494DF}">
-              <a14:hiddenLine xmlns:a14="http://schemas.microsoft.com/office/drawing/2010/main" w="9525">
+              </a:rPr>
+              <a:t>实现</a:t>
+            </a:r>
+            <a:r>
+              <a:rPr lang="zh-CN" altLang="en-US" dirty="0" smtClean="0"/>
+              <a:t>系统的</a:t>
+            </a:r>
+            <a:r>
+              <a:rPr lang="zh-CN" altLang="en-US" dirty="0" smtClean="0">
                 <a:solidFill>
-                  <a:schemeClr val="tx1"/>
+                  <a:srgbClr val="C00000"/>
                 </a:solidFill>
-                <a:miter lim="800000"/>
-                <a:headEnd/>
-                <a:tailEnd/>
-              </a14:hiddenLine>
-            </a:ext>
-            <a:ext uri="{AF507438-7753-43E0-B8FC-AC1667EBCBE1}">
-              <a14:hiddenEffects xmlns:a14="http://schemas.microsoft.com/office/drawing/2010/main">
-                <a:effectLst>
-                  <a:outerShdw dist="35921" dir="2700000" algn="ctr" rotWithShape="0">
-                    <a:schemeClr val="bg2"/>
-                  </a:outerShdw>
-                </a:effectLst>
-              </a14:hiddenEffects>
-            </a:ext>
-          </a:extLst>
-        </p:spPr>
-      </p:pic>
+              </a:rPr>
+              <a:t>业务规则</a:t>
+            </a:r>
+            <a:r>
+              <a:rPr lang="zh-CN" altLang="en-US" dirty="0" smtClean="0"/>
+              <a:t>，提供可重用的业务逻辑服务</a:t>
+            </a:r>
+            <a:endParaRPr lang="en-US" altLang="zh-CN" dirty="0" smtClean="0"/>
+          </a:p>
+          <a:p>
+            <a:r>
+              <a:rPr lang="zh-CN" altLang="en-US" dirty="0" smtClean="0"/>
+              <a:t>方法</a:t>
+            </a:r>
+            <a:r>
+              <a:rPr lang="zh-CN" altLang="en-US" dirty="0" smtClean="0"/>
+              <a:t>：</a:t>
+            </a:r>
+            <a:endParaRPr lang="en-US" altLang="zh-CN" dirty="0" smtClean="0"/>
+          </a:p>
+          <a:p>
+            <a:pPr lvl="1"/>
+            <a:r>
+              <a:rPr lang="zh-CN" altLang="en-US" dirty="0" smtClean="0"/>
+              <a:t>根</a:t>
+            </a:r>
+            <a:r>
+              <a:rPr lang="zh-CN" altLang="en-US" dirty="0" smtClean="0"/>
+              <a:t>据</a:t>
+            </a:r>
+            <a:r>
+              <a:rPr lang="en-US" altLang="zh-CN" dirty="0" smtClean="0"/>
+              <a:t>Façade</a:t>
+            </a:r>
+            <a:r>
+              <a:rPr lang="zh-CN" altLang="en-US" dirty="0" smtClean="0"/>
+              <a:t>和域建模酌情抽</a:t>
+            </a:r>
+            <a:r>
+              <a:rPr lang="zh-CN" altLang="en-US" dirty="0" smtClean="0"/>
+              <a:t>象</a:t>
+            </a:r>
+            <a:endParaRPr lang="en-US" altLang="zh-CN" dirty="0" smtClean="0"/>
+          </a:p>
+          <a:p>
+            <a:r>
+              <a:rPr lang="zh-CN" altLang="en-US" smtClean="0"/>
+              <a:t>原</a:t>
+            </a:r>
+            <a:r>
+              <a:rPr lang="zh-CN" altLang="en-US" dirty="0"/>
+              <a:t>则</a:t>
+            </a:r>
+            <a:endParaRPr lang="en-US" altLang="zh-CN" dirty="0"/>
+          </a:p>
+          <a:p>
+            <a:pPr lvl="1"/>
+            <a:r>
+              <a:rPr lang="zh-CN" altLang="en-US" dirty="0">
+                <a:solidFill>
+                  <a:srgbClr val="C00000"/>
+                </a:solidFill>
+              </a:rPr>
+              <a:t>单一职责</a:t>
+            </a:r>
+            <a:r>
+              <a:rPr lang="en-US" altLang="zh-CN" dirty="0"/>
+              <a:t>(SRP)</a:t>
+            </a:r>
+          </a:p>
+          <a:p>
+            <a:pPr lvl="1"/>
+            <a:r>
+              <a:rPr lang="zh-CN" altLang="en-US" dirty="0">
+                <a:solidFill>
+                  <a:srgbClr val="C00000"/>
+                </a:solidFill>
+              </a:rPr>
+              <a:t>开闭原则</a:t>
+            </a:r>
+            <a:r>
+              <a:rPr lang="en-US" altLang="zh-CN" dirty="0"/>
+              <a:t>(OCP)</a:t>
+            </a:r>
+          </a:p>
+          <a:p>
+            <a:pPr lvl="1"/>
+            <a:r>
+              <a:rPr lang="zh-CN" altLang="en-US" dirty="0">
+                <a:solidFill>
+                  <a:srgbClr val="C00000"/>
+                </a:solidFill>
+              </a:rPr>
+              <a:t>替换原则</a:t>
+            </a:r>
+            <a:r>
+              <a:rPr lang="en-US" altLang="zh-CN" dirty="0"/>
+              <a:t>(LSP)</a:t>
+            </a:r>
+          </a:p>
+          <a:p>
+            <a:pPr lvl="1"/>
+            <a:r>
+              <a:rPr lang="zh-CN" altLang="en-US" dirty="0"/>
+              <a:t>依赖倒置原则</a:t>
+            </a:r>
+            <a:r>
+              <a:rPr lang="en-US" altLang="zh-CN" dirty="0"/>
+              <a:t>(DIP)</a:t>
+            </a:r>
+          </a:p>
+          <a:p>
+            <a:pPr lvl="1"/>
+            <a:r>
+              <a:rPr lang="zh-CN" altLang="en-US" dirty="0">
+                <a:solidFill>
+                  <a:schemeClr val="accent6"/>
+                </a:solidFill>
+              </a:rPr>
+              <a:t>面向接口原则</a:t>
+            </a:r>
+            <a:r>
+              <a:rPr lang="en-US" altLang="zh-CN" dirty="0"/>
+              <a:t>(ISP)</a:t>
+            </a:r>
+            <a:endParaRPr lang="zh-CN" altLang="en-US" dirty="0"/>
+          </a:p>
+          <a:p>
+            <a:endParaRPr lang="en-US" altLang="zh-CN" dirty="0" smtClean="0"/>
+          </a:p>
+          <a:p>
+            <a:endParaRPr lang="zh-CN" altLang="en-US" dirty="0"/>
+          </a:p>
+        </p:txBody>
+      </p:sp>
     </p:spTree>
     <p:extLst>
       <p:ext uri="{BB962C8B-B14F-4D97-AF65-F5344CB8AC3E}">
-        <p14:creationId xmlns:p14="http://schemas.microsoft.com/office/powerpoint/2010/main" val="3469555888"/>
+        <p14:creationId xmlns:p14="http://schemas.microsoft.com/office/powerpoint/2010/main" val="613418678"/>
       </p:ext>
     </p:extLst>
   </p:cSld>
@@ -30412,6 +27340,130 @@
           <a:lstStyle/>
           <a:p>
             <a:r>
+              <a:rPr lang="zh-CN" altLang="en-US" dirty="0" smtClean="0"/>
+              <a:t>业务逻辑类设计示例</a:t>
+            </a:r>
+            <a:endParaRPr lang="zh-CN" altLang="en-US" dirty="0"/>
+          </a:p>
+        </p:txBody>
+      </p:sp>
+      <p:pic>
+        <p:nvPicPr>
+          <p:cNvPr id="6146" name="Picture 2"/>
+          <p:cNvPicPr>
+            <a:picLocks noChangeAspect="1" noChangeArrowheads="1"/>
+          </p:cNvPicPr>
+          <p:nvPr/>
+        </p:nvPicPr>
+        <p:blipFill>
+          <a:blip r:embed="rId2">
+            <a:extLst>
+              <a:ext uri="{28A0092B-C50C-407E-A947-70E740481C1C}">
+                <a14:useLocalDpi xmlns:a14="http://schemas.microsoft.com/office/drawing/2010/main" val="0"/>
+              </a:ext>
+            </a:extLst>
+          </a:blip>
+          <a:srcRect/>
+          <a:stretch>
+            <a:fillRect/>
+          </a:stretch>
+        </p:blipFill>
+        <p:spPr bwMode="auto">
+          <a:xfrm>
+            <a:off x="781050" y="1703388"/>
+            <a:ext cx="7581900" cy="3457575"/>
+          </a:xfrm>
+          <a:prstGeom prst="rect">
+            <a:avLst/>
+          </a:prstGeom>
+          <a:noFill/>
+          <a:ln>
+            <a:noFill/>
+          </a:ln>
+          <a:effectLst/>
+          <a:extLst>
+            <a:ext uri="{909E8E84-426E-40DD-AFC4-6F175D3DCCD1}">
+              <a14:hiddenFill xmlns:a14="http://schemas.microsoft.com/office/drawing/2010/main">
+                <a:solidFill>
+                  <a:schemeClr val="accent1"/>
+                </a:solidFill>
+              </a14:hiddenFill>
+            </a:ext>
+            <a:ext uri="{91240B29-F687-4F45-9708-019B960494DF}">
+              <a14:hiddenLine xmlns:a14="http://schemas.microsoft.com/office/drawing/2010/main" w="9525">
+                <a:solidFill>
+                  <a:schemeClr val="tx1"/>
+                </a:solidFill>
+                <a:miter lim="800000"/>
+                <a:headEnd/>
+                <a:tailEnd/>
+              </a14:hiddenLine>
+            </a:ext>
+            <a:ext uri="{AF507438-7753-43E0-B8FC-AC1667EBCBE1}">
+              <a14:hiddenEffects xmlns:a14="http://schemas.microsoft.com/office/drawing/2010/main">
+                <a:effectLst>
+                  <a:outerShdw dist="35921" dir="2700000" algn="ctr" rotWithShape="0">
+                    <a:schemeClr val="bg2"/>
+                  </a:outerShdw>
+                </a:effectLst>
+              </a14:hiddenEffects>
+            </a:ext>
+          </a:extLst>
+        </p:spPr>
+      </p:pic>
+    </p:spTree>
+    <p:extLst>
+      <p:ext uri="{BB962C8B-B14F-4D97-AF65-F5344CB8AC3E}">
+        <p14:creationId xmlns:p14="http://schemas.microsoft.com/office/powerpoint/2010/main" val="3469555888"/>
+      </p:ext>
+    </p:extLst>
+  </p:cSld>
+  <p:clrMapOvr>
+    <a:masterClrMapping/>
+  </p:clrMapOvr>
+  <p:timing>
+    <p:tnLst>
+      <p:par>
+        <p:cTn id="1" dur="indefinite" restart="never" nodeType="tmRoot"/>
+      </p:par>
+    </p:tnLst>
+  </p:timing>
+</p:sld>
+</file>
+
+<file path=ppt/slides/slide21.xml><?xml version="1.0" encoding="utf-8"?>
+<p:sld xmlns:a="http://schemas.openxmlformats.org/drawingml/2006/main" xmlns:r="http://schemas.openxmlformats.org/officeDocument/2006/relationships" xmlns:p="http://schemas.openxmlformats.org/presentationml/2006/main">
+  <p:cSld>
+    <p:spTree>
+      <p:nvGrpSpPr>
+        <p:cNvPr id="1" name=""/>
+        <p:cNvGrpSpPr/>
+        <p:nvPr/>
+      </p:nvGrpSpPr>
+      <p:grpSpPr>
+        <a:xfrm>
+          <a:off x="0" y="0"/>
+          <a:ext cx="0" cy="0"/>
+          <a:chOff x="0" y="0"/>
+          <a:chExt cx="0" cy="0"/>
+        </a:xfrm>
+      </p:grpSpPr>
+      <p:sp>
+        <p:nvSpPr>
+          <p:cNvPr id="2" name="标题 1"/>
+          <p:cNvSpPr>
+            <a:spLocks noGrp="1"/>
+          </p:cNvSpPr>
+          <p:nvPr>
+            <p:ph type="title"/>
+          </p:nvPr>
+        </p:nvSpPr>
+        <p:spPr/>
+        <p:txBody>
+          <a:bodyPr/>
+          <a:lstStyle/>
+          <a:p>
+            <a:r>
               <a:rPr lang="zh-CN" altLang="en-US"/>
               <a:t>业务逻辑类设计示例</a:t>
             </a:r>
@@ -30503,7 +27555,7 @@
 </p:sld>
 </file>
 
-<file path=ppt/slides/slide21.xml><?xml version="1.0" encoding="utf-8"?>
+<file path=ppt/slides/slide22.xml><?xml version="1.0" encoding="utf-8"?>
 <p:sld xmlns:a="http://schemas.openxmlformats.org/drawingml/2006/main" xmlns:r="http://schemas.openxmlformats.org/officeDocument/2006/relationships" xmlns:p="http://schemas.openxmlformats.org/presentationml/2006/main">
   <p:cSld>
     <p:spTree>
@@ -30684,10 +27736,17 @@
   <p:clrMapOvr>
     <a:masterClrMapping/>
   </p:clrMapOvr>
+  <p:timing>
+    <p:tnLst>
+      <p:par>
+        <p:cTn id="1" dur="indefinite" restart="never" nodeType="tmRoot"/>
+      </p:par>
+    </p:tnLst>
+  </p:timing>
 </p:sld>
 </file>
 
-<file path=ppt/slides/slide22.xml><?xml version="1.0" encoding="utf-8"?>
+<file path=ppt/slides/slide23.xml><?xml version="1.0" encoding="utf-8"?>
 <p:sld xmlns:a="http://schemas.openxmlformats.org/drawingml/2006/main" xmlns:r="http://schemas.openxmlformats.org/officeDocument/2006/relationships" xmlns:p="http://schemas.openxmlformats.org/presentationml/2006/main">
   <p:cSld>
     <p:spTree>
@@ -30926,7 +27985,7 @@
 </p:sld>
 </file>
 
-<file path=ppt/slides/slide23.xml><?xml version="1.0" encoding="utf-8"?>
+<file path=ppt/slides/slide24.xml><?xml version="1.0" encoding="utf-8"?>
 <p:sld xmlns:a="http://schemas.openxmlformats.org/drawingml/2006/main" xmlns:r="http://schemas.openxmlformats.org/officeDocument/2006/relationships" xmlns:p="http://schemas.openxmlformats.org/presentationml/2006/main">
   <p:cSld>
     <p:spTree>
@@ -30991,7 +28050,7 @@
 </p:sld>
 </file>
 
-<file path=ppt/slides/slide24.xml><?xml version="1.0" encoding="utf-8"?>
+<file path=ppt/slides/slide25.xml><?xml version="1.0" encoding="utf-8"?>
 <p:sld xmlns:a="http://schemas.openxmlformats.org/drawingml/2006/main" xmlns:r="http://schemas.openxmlformats.org/officeDocument/2006/relationships" xmlns:p="http://schemas.openxmlformats.org/presentationml/2006/main">
   <p:cSld>
     <p:spTree>
@@ -31376,7 +28435,7 @@
 </p:sld>
 </file>
 
-<file path=ppt/slides/slide25.xml><?xml version="1.0" encoding="utf-8"?>
+<file path=ppt/slides/slide26.xml><?xml version="1.0" encoding="utf-8"?>
 <p:sld xmlns:a="http://schemas.openxmlformats.org/drawingml/2006/main" xmlns:r="http://schemas.openxmlformats.org/officeDocument/2006/relationships" xmlns:p="http://schemas.openxmlformats.org/presentationml/2006/main">
   <p:cSld>
     <p:spTree>
@@ -31564,7 +28623,7 @@
 </p:sld>
 </file>
 
-<file path=ppt/slides/slide26.xml><?xml version="1.0" encoding="utf-8"?>
+<file path=ppt/slides/slide27.xml><?xml version="1.0" encoding="utf-8"?>
 <p:sld xmlns:a="http://schemas.openxmlformats.org/drawingml/2006/main" xmlns:r="http://schemas.openxmlformats.org/officeDocument/2006/relationships" xmlns:p="http://schemas.openxmlformats.org/presentationml/2006/main">
   <p:cSld>
     <p:spTree>
@@ -31730,11 +28789,7 @@
           <a:p>
             <a:r>
               <a:rPr lang="zh-CN" altLang="en-US" dirty="0" smtClean="0"/>
-              <a:t>数</a:t>
-            </a:r>
-            <a:r>
-              <a:rPr lang="zh-CN" altLang="en-US" dirty="0" smtClean="0"/>
-              <a:t>据库设计</a:t>
+              <a:t>数据库设计</a:t>
             </a:r>
             <a:endParaRPr lang="en-US" altLang="zh-CN" dirty="0" smtClean="0"/>
           </a:p>
@@ -32085,7 +29140,7 @@
 </p:sld>
 </file>
 
-<file path=ppt/slides/slide27.xml><?xml version="1.0" encoding="utf-8"?>
+<file path=ppt/slides/slide28.xml><?xml version="1.0" encoding="utf-8"?>
 <p:sld xmlns:a="http://schemas.openxmlformats.org/drawingml/2006/main" xmlns:r="http://schemas.openxmlformats.org/officeDocument/2006/relationships" xmlns:p="http://schemas.openxmlformats.org/presentationml/2006/main">
   <p:cSld>
     <p:spTree>
@@ -32274,7 +29329,7 @@
 </p:sld>
 </file>
 
-<file path=ppt/slides/slide28.xml><?xml version="1.0" encoding="utf-8"?>
+<file path=ppt/slides/slide29.xml><?xml version="1.0" encoding="utf-8"?>
 <p:sld xmlns:a="http://schemas.openxmlformats.org/drawingml/2006/main" xmlns:r="http://schemas.openxmlformats.org/officeDocument/2006/relationships" xmlns:p="http://schemas.openxmlformats.org/presentationml/2006/main">
   <p:cSld>
     <p:spTree>
@@ -32342,7 +29397,122 @@
 </p:sld>
 </file>
 
-<file path=ppt/slides/slide29.xml><?xml version="1.0" encoding="utf-8"?>
+<file path=ppt/slides/slide3.xml><?xml version="1.0" encoding="utf-8"?>
+<p:sld xmlns:a="http://schemas.openxmlformats.org/drawingml/2006/main" xmlns:r="http://schemas.openxmlformats.org/officeDocument/2006/relationships" xmlns:p="http://schemas.openxmlformats.org/presentationml/2006/main">
+  <p:cSld>
+    <p:spTree>
+      <p:nvGrpSpPr>
+        <p:cNvPr id="1" name=""/>
+        <p:cNvGrpSpPr/>
+        <p:nvPr/>
+      </p:nvGrpSpPr>
+      <p:grpSpPr>
+        <a:xfrm>
+          <a:off x="0" y="0"/>
+          <a:ext cx="0" cy="0"/>
+          <a:chOff x="0" y="0"/>
+          <a:chExt cx="0" cy="0"/>
+        </a:xfrm>
+      </p:grpSpPr>
+      <p:sp>
+        <p:nvSpPr>
+          <p:cNvPr id="2" name="标题 1"/>
+          <p:cNvSpPr>
+            <a:spLocks noGrp="1"/>
+          </p:cNvSpPr>
+          <p:nvPr>
+            <p:ph type="title"/>
+          </p:nvPr>
+        </p:nvSpPr>
+        <p:spPr/>
+        <p:txBody>
+          <a:bodyPr/>
+          <a:lstStyle/>
+          <a:p>
+            <a:r>
+              <a:rPr lang="zh-CN" altLang="en-US" dirty="0" smtClean="0"/>
+              <a:t>目录</a:t>
+            </a:r>
+            <a:endParaRPr lang="zh-CN" altLang="en-US" dirty="0"/>
+          </a:p>
+        </p:txBody>
+      </p:sp>
+      <p:sp>
+        <p:nvSpPr>
+          <p:cNvPr id="3" name="内容占位符 2"/>
+          <p:cNvSpPr>
+            <a:spLocks noGrp="1"/>
+          </p:cNvSpPr>
+          <p:nvPr>
+            <p:ph idx="1"/>
+          </p:nvPr>
+        </p:nvSpPr>
+        <p:spPr/>
+        <p:txBody>
+          <a:bodyPr/>
+          <a:lstStyle/>
+          <a:p>
+            <a:r>
+              <a:rPr lang="zh-CN" altLang="en-US" dirty="0" smtClean="0"/>
+              <a:t>概述</a:t>
+            </a:r>
+            <a:endParaRPr lang="en-US" altLang="zh-CN" dirty="0" smtClean="0"/>
+          </a:p>
+          <a:p>
+            <a:r>
+              <a:rPr lang="zh-CN" altLang="en-US" dirty="0"/>
+              <a:t>逻辑设</a:t>
+            </a:r>
+            <a:r>
+              <a:rPr lang="zh-CN" altLang="en-US" dirty="0" smtClean="0"/>
+              <a:t>计</a:t>
+            </a:r>
+            <a:endParaRPr lang="en-US" altLang="zh-CN" dirty="0" smtClean="0"/>
+          </a:p>
+          <a:p>
+            <a:r>
+              <a:rPr lang="zh-CN" altLang="en-US" dirty="0"/>
+              <a:t>物理设</a:t>
+            </a:r>
+            <a:r>
+              <a:rPr lang="zh-CN" altLang="en-US" dirty="0" smtClean="0"/>
+              <a:t>计</a:t>
+            </a:r>
+            <a:endParaRPr lang="en-US" altLang="zh-CN" dirty="0" smtClean="0"/>
+          </a:p>
+          <a:p>
+            <a:r>
+              <a:rPr lang="zh-CN" altLang="en-US" dirty="0" smtClean="0"/>
+              <a:t>系统设计说明书</a:t>
+            </a:r>
+            <a:endParaRPr lang="en-US" altLang="zh-CN" dirty="0" smtClean="0"/>
+          </a:p>
+          <a:p>
+            <a:endParaRPr lang="zh-CN" altLang="en-US" dirty="0"/>
+          </a:p>
+        </p:txBody>
+      </p:sp>
+    </p:spTree>
+    <p:extLst>
+      <p:ext uri="{BB962C8B-B14F-4D97-AF65-F5344CB8AC3E}">
+        <p14:creationId xmlns:p14="http://schemas.microsoft.com/office/powerpoint/2010/main" val="3698955645"/>
+      </p:ext>
+    </p:extLst>
+  </p:cSld>
+  <p:clrMapOvr>
+    <a:masterClrMapping/>
+  </p:clrMapOvr>
+  <p:timing>
+    <p:tnLst>
+      <p:par>
+        <p:cTn id="1" dur="indefinite" restart="never" nodeType="tmRoot"/>
+      </p:par>
+    </p:tnLst>
+  </p:timing>
+</p:sld>
+</file>
+
+<file path=ppt/slides/slide30.xml><?xml version="1.0" encoding="utf-8"?>
 <p:sld xmlns:a="http://schemas.openxmlformats.org/drawingml/2006/main" xmlns:r="http://schemas.openxmlformats.org/officeDocument/2006/relationships" xmlns:p="http://schemas.openxmlformats.org/presentationml/2006/main">
   <p:cSld>
     <p:spTree>
@@ -38199,122 +35369,7 @@
 </p:sld>
 </file>
 
-<file path=ppt/slides/slide3.xml><?xml version="1.0" encoding="utf-8"?>
-<p:sld xmlns:a="http://schemas.openxmlformats.org/drawingml/2006/main" xmlns:r="http://schemas.openxmlformats.org/officeDocument/2006/relationships" xmlns:p="http://schemas.openxmlformats.org/presentationml/2006/main">
-  <p:cSld>
-    <p:spTree>
-      <p:nvGrpSpPr>
-        <p:cNvPr id="1" name=""/>
-        <p:cNvGrpSpPr/>
-        <p:nvPr/>
-      </p:nvGrpSpPr>
-      <p:grpSpPr>
-        <a:xfrm>
-          <a:off x="0" y="0"/>
-          <a:ext cx="0" cy="0"/>
-          <a:chOff x="0" y="0"/>
-          <a:chExt cx="0" cy="0"/>
-        </a:xfrm>
-      </p:grpSpPr>
-      <p:sp>
-        <p:nvSpPr>
-          <p:cNvPr id="2" name="标题 1"/>
-          <p:cNvSpPr>
-            <a:spLocks noGrp="1"/>
-          </p:cNvSpPr>
-          <p:nvPr>
-            <p:ph type="title"/>
-          </p:nvPr>
-        </p:nvSpPr>
-        <p:spPr/>
-        <p:txBody>
-          <a:bodyPr/>
-          <a:lstStyle/>
-          <a:p>
-            <a:r>
-              <a:rPr lang="zh-CN" altLang="en-US" dirty="0" smtClean="0"/>
-              <a:t>目录</a:t>
-            </a:r>
-            <a:endParaRPr lang="zh-CN" altLang="en-US" dirty="0"/>
-          </a:p>
-        </p:txBody>
-      </p:sp>
-      <p:sp>
-        <p:nvSpPr>
-          <p:cNvPr id="3" name="内容占位符 2"/>
-          <p:cNvSpPr>
-            <a:spLocks noGrp="1"/>
-          </p:cNvSpPr>
-          <p:nvPr>
-            <p:ph idx="1"/>
-          </p:nvPr>
-        </p:nvSpPr>
-        <p:spPr/>
-        <p:txBody>
-          <a:bodyPr/>
-          <a:lstStyle/>
-          <a:p>
-            <a:r>
-              <a:rPr lang="zh-CN" altLang="en-US" dirty="0" smtClean="0"/>
-              <a:t>概述</a:t>
-            </a:r>
-            <a:endParaRPr lang="en-US" altLang="zh-CN" dirty="0" smtClean="0"/>
-          </a:p>
-          <a:p>
-            <a:r>
-              <a:rPr lang="zh-CN" altLang="en-US" dirty="0"/>
-              <a:t>逻辑设</a:t>
-            </a:r>
-            <a:r>
-              <a:rPr lang="zh-CN" altLang="en-US" dirty="0" smtClean="0"/>
-              <a:t>计</a:t>
-            </a:r>
-            <a:endParaRPr lang="en-US" altLang="zh-CN" dirty="0" smtClean="0"/>
-          </a:p>
-          <a:p>
-            <a:r>
-              <a:rPr lang="zh-CN" altLang="en-US" dirty="0"/>
-              <a:t>物理设</a:t>
-            </a:r>
-            <a:r>
-              <a:rPr lang="zh-CN" altLang="en-US" dirty="0" smtClean="0"/>
-              <a:t>计</a:t>
-            </a:r>
-            <a:endParaRPr lang="en-US" altLang="zh-CN" dirty="0" smtClean="0"/>
-          </a:p>
-          <a:p>
-            <a:r>
-              <a:rPr lang="zh-CN" altLang="en-US" dirty="0" smtClean="0"/>
-              <a:t>系统设计说明书</a:t>
-            </a:r>
-            <a:endParaRPr lang="en-US" altLang="zh-CN" dirty="0" smtClean="0"/>
-          </a:p>
-          <a:p>
-            <a:endParaRPr lang="zh-CN" altLang="en-US" dirty="0"/>
-          </a:p>
-        </p:txBody>
-      </p:sp>
-    </p:spTree>
-    <p:extLst>
-      <p:ext uri="{BB962C8B-B14F-4D97-AF65-F5344CB8AC3E}">
-        <p14:creationId xmlns:p14="http://schemas.microsoft.com/office/powerpoint/2010/main" val="3698955645"/>
-      </p:ext>
-    </p:extLst>
-  </p:cSld>
-  <p:clrMapOvr>
-    <a:masterClrMapping/>
-  </p:clrMapOvr>
-  <p:timing>
-    <p:tnLst>
-      <p:par>
-        <p:cTn id="1" dur="indefinite" restart="never" nodeType="tmRoot"/>
-      </p:par>
-    </p:tnLst>
-  </p:timing>
-</p:sld>
-</file>
-
-<file path=ppt/slides/slide30.xml><?xml version="1.0" encoding="utf-8"?>
+<file path=ppt/slides/slide31.xml><?xml version="1.0" encoding="utf-8"?>
 <p:sld xmlns:a="http://schemas.openxmlformats.org/drawingml/2006/main" xmlns:r="http://schemas.openxmlformats.org/officeDocument/2006/relationships" xmlns:p="http://schemas.openxmlformats.org/presentationml/2006/main">
   <p:cSld>
     <p:spTree>
@@ -38407,18 +35462,7 @@
                   </a:schemeClr>
                 </a:solidFill>
               </a:rPr>
-              <a:t>够处理服务请求</a:t>
-            </a:r>
-            <a:r>
-              <a:rPr lang="zh-CN" altLang="en-US" i="1" dirty="0">
-                <a:solidFill>
-                  <a:schemeClr val="tx1">
-                    <a:lumMod val="65000"/>
-                    <a:lumOff val="35000"/>
-                  </a:schemeClr>
-                </a:solidFill>
-              </a:rPr>
-              <a:t>的设计目</a:t>
+              <a:t>够处理服务请求的设计目</a:t>
             </a:r>
             <a:r>
               <a:rPr lang="zh-CN" altLang="en-US" i="1" dirty="0" smtClean="0">
@@ -38429,18 +35473,7 @@
                   </a:schemeClr>
                 </a:solidFill>
               </a:rPr>
-              <a:t>标相符的指</a:t>
-            </a:r>
-            <a:r>
-              <a:rPr lang="zh-CN" altLang="en-US" i="1" dirty="0" smtClean="0">
-                <a:solidFill>
-                  <a:schemeClr val="tx1">
-                    <a:lumMod val="65000"/>
-                    <a:lumOff val="35000"/>
-                  </a:schemeClr>
-                </a:solidFill>
-              </a:rPr>
-              <a:t>标</a:t>
+              <a:t>标相符的指标</a:t>
             </a:r>
             <a:endParaRPr lang="en-US" altLang="zh-CN" i="1" dirty="0" smtClean="0">
               <a:solidFill>
@@ -39517,7 +36550,7 @@
 </p:sld>
 </file>
 
-<file path=ppt/slides/slide31.xml><?xml version="1.0" encoding="utf-8"?>
+<file path=ppt/slides/slide32.xml><?xml version="1.0" encoding="utf-8"?>
 <p:sld xmlns:a="http://schemas.openxmlformats.org/drawingml/2006/main" xmlns:r="http://schemas.openxmlformats.org/officeDocument/2006/relationships" xmlns:p="http://schemas.openxmlformats.org/presentationml/2006/main">
   <p:cSld>
     <p:spTree>
@@ -40662,7 +37695,7 @@
 </p:sld>
 </file>
 
-<file path=ppt/slides/slide32.xml><?xml version="1.0" encoding="utf-8"?>
+<file path=ppt/slides/slide33.xml><?xml version="1.0" encoding="utf-8"?>
 <p:sld xmlns:a="http://schemas.openxmlformats.org/drawingml/2006/main" xmlns:r="http://schemas.openxmlformats.org/officeDocument/2006/relationships" xmlns:p="http://schemas.openxmlformats.org/presentationml/2006/main">
   <p:cSld>
     <p:spTree>
@@ -41861,7 +38894,7 @@
 </p:sld>
 </file>
 
-<file path=ppt/slides/slide33.xml><?xml version="1.0" encoding="utf-8"?>
+<file path=ppt/slides/slide34.xml><?xml version="1.0" encoding="utf-8"?>
 <p:sld xmlns:a="http://schemas.openxmlformats.org/drawingml/2006/main" xmlns:r="http://schemas.openxmlformats.org/officeDocument/2006/relationships" xmlns:p="http://schemas.openxmlformats.org/presentationml/2006/main">
   <p:cSld>
     <p:spTree>
@@ -41931,7 +38964,7 @@
 </p:sld>
 </file>
 
-<file path=ppt/slides/slide34.xml><?xml version="1.0" encoding="utf-8"?>
+<file path=ppt/slides/slide35.xml><?xml version="1.0" encoding="utf-8"?>
 <p:sld xmlns:a="http://schemas.openxmlformats.org/drawingml/2006/main" xmlns:r="http://schemas.openxmlformats.org/officeDocument/2006/relationships" xmlns:p="http://schemas.openxmlformats.org/presentationml/2006/main">
   <p:cSld>
     <p:spTree>
@@ -42080,7 +39113,7 @@
 </p:sld>
 </file>
 
-<file path=ppt/slides/slide35.xml><?xml version="1.0" encoding="utf-8"?>
+<file path=ppt/slides/slide36.xml><?xml version="1.0" encoding="utf-8"?>
 <p:sld xmlns:a="http://schemas.openxmlformats.org/drawingml/2006/main" xmlns:r="http://schemas.openxmlformats.org/officeDocument/2006/relationships" xmlns:p="http://schemas.openxmlformats.org/presentationml/2006/main">
   <p:cSld>
     <p:spTree>
@@ -42195,7 +39228,7 @@
 </p:sld>
 </file>
 
-<file path=ppt/slides/slide36.xml><?xml version="1.0" encoding="utf-8"?>
+<file path=ppt/slides/slide37.xml><?xml version="1.0" encoding="utf-8"?>
 <p:sld xmlns:a="http://schemas.openxmlformats.org/drawingml/2006/main" xmlns:r="http://schemas.openxmlformats.org/officeDocument/2006/relationships" xmlns:p="http://schemas.openxmlformats.org/presentationml/2006/main">
   <p:cSld>
     <p:spTree>
